--- a/tutorials/Scala/presentations/00_Introduction.pptx
+++ b/tutorials/Scala/presentations/00_Introduction.pptx
@@ -6,27 +6,28 @@
   </p:sldMasterIdLst>
   <p:sldIdLst>
     <p:sldId id="256" r:id="rId2"/>
-    <p:sldId id="257" r:id="rId3"/>
-    <p:sldId id="258" r:id="rId4"/>
-    <p:sldId id="259" r:id="rId5"/>
-    <p:sldId id="260" r:id="rId6"/>
-    <p:sldId id="284" r:id="rId7"/>
-    <p:sldId id="269" r:id="rId8"/>
-    <p:sldId id="272" r:id="rId9"/>
-    <p:sldId id="283" r:id="rId10"/>
-    <p:sldId id="273" r:id="rId11"/>
-    <p:sldId id="274" r:id="rId12"/>
-    <p:sldId id="262" r:id="rId13"/>
-    <p:sldId id="263" r:id="rId14"/>
-    <p:sldId id="264" r:id="rId15"/>
-    <p:sldId id="265" r:id="rId16"/>
-    <p:sldId id="267" r:id="rId17"/>
-    <p:sldId id="268" r:id="rId18"/>
-    <p:sldId id="275" r:id="rId19"/>
-    <p:sldId id="276" r:id="rId20"/>
-    <p:sldId id="277" r:id="rId21"/>
-    <p:sldId id="278" r:id="rId22"/>
-    <p:sldId id="279" r:id="rId23"/>
+    <p:sldId id="259" r:id="rId3"/>
+    <p:sldId id="260" r:id="rId4"/>
+    <p:sldId id="284" r:id="rId5"/>
+    <p:sldId id="285" r:id="rId6"/>
+    <p:sldId id="286" r:id="rId7"/>
+    <p:sldId id="287" r:id="rId8"/>
+    <p:sldId id="269" r:id="rId9"/>
+    <p:sldId id="272" r:id="rId10"/>
+    <p:sldId id="283" r:id="rId11"/>
+    <p:sldId id="273" r:id="rId12"/>
+    <p:sldId id="274" r:id="rId13"/>
+    <p:sldId id="262" r:id="rId14"/>
+    <p:sldId id="263" r:id="rId15"/>
+    <p:sldId id="264" r:id="rId16"/>
+    <p:sldId id="265" r:id="rId17"/>
+    <p:sldId id="267" r:id="rId18"/>
+    <p:sldId id="268" r:id="rId19"/>
+    <p:sldId id="275" r:id="rId20"/>
+    <p:sldId id="276" r:id="rId21"/>
+    <p:sldId id="277" r:id="rId22"/>
+    <p:sldId id="278" r:id="rId23"/>
+    <p:sldId id="279" r:id="rId24"/>
   </p:sldIdLst>
   <p:sldSz cx="12192000" cy="6858000"/>
   <p:notesSz cx="6858000" cy="9144000"/>
@@ -323,7 +324,7 @@
           <a:p>
             <a:fld id="{38351DFD-6F58-49E4-9044-CE87C7772C3C}" type="datetimeFigureOut">
               <a:rPr lang="en-US" smtClean="0"/>
-              <a:t>2025-01-25</a:t>
+              <a:t>2025-01-27</a:t>
             </a:fld>
             <a:endParaRPr lang="en-US"/>
           </a:p>
@@ -491,7 +492,7 @@
           <a:p>
             <a:fld id="{38351DFD-6F58-49E4-9044-CE87C7772C3C}" type="datetimeFigureOut">
               <a:rPr lang="en-US" smtClean="0"/>
-              <a:t>2025-01-25</a:t>
+              <a:t>2025-01-27</a:t>
             </a:fld>
             <a:endParaRPr lang="en-US"/>
           </a:p>
@@ -669,7 +670,7 @@
           <a:p>
             <a:fld id="{38351DFD-6F58-49E4-9044-CE87C7772C3C}" type="datetimeFigureOut">
               <a:rPr lang="en-US" smtClean="0"/>
-              <a:t>2025-01-25</a:t>
+              <a:t>2025-01-27</a:t>
             </a:fld>
             <a:endParaRPr lang="en-US"/>
           </a:p>
@@ -837,7 +838,7 @@
           <a:p>
             <a:fld id="{38351DFD-6F58-49E4-9044-CE87C7772C3C}" type="datetimeFigureOut">
               <a:rPr lang="en-US" smtClean="0"/>
-              <a:t>2025-01-25</a:t>
+              <a:t>2025-01-27</a:t>
             </a:fld>
             <a:endParaRPr lang="en-US"/>
           </a:p>
@@ -1082,7 +1083,7 @@
           <a:p>
             <a:fld id="{38351DFD-6F58-49E4-9044-CE87C7772C3C}" type="datetimeFigureOut">
               <a:rPr lang="en-US" smtClean="0"/>
-              <a:t>2025-01-25</a:t>
+              <a:t>2025-01-27</a:t>
             </a:fld>
             <a:endParaRPr lang="en-US"/>
           </a:p>
@@ -1367,7 +1368,7 @@
           <a:p>
             <a:fld id="{38351DFD-6F58-49E4-9044-CE87C7772C3C}" type="datetimeFigureOut">
               <a:rPr lang="en-US" smtClean="0"/>
-              <a:t>2025-01-25</a:t>
+              <a:t>2025-01-27</a:t>
             </a:fld>
             <a:endParaRPr lang="en-US"/>
           </a:p>
@@ -1786,7 +1787,7 @@
           <a:p>
             <a:fld id="{38351DFD-6F58-49E4-9044-CE87C7772C3C}" type="datetimeFigureOut">
               <a:rPr lang="en-US" smtClean="0"/>
-              <a:t>2025-01-25</a:t>
+              <a:t>2025-01-27</a:t>
             </a:fld>
             <a:endParaRPr lang="en-US"/>
           </a:p>
@@ -1903,7 +1904,7 @@
           <a:p>
             <a:fld id="{38351DFD-6F58-49E4-9044-CE87C7772C3C}" type="datetimeFigureOut">
               <a:rPr lang="en-US" smtClean="0"/>
-              <a:t>2025-01-25</a:t>
+              <a:t>2025-01-27</a:t>
             </a:fld>
             <a:endParaRPr lang="en-US"/>
           </a:p>
@@ -1998,7 +1999,7 @@
           <a:p>
             <a:fld id="{38351DFD-6F58-49E4-9044-CE87C7772C3C}" type="datetimeFigureOut">
               <a:rPr lang="en-US" smtClean="0"/>
-              <a:t>2025-01-25</a:t>
+              <a:t>2025-01-27</a:t>
             </a:fld>
             <a:endParaRPr lang="en-US"/>
           </a:p>
@@ -2273,7 +2274,7 @@
           <a:p>
             <a:fld id="{38351DFD-6F58-49E4-9044-CE87C7772C3C}" type="datetimeFigureOut">
               <a:rPr lang="en-US" smtClean="0"/>
-              <a:t>2025-01-25</a:t>
+              <a:t>2025-01-27</a:t>
             </a:fld>
             <a:endParaRPr lang="en-US"/>
           </a:p>
@@ -2525,7 +2526,7 @@
           <a:p>
             <a:fld id="{38351DFD-6F58-49E4-9044-CE87C7772C3C}" type="datetimeFigureOut">
               <a:rPr lang="en-US" smtClean="0"/>
-              <a:t>2025-01-25</a:t>
+              <a:t>2025-01-27</a:t>
             </a:fld>
             <a:endParaRPr lang="en-US"/>
           </a:p>
@@ -2736,7 +2737,7 @@
           <a:p>
             <a:fld id="{38351DFD-6F58-49E4-9044-CE87C7772C3C}" type="datetimeFigureOut">
               <a:rPr lang="en-US" smtClean="0"/>
-              <a:t>2025-01-25</a:t>
+              <a:t>2025-01-27</a:t>
             </a:fld>
             <a:endParaRPr lang="en-US"/>
           </a:p>
@@ -3128,14 +3129,7 @@
           <a:p>
             <a:r>
               <a:rPr lang="en-US" dirty="0"/>
-              <a:t>CIS-3030</a:t>
-            </a:r>
-            <a:br>
-              <a:rPr lang="en-US" dirty="0"/>
-            </a:br>
-            <a:r>
-              <a:rPr lang="en-US" dirty="0"/>
-              <a:t>Programming Languages</a:t>
+              <a:t>An Introduction to Scala</a:t>
             </a:r>
           </a:p>
         </p:txBody>
@@ -3163,7 +3157,7 @@
           <a:p>
             <a:r>
               <a:rPr lang="en-US" dirty="0"/>
-              <a:t>Vermont Technical College</a:t>
+              <a:t>Vermont State University</a:t>
             </a:r>
           </a:p>
         </p:txBody>
@@ -3215,7 +3209,7 @@
           <a:p>
             <a:r>
               <a:rPr lang="en-US" dirty="0"/>
-              <a:t>Scala is Functional</a:t>
+              <a:t>Scala is Object Oriented</a:t>
             </a:r>
           </a:p>
         </p:txBody>
@@ -3228,8 +3222,8 @@
         </p:nvSpPr>
         <p:spPr>
           <a:xfrm>
-            <a:off x="1719943" y="2133601"/>
-            <a:ext cx="8915400" cy="3293209"/>
+            <a:off x="2115583" y="1417638"/>
+            <a:ext cx="7960834" cy="4770537"/>
           </a:xfrm>
           <a:prstGeom prst="rect">
             <a:avLst/>
@@ -3237,7 +3231,7 @@
           <a:noFill/>
         </p:spPr>
         <p:txBody>
-          <a:bodyPr wrap="square" rtlCol="0">
+          <a:bodyPr wrap="none" rtlCol="0">
             <a:spAutoFit/>
           </a:bodyPr>
           <a:lstStyle/>
@@ -3247,10 +3241,47 @@
                 <a:latin typeface="Courier New" pitchFamily="49" charset="0"/>
                 <a:cs typeface="Courier New" pitchFamily="49" charset="0"/>
               </a:rPr>
-              <a:t>// Return the total size of all files in the specified folder.</a:t>
-            </a:r>
-          </a:p>
-          <a:p>
+              <a:t>// Abstract superclass describes all animals.</a:t>
+            </a:r>
+          </a:p>
+          <a:p>
+            <a:r>
+              <a:rPr lang="en-US" sz="1600" b="1" dirty="0">
+                <a:latin typeface="Courier New" pitchFamily="49" charset="0"/>
+                <a:cs typeface="Courier New" pitchFamily="49" charset="0"/>
+              </a:rPr>
+              <a:t>abstract</a:t>
+            </a:r>
+            <a:r>
+              <a:rPr lang="en-US" sz="1600" dirty="0">
+                <a:latin typeface="Courier New" pitchFamily="49" charset="0"/>
+                <a:cs typeface="Courier New" pitchFamily="49" charset="0"/>
+              </a:rPr>
+              <a:t> </a:t>
+            </a:r>
+            <a:r>
+              <a:rPr lang="en-US" sz="1600" b="1" dirty="0">
+                <a:latin typeface="Courier New" pitchFamily="49" charset="0"/>
+                <a:cs typeface="Courier New" pitchFamily="49" charset="0"/>
+              </a:rPr>
+              <a:t>class</a:t>
+            </a:r>
+            <a:r>
+              <a:rPr lang="en-US" sz="1600" dirty="0">
+                <a:latin typeface="Courier New" pitchFamily="49" charset="0"/>
+                <a:cs typeface="Courier New" pitchFamily="49" charset="0"/>
+              </a:rPr>
+              <a:t> Animal {</a:t>
+            </a:r>
+          </a:p>
+          <a:p>
+            <a:r>
+              <a:rPr lang="en-US" sz="1600" dirty="0">
+                <a:latin typeface="Courier New" pitchFamily="49" charset="0"/>
+                <a:cs typeface="Courier New" pitchFamily="49" charset="0"/>
+              </a:rPr>
+              <a:t>  </a:t>
+            </a:r>
             <a:r>
               <a:rPr lang="en-US" sz="1600" b="1" dirty="0" err="1">
                 <a:latin typeface="Courier New" pitchFamily="49" charset="0"/>
@@ -3263,35 +3294,16 @@
                 <a:latin typeface="Courier New" pitchFamily="49" charset="0"/>
                 <a:cs typeface="Courier New" pitchFamily="49" charset="0"/>
               </a:rPr>
-              <a:t> </a:t>
-            </a:r>
-            <a:r>
-              <a:rPr lang="en-US" sz="1600" dirty="0" err="1">
-                <a:latin typeface="Courier New" pitchFamily="49" charset="0"/>
-                <a:cs typeface="Courier New" pitchFamily="49" charset="0"/>
-              </a:rPr>
-              <a:t>folderSize</a:t>
-            </a:r>
-            <a:r>
-              <a:rPr lang="en-US" sz="1600" dirty="0">
-                <a:latin typeface="Courier New" pitchFamily="49" charset="0"/>
-                <a:cs typeface="Courier New" pitchFamily="49" charset="0"/>
-              </a:rPr>
-              <a:t>(</a:t>
-            </a:r>
-            <a:r>
-              <a:rPr lang="en-US" sz="1600" dirty="0" err="1">
-                <a:latin typeface="Courier New" pitchFamily="49" charset="0"/>
-                <a:cs typeface="Courier New" pitchFamily="49" charset="0"/>
-              </a:rPr>
-              <a:t>folderName</a:t>
-            </a:r>
-            <a:r>
-              <a:rPr lang="en-US" sz="1600" dirty="0">
-                <a:latin typeface="Courier New" pitchFamily="49" charset="0"/>
-                <a:cs typeface="Courier New" pitchFamily="49" charset="0"/>
-              </a:rPr>
-              <a:t>: String) = {</a:t>
+              <a:t> weight: Double</a:t>
+            </a:r>
+          </a:p>
+          <a:p>
+            <a:r>
+              <a:rPr lang="en-US" sz="1600" dirty="0">
+                <a:latin typeface="Courier New" pitchFamily="49" charset="0"/>
+                <a:cs typeface="Courier New" pitchFamily="49" charset="0"/>
+              </a:rPr>
+              <a:t>}</a:t>
             </a:r>
           </a:p>
           <a:p>
@@ -3306,36 +3318,80 @@
                 <a:latin typeface="Courier New" pitchFamily="49" charset="0"/>
                 <a:cs typeface="Courier New" pitchFamily="49" charset="0"/>
               </a:rPr>
-              <a:t>   // Java libraries are usable from Scala.</a:t>
-            </a:r>
-          </a:p>
-          <a:p>
-            <a:r>
-              <a:rPr lang="en-US" sz="1600" dirty="0">
-                <a:latin typeface="Courier New" pitchFamily="49" charset="0"/>
-                <a:cs typeface="Courier New" pitchFamily="49" charset="0"/>
-              </a:rPr>
-              <a:t>   </a:t>
-            </a:r>
-            <a:r>
-              <a:rPr lang="en-US" sz="1600" b="1" dirty="0" err="1">
-                <a:latin typeface="Courier New" pitchFamily="49" charset="0"/>
-                <a:cs typeface="Courier New" pitchFamily="49" charset="0"/>
-              </a:rPr>
-              <a:t>val</a:t>
-            </a:r>
-            <a:r>
-              <a:rPr lang="en-US" sz="1600" dirty="0">
-                <a:latin typeface="Courier New" pitchFamily="49" charset="0"/>
-                <a:cs typeface="Courier New" pitchFamily="49" charset="0"/>
-              </a:rPr>
-              <a:t> folder = </a:t>
-            </a:r>
+              <a:t>// Subclass representing cats. Overrides abstract methods.</a:t>
+            </a:r>
+          </a:p>
+          <a:p>
             <a:r>
               <a:rPr lang="en-US" sz="1600" b="1" dirty="0">
                 <a:latin typeface="Courier New" pitchFamily="49" charset="0"/>
                 <a:cs typeface="Courier New" pitchFamily="49" charset="0"/>
               </a:rPr>
+              <a:t>class</a:t>
+            </a:r>
+            <a:r>
+              <a:rPr lang="en-US" sz="1600" dirty="0">
+                <a:latin typeface="Courier New" pitchFamily="49" charset="0"/>
+                <a:cs typeface="Courier New" pitchFamily="49" charset="0"/>
+              </a:rPr>
+              <a:t> Cat(w: Double) </a:t>
+            </a:r>
+            <a:r>
+              <a:rPr lang="en-US" sz="1600" b="1" dirty="0">
+                <a:latin typeface="Courier New" pitchFamily="49" charset="0"/>
+                <a:cs typeface="Courier New" pitchFamily="49" charset="0"/>
+              </a:rPr>
+              <a:t>extends</a:t>
+            </a:r>
+            <a:r>
+              <a:rPr lang="en-US" sz="1600" dirty="0">
+                <a:latin typeface="Courier New" pitchFamily="49" charset="0"/>
+                <a:cs typeface="Courier New" pitchFamily="49" charset="0"/>
+              </a:rPr>
+              <a:t> Animal {</a:t>
+            </a:r>
+          </a:p>
+          <a:p>
+            <a:r>
+              <a:rPr lang="en-US" sz="1600" dirty="0">
+                <a:latin typeface="Courier New" pitchFamily="49" charset="0"/>
+                <a:cs typeface="Courier New" pitchFamily="49" charset="0"/>
+              </a:rPr>
+              <a:t>  </a:t>
+            </a:r>
+            <a:r>
+              <a:rPr lang="en-US" sz="1600" b="1" dirty="0">
+                <a:latin typeface="Courier New" pitchFamily="49" charset="0"/>
+                <a:cs typeface="Courier New" pitchFamily="49" charset="0"/>
+              </a:rPr>
+              <a:t>if</a:t>
+            </a:r>
+            <a:r>
+              <a:rPr lang="en-US" sz="1600" dirty="0">
+                <a:latin typeface="Courier New" pitchFamily="49" charset="0"/>
+                <a:cs typeface="Courier New" pitchFamily="49" charset="0"/>
+              </a:rPr>
+              <a:t> (w &lt; 0.0) </a:t>
+            </a:r>
+            <a:r>
+              <a:rPr lang="en-US" sz="1600" b="1" dirty="0">
+                <a:latin typeface="Courier New" pitchFamily="49" charset="0"/>
+                <a:cs typeface="Courier New" pitchFamily="49" charset="0"/>
+              </a:rPr>
+              <a:t>throw</a:t>
+            </a:r>
+            <a:r>
+              <a:rPr lang="en-US" sz="1600" dirty="0">
+                <a:latin typeface="Courier New" pitchFamily="49" charset="0"/>
+                <a:cs typeface="Courier New" pitchFamily="49" charset="0"/>
+              </a:rPr>
+              <a:t> </a:t>
+            </a:r>
+            <a:r>
+              <a:rPr lang="en-US" sz="1600" b="1" dirty="0">
+                <a:latin typeface="Courier New" pitchFamily="49" charset="0"/>
+                <a:cs typeface="Courier New" pitchFamily="49" charset="0"/>
+              </a:rPr>
               <a:t>new</a:t>
             </a:r>
             <a:r>
@@ -3350,120 +3406,14 @@
                 <a:latin typeface="Courier New" pitchFamily="49" charset="0"/>
                 <a:cs typeface="Courier New" pitchFamily="49" charset="0"/>
               </a:rPr>
-              <a:t>java.io.File</a:t>
-            </a:r>
-            <a:r>
-              <a:rPr lang="en-US" sz="1600" dirty="0">
-                <a:latin typeface="Courier New" pitchFamily="49" charset="0"/>
-                <a:cs typeface="Courier New" pitchFamily="49" charset="0"/>
-              </a:rPr>
-              <a:t>(</a:t>
-            </a:r>
-            <a:r>
-              <a:rPr lang="en-US" sz="1600" dirty="0" err="1">
-                <a:latin typeface="Courier New" pitchFamily="49" charset="0"/>
-                <a:cs typeface="Courier New" pitchFamily="49" charset="0"/>
-              </a:rPr>
-              <a:t>folderName</a:t>
-            </a:r>
-            <a:r>
-              <a:rPr lang="en-US" sz="1600" dirty="0">
-                <a:latin typeface="Courier New" pitchFamily="49" charset="0"/>
-                <a:cs typeface="Courier New" pitchFamily="49" charset="0"/>
-              </a:rPr>
-              <a:t>)</a:t>
-            </a:r>
-          </a:p>
-          <a:p>
+              <a:t>BadWeightException</a:t>
+            </a:r>
             <a:endParaRPr lang="en-US" sz="1600" dirty="0">
               <a:latin typeface="Courier New" pitchFamily="49" charset="0"/>
               <a:cs typeface="Courier New" pitchFamily="49" charset="0"/>
             </a:endParaRPr>
           </a:p>
           <a:p>
-            <a:r>
-              <a:rPr lang="en-US" sz="1600" dirty="0">
-                <a:latin typeface="Courier New" pitchFamily="49" charset="0"/>
-                <a:cs typeface="Courier New" pitchFamily="49" charset="0"/>
-              </a:rPr>
-              <a:t>   // Process list of files using “higher order” methods.</a:t>
-            </a:r>
-          </a:p>
-          <a:p>
-            <a:r>
-              <a:rPr lang="en-US" sz="1600" dirty="0">
-                <a:latin typeface="Courier New" pitchFamily="49" charset="0"/>
-                <a:cs typeface="Courier New" pitchFamily="49" charset="0"/>
-              </a:rPr>
-              <a:t>   </a:t>
-            </a:r>
-            <a:r>
-              <a:rPr lang="en-US" sz="1600" b="1" dirty="0" err="1">
-                <a:latin typeface="Courier New" pitchFamily="49" charset="0"/>
-                <a:cs typeface="Courier New" pitchFamily="49" charset="0"/>
-              </a:rPr>
-              <a:t>val</a:t>
-            </a:r>
-            <a:r>
-              <a:rPr lang="en-US" sz="1600" dirty="0">
-                <a:latin typeface="Courier New" pitchFamily="49" charset="0"/>
-                <a:cs typeface="Courier New" pitchFamily="49" charset="0"/>
-              </a:rPr>
-              <a:t> </a:t>
-            </a:r>
-            <a:r>
-              <a:rPr lang="en-US" sz="1600" dirty="0" err="1">
-                <a:latin typeface="Courier New" pitchFamily="49" charset="0"/>
-                <a:cs typeface="Courier New" pitchFamily="49" charset="0"/>
-              </a:rPr>
-              <a:t>fileLengths</a:t>
-            </a:r>
-            <a:r>
-              <a:rPr lang="en-US" sz="1600" dirty="0">
-                <a:latin typeface="Courier New" pitchFamily="49" charset="0"/>
-                <a:cs typeface="Courier New" pitchFamily="49" charset="0"/>
-              </a:rPr>
-              <a:t> =</a:t>
-            </a:r>
-          </a:p>
-          <a:p>
-            <a:r>
-              <a:rPr lang="en-US" sz="1600" dirty="0">
-                <a:latin typeface="Courier New" pitchFamily="49" charset="0"/>
-                <a:cs typeface="Courier New" pitchFamily="49" charset="0"/>
-              </a:rPr>
-              <a:t>     </a:t>
-            </a:r>
-            <a:r>
-              <a:rPr lang="en-US" sz="1600" dirty="0" err="1">
-                <a:latin typeface="Courier New" pitchFamily="49" charset="0"/>
-                <a:cs typeface="Courier New" pitchFamily="49" charset="0"/>
-              </a:rPr>
-              <a:t>folder.listFiles</a:t>
-            </a:r>
-            <a:r>
-              <a:rPr lang="en-US" sz="1600" dirty="0">
-                <a:latin typeface="Courier New" pitchFamily="49" charset="0"/>
-                <a:cs typeface="Courier New" pitchFamily="49" charset="0"/>
-              </a:rPr>
-              <a:t> filter { _.</a:t>
-            </a:r>
-            <a:r>
-              <a:rPr lang="en-US" sz="1600" dirty="0" err="1">
-                <a:latin typeface="Courier New" pitchFamily="49" charset="0"/>
-                <a:cs typeface="Courier New" pitchFamily="49" charset="0"/>
-              </a:rPr>
-              <a:t>isFile</a:t>
-            </a:r>
-            <a:r>
-              <a:rPr lang="en-US" sz="1600" dirty="0">
-                <a:latin typeface="Courier New" pitchFamily="49" charset="0"/>
-                <a:cs typeface="Courier New" pitchFamily="49" charset="0"/>
-              </a:rPr>
-              <a:t> } map { _.length }</a:t>
-            </a:r>
-          </a:p>
-          <a:p>
             <a:endParaRPr lang="en-US" sz="1600" dirty="0">
               <a:latin typeface="Courier New" pitchFamily="49" charset="0"/>
               <a:cs typeface="Courier New" pitchFamily="49" charset="0"/>
@@ -3475,39 +3425,285 @@
                 <a:latin typeface="Courier New" pitchFamily="49" charset="0"/>
                 <a:cs typeface="Courier New" pitchFamily="49" charset="0"/>
               </a:rPr>
-              <a:t>   // Collapse the resulting array of file lengths into a single value.</a:t>
-            </a:r>
-          </a:p>
-          <a:p>
-            <a:r>
-              <a:rPr lang="en-US" sz="1600" dirty="0">
-                <a:latin typeface="Courier New" pitchFamily="49" charset="0"/>
-                <a:cs typeface="Courier New" pitchFamily="49" charset="0"/>
-              </a:rPr>
-              <a:t>   </a:t>
+              <a:t>  </a:t>
+            </a:r>
+            <a:r>
+              <a:rPr lang="en-US" sz="1600" b="1" dirty="0">
+                <a:latin typeface="Courier New" pitchFamily="49" charset="0"/>
+                <a:cs typeface="Courier New" pitchFamily="49" charset="0"/>
+              </a:rPr>
+              <a:t>override</a:t>
+            </a:r>
+            <a:r>
+              <a:rPr lang="en-US" sz="1600" dirty="0">
+                <a:latin typeface="Courier New" pitchFamily="49" charset="0"/>
+                <a:cs typeface="Courier New" pitchFamily="49" charset="0"/>
+              </a:rPr>
+              <a:t> </a:t>
+            </a:r>
+            <a:r>
+              <a:rPr lang="en-US" sz="1600" b="1" dirty="0">
+                <a:latin typeface="Courier New" pitchFamily="49" charset="0"/>
+                <a:cs typeface="Courier New" pitchFamily="49" charset="0"/>
+              </a:rPr>
+              <a:t>def</a:t>
+            </a:r>
+            <a:r>
+              <a:rPr lang="en-US" sz="1600" dirty="0">
+                <a:latin typeface="Courier New" pitchFamily="49" charset="0"/>
+                <a:cs typeface="Courier New" pitchFamily="49" charset="0"/>
+              </a:rPr>
+              <a:t> weight = w</a:t>
+            </a:r>
+          </a:p>
+          <a:p>
+            <a:r>
+              <a:rPr lang="en-US" sz="1600" dirty="0">
+                <a:latin typeface="Courier New" pitchFamily="49" charset="0"/>
+                <a:cs typeface="Courier New" pitchFamily="49" charset="0"/>
+              </a:rPr>
+              <a:t>}</a:t>
+            </a:r>
+          </a:p>
+          <a:p>
+            <a:endParaRPr lang="en-US" sz="1600" dirty="0">
+              <a:latin typeface="Courier New" pitchFamily="49" charset="0"/>
+              <a:cs typeface="Courier New" pitchFamily="49" charset="0"/>
+            </a:endParaRPr>
+          </a:p>
+          <a:p>
+            <a:r>
+              <a:rPr lang="en-US" sz="1600" dirty="0">
+                <a:latin typeface="Courier New" pitchFamily="49" charset="0"/>
+                <a:cs typeface="Courier New" pitchFamily="49" charset="0"/>
+              </a:rPr>
+              <a:t>// Method to compute the total weight of all animals in a list.</a:t>
+            </a:r>
+          </a:p>
+          <a:p>
+            <a:r>
+              <a:rPr lang="en-US" sz="1600" b="1" dirty="0" err="1">
+                <a:latin typeface="Courier New" pitchFamily="49" charset="0"/>
+                <a:cs typeface="Courier New" pitchFamily="49" charset="0"/>
+              </a:rPr>
+              <a:t>def</a:t>
+            </a:r>
+            <a:r>
+              <a:rPr lang="en-US" sz="1600" dirty="0">
+                <a:latin typeface="Courier New" pitchFamily="49" charset="0"/>
+                <a:cs typeface="Courier New" pitchFamily="49" charset="0"/>
+              </a:rPr>
+              <a:t> </a:t>
             </a:r>
             <a:r>
               <a:rPr lang="en-US" sz="1600" dirty="0" err="1">
                 <a:latin typeface="Courier New" pitchFamily="49" charset="0"/>
                 <a:cs typeface="Courier New" pitchFamily="49" charset="0"/>
               </a:rPr>
-              <a:t>fileLengths.foldLeft</a:t>
-            </a:r>
-            <a:r>
-              <a:rPr lang="en-US" sz="1600" dirty="0">
-                <a:latin typeface="Courier New" pitchFamily="49" charset="0"/>
-                <a:cs typeface="Courier New" pitchFamily="49" charset="0"/>
-              </a:rPr>
-              <a:t>(0L)(_ + _)</a:t>
-            </a:r>
-          </a:p>
-          <a:p>
-            <a:r>
-              <a:rPr lang="en-US" sz="1600" dirty="0">
-                <a:latin typeface="Courier New" pitchFamily="49" charset="0"/>
-                <a:cs typeface="Courier New" pitchFamily="49" charset="0"/>
-              </a:rPr>
-              <a:t>}</a:t>
+              <a:t>totalWeight</a:t>
+            </a:r>
+            <a:r>
+              <a:rPr lang="en-US" sz="1600" dirty="0">
+                <a:latin typeface="Courier New" pitchFamily="49" charset="0"/>
+                <a:cs typeface="Courier New" pitchFamily="49" charset="0"/>
+              </a:rPr>
+              <a:t>(zoo: List[Animal]) =</a:t>
+            </a:r>
+          </a:p>
+          <a:p>
+            <a:r>
+              <a:rPr lang="en-US" sz="1600" dirty="0">
+                <a:latin typeface="Courier New" pitchFamily="49" charset="0"/>
+                <a:cs typeface="Courier New" pitchFamily="49" charset="0"/>
+              </a:rPr>
+              <a:t>  </a:t>
+            </a:r>
+            <a:r>
+              <a:rPr lang="en-US" sz="1600" dirty="0" err="1">
+                <a:latin typeface="Courier New" pitchFamily="49" charset="0"/>
+                <a:cs typeface="Courier New" pitchFamily="49" charset="0"/>
+              </a:rPr>
+              <a:t>zoo.map</a:t>
+            </a:r>
+            <a:r>
+              <a:rPr lang="en-US" sz="1600" dirty="0">
+                <a:latin typeface="Courier New" pitchFamily="49" charset="0"/>
+                <a:cs typeface="Courier New" pitchFamily="49" charset="0"/>
+              </a:rPr>
+              <a:t>(_.weight).</a:t>
+            </a:r>
+            <a:r>
+              <a:rPr lang="en-US" sz="1600" dirty="0" err="1">
+                <a:latin typeface="Courier New" pitchFamily="49" charset="0"/>
+                <a:cs typeface="Courier New" pitchFamily="49" charset="0"/>
+              </a:rPr>
+              <a:t>foldLeft</a:t>
+            </a:r>
+            <a:r>
+              <a:rPr lang="en-US" sz="1600" dirty="0">
+                <a:latin typeface="Courier New" pitchFamily="49" charset="0"/>
+                <a:cs typeface="Courier New" pitchFamily="49" charset="0"/>
+              </a:rPr>
+              <a:t>(0.0)(_ + _)</a:t>
+            </a:r>
+          </a:p>
+          <a:p>
+            <a:endParaRPr lang="en-US" sz="1600" dirty="0">
+              <a:latin typeface="Courier New" pitchFamily="49" charset="0"/>
+              <a:cs typeface="Courier New" pitchFamily="49" charset="0"/>
+            </a:endParaRPr>
+          </a:p>
+          <a:p>
+            <a:r>
+              <a:rPr lang="en-US" sz="1600" dirty="0">
+                <a:latin typeface="Courier New" pitchFamily="49" charset="0"/>
+                <a:cs typeface="Courier New" pitchFamily="49" charset="0"/>
+              </a:rPr>
+              <a:t>// Send a list of Cats to the </a:t>
+            </a:r>
+            <a:r>
+              <a:rPr lang="en-US" sz="1600" dirty="0" err="1">
+                <a:latin typeface="Courier New" pitchFamily="49" charset="0"/>
+                <a:cs typeface="Courier New" pitchFamily="49" charset="0"/>
+              </a:rPr>
+              <a:t>totalWeight</a:t>
+            </a:r>
+            <a:r>
+              <a:rPr lang="en-US" sz="1600" dirty="0">
+                <a:latin typeface="Courier New" pitchFamily="49" charset="0"/>
+                <a:cs typeface="Courier New" pitchFamily="49" charset="0"/>
+              </a:rPr>
+              <a:t> method.</a:t>
+            </a:r>
+          </a:p>
+          <a:p>
+            <a:r>
+              <a:rPr lang="en-US" sz="1600" b="1" dirty="0" err="1">
+                <a:latin typeface="Courier New" pitchFamily="49" charset="0"/>
+                <a:cs typeface="Courier New" pitchFamily="49" charset="0"/>
+              </a:rPr>
+              <a:t>val</a:t>
+            </a:r>
+            <a:r>
+              <a:rPr lang="en-US" sz="1600" dirty="0">
+                <a:latin typeface="Courier New" pitchFamily="49" charset="0"/>
+                <a:cs typeface="Courier New" pitchFamily="49" charset="0"/>
+              </a:rPr>
+              <a:t> </a:t>
+            </a:r>
+            <a:r>
+              <a:rPr lang="en-US" sz="1600" dirty="0" err="1">
+                <a:latin typeface="Courier New" pitchFamily="49" charset="0"/>
+                <a:cs typeface="Courier New" pitchFamily="49" charset="0"/>
+              </a:rPr>
+              <a:t>catFarm</a:t>
+            </a:r>
+            <a:r>
+              <a:rPr lang="en-US" sz="1600" dirty="0">
+                <a:latin typeface="Courier New" pitchFamily="49" charset="0"/>
+                <a:cs typeface="Courier New" pitchFamily="49" charset="0"/>
+              </a:rPr>
+              <a:t> = List(</a:t>
+            </a:r>
+            <a:r>
+              <a:rPr lang="en-US" sz="1600" b="1" dirty="0">
+                <a:latin typeface="Courier New" pitchFamily="49" charset="0"/>
+                <a:cs typeface="Courier New" pitchFamily="49" charset="0"/>
+              </a:rPr>
+              <a:t>new</a:t>
+            </a:r>
+            <a:r>
+              <a:rPr lang="en-US" sz="1600" dirty="0">
+                <a:latin typeface="Courier New" pitchFamily="49" charset="0"/>
+                <a:cs typeface="Courier New" pitchFamily="49" charset="0"/>
+              </a:rPr>
+              <a:t> Cat(8.5), </a:t>
+            </a:r>
+            <a:r>
+              <a:rPr lang="en-US" sz="1600" b="1" dirty="0">
+                <a:latin typeface="Courier New" pitchFamily="49" charset="0"/>
+                <a:cs typeface="Courier New" pitchFamily="49" charset="0"/>
+              </a:rPr>
+              <a:t>new</a:t>
+            </a:r>
+            <a:r>
+              <a:rPr lang="en-US" sz="1600" dirty="0">
+                <a:latin typeface="Courier New" pitchFamily="49" charset="0"/>
+                <a:cs typeface="Courier New" pitchFamily="49" charset="0"/>
+              </a:rPr>
+              <a:t> Cat(5.2), </a:t>
+            </a:r>
+            <a:r>
+              <a:rPr lang="en-US" sz="1600" b="1" dirty="0">
+                <a:latin typeface="Courier New" pitchFamily="49" charset="0"/>
+                <a:cs typeface="Courier New" pitchFamily="49" charset="0"/>
+              </a:rPr>
+              <a:t>new</a:t>
+            </a:r>
+            <a:r>
+              <a:rPr lang="en-US" sz="1600" dirty="0">
+                <a:latin typeface="Courier New" pitchFamily="49" charset="0"/>
+                <a:cs typeface="Courier New" pitchFamily="49" charset="0"/>
+              </a:rPr>
+              <a:t> Cat(523.0))</a:t>
+            </a:r>
+          </a:p>
+          <a:p>
+            <a:r>
+              <a:rPr lang="en-US" sz="1600" b="1" dirty="0" err="1">
+                <a:latin typeface="Courier New" pitchFamily="49" charset="0"/>
+                <a:cs typeface="Courier New" pitchFamily="49" charset="0"/>
+              </a:rPr>
+              <a:t>val</a:t>
+            </a:r>
+            <a:r>
+              <a:rPr lang="en-US" sz="1600" dirty="0">
+                <a:latin typeface="Courier New" pitchFamily="49" charset="0"/>
+                <a:cs typeface="Courier New" pitchFamily="49" charset="0"/>
+              </a:rPr>
+              <a:t> </a:t>
+            </a:r>
+            <a:r>
+              <a:rPr lang="en-US" sz="1600" dirty="0" err="1">
+                <a:latin typeface="Courier New" pitchFamily="49" charset="0"/>
+                <a:cs typeface="Courier New" pitchFamily="49" charset="0"/>
+              </a:rPr>
+              <a:t>catWeight</a:t>
+            </a:r>
+            <a:r>
+              <a:rPr lang="en-US" sz="1600" dirty="0">
+                <a:latin typeface="Courier New" pitchFamily="49" charset="0"/>
+                <a:cs typeface="Courier New" pitchFamily="49" charset="0"/>
+              </a:rPr>
+              <a:t> = </a:t>
+            </a:r>
+            <a:r>
+              <a:rPr lang="en-US" sz="1600" dirty="0" err="1">
+                <a:latin typeface="Courier New" pitchFamily="49" charset="0"/>
+                <a:cs typeface="Courier New" pitchFamily="49" charset="0"/>
+              </a:rPr>
+              <a:t>totalWeight</a:t>
+            </a:r>
+            <a:r>
+              <a:rPr lang="en-US" sz="1600" dirty="0">
+                <a:latin typeface="Courier New" pitchFamily="49" charset="0"/>
+                <a:cs typeface="Courier New" pitchFamily="49" charset="0"/>
+              </a:rPr>
+              <a:t>(</a:t>
+            </a:r>
+            <a:r>
+              <a:rPr lang="en-US" sz="1600" dirty="0" err="1">
+                <a:latin typeface="Courier New" pitchFamily="49" charset="0"/>
+                <a:cs typeface="Courier New" pitchFamily="49" charset="0"/>
+              </a:rPr>
+              <a:t>catFarm</a:t>
+            </a:r>
+            <a:r>
+              <a:rPr lang="en-US" sz="1600" dirty="0">
+                <a:latin typeface="Courier New" pitchFamily="49" charset="0"/>
+                <a:cs typeface="Courier New" pitchFamily="49" charset="0"/>
+              </a:rPr>
+              <a:t>)</a:t>
             </a:r>
           </a:p>
         </p:txBody>
@@ -3515,7 +3711,7 @@
     </p:spTree>
     <p:extLst>
       <p:ext uri="{BB962C8B-B14F-4D97-AF65-F5344CB8AC3E}">
-        <p14:creationId xmlns:p14="http://schemas.microsoft.com/office/powerpoint/2010/main" val="458827324"/>
+        <p14:creationId xmlns:p14="http://schemas.microsoft.com/office/powerpoint/2010/main" val="3527576188"/>
       </p:ext>
     </p:extLst>
   </p:cSld>
@@ -3559,7 +3755,7 @@
           <a:p>
             <a:r>
               <a:rPr lang="en-US" dirty="0"/>
-              <a:t>Scala Integrates OO and FP</a:t>
+              <a:t>Scala is Functional</a:t>
             </a:r>
           </a:p>
         </p:txBody>
@@ -3572,8 +3768,8 @@
         </p:nvSpPr>
         <p:spPr>
           <a:xfrm>
-            <a:off x="1905001" y="1752601"/>
-            <a:ext cx="8331127" cy="4524315"/>
+            <a:off x="1638300" y="1417638"/>
+            <a:ext cx="8915400" cy="3293209"/>
           </a:xfrm>
           <a:prstGeom prst="rect">
             <a:avLst/>
@@ -3581,7 +3777,7 @@
           <a:noFill/>
         </p:spPr>
         <p:txBody>
-          <a:bodyPr wrap="none" rtlCol="0">
+          <a:bodyPr wrap="square" rtlCol="0">
             <a:spAutoFit/>
           </a:bodyPr>
           <a:lstStyle/>
@@ -3591,111 +3787,51 @@
                 <a:latin typeface="Courier New" pitchFamily="49" charset="0"/>
                 <a:cs typeface="Courier New" pitchFamily="49" charset="0"/>
               </a:rPr>
-              <a:t>// Class extends the type “function taking String returning </a:t>
+              <a:t>// Return the total size of all files in the specified folder.</a:t>
+            </a:r>
+          </a:p>
+          <a:p>
+            <a:r>
+              <a:rPr lang="en-US" sz="1600" b="1" dirty="0" err="1">
+                <a:latin typeface="Courier New" pitchFamily="49" charset="0"/>
+                <a:cs typeface="Courier New" pitchFamily="49" charset="0"/>
+              </a:rPr>
+              <a:t>def</a:t>
+            </a:r>
+            <a:r>
+              <a:rPr lang="en-US" sz="1600" dirty="0">
+                <a:latin typeface="Courier New" pitchFamily="49" charset="0"/>
+                <a:cs typeface="Courier New" pitchFamily="49" charset="0"/>
+              </a:rPr>
+              <a:t> </a:t>
             </a:r>
             <a:r>
               <a:rPr lang="en-US" sz="1600" dirty="0" err="1">
                 <a:latin typeface="Courier New" pitchFamily="49" charset="0"/>
                 <a:cs typeface="Courier New" pitchFamily="49" charset="0"/>
               </a:rPr>
-              <a:t>Int</a:t>
-            </a:r>
-            <a:r>
-              <a:rPr lang="en-US" sz="1600" dirty="0">
-                <a:latin typeface="Courier New" pitchFamily="49" charset="0"/>
-                <a:cs typeface="Courier New" pitchFamily="49" charset="0"/>
-              </a:rPr>
-              <a:t>”</a:t>
-            </a:r>
-          </a:p>
-          <a:p>
-            <a:r>
-              <a:rPr lang="en-US" sz="1600" b="1" dirty="0">
-                <a:latin typeface="Courier New" pitchFamily="49" charset="0"/>
-                <a:cs typeface="Courier New" pitchFamily="49" charset="0"/>
-              </a:rPr>
-              <a:t>class</a:t>
-            </a:r>
-            <a:r>
-              <a:rPr lang="en-US" sz="1600" dirty="0">
-                <a:latin typeface="Courier New" pitchFamily="49" charset="0"/>
-                <a:cs typeface="Courier New" pitchFamily="49" charset="0"/>
-              </a:rPr>
-              <a:t> </a:t>
+              <a:t>folderSize</a:t>
+            </a:r>
+            <a:r>
+              <a:rPr lang="en-US" sz="1600" dirty="0">
+                <a:latin typeface="Courier New" pitchFamily="49" charset="0"/>
+                <a:cs typeface="Courier New" pitchFamily="49" charset="0"/>
+              </a:rPr>
+              <a:t>(</a:t>
             </a:r>
             <a:r>
               <a:rPr lang="en-US" sz="1600" dirty="0" err="1">
                 <a:latin typeface="Courier New" pitchFamily="49" charset="0"/>
                 <a:cs typeface="Courier New" pitchFamily="49" charset="0"/>
               </a:rPr>
-              <a:t>NameConverter</a:t>
-            </a:r>
-            <a:r>
-              <a:rPr lang="en-US" sz="1600" dirty="0">
-                <a:latin typeface="Courier New" pitchFamily="49" charset="0"/>
-                <a:cs typeface="Courier New" pitchFamily="49" charset="0"/>
-              </a:rPr>
-              <a:t> </a:t>
-            </a:r>
-            <a:r>
-              <a:rPr lang="en-US" sz="1600" b="1" dirty="0">
-                <a:latin typeface="Courier New" pitchFamily="49" charset="0"/>
-                <a:cs typeface="Courier New" pitchFamily="49" charset="0"/>
-              </a:rPr>
-              <a:t>extends</a:t>
-            </a:r>
-            <a:r>
-              <a:rPr lang="en-US" sz="1600" dirty="0">
-                <a:latin typeface="Courier New" pitchFamily="49" charset="0"/>
-                <a:cs typeface="Courier New" pitchFamily="49" charset="0"/>
-              </a:rPr>
-              <a:t> String =&gt; </a:t>
-            </a:r>
-            <a:r>
-              <a:rPr lang="en-US" sz="1600" dirty="0" err="1">
-                <a:latin typeface="Courier New" pitchFamily="49" charset="0"/>
-                <a:cs typeface="Courier New" pitchFamily="49" charset="0"/>
-              </a:rPr>
-              <a:t>Int</a:t>
-            </a:r>
-            <a:r>
-              <a:rPr lang="en-US" sz="1600" dirty="0">
-                <a:latin typeface="Courier New" pitchFamily="49" charset="0"/>
-                <a:cs typeface="Courier New" pitchFamily="49" charset="0"/>
-              </a:rPr>
-              <a:t> {</a:t>
-            </a:r>
-          </a:p>
-          <a:p>
-            <a:r>
-              <a:rPr lang="en-US" sz="1600" dirty="0">
-                <a:latin typeface="Courier New" pitchFamily="49" charset="0"/>
-                <a:cs typeface="Courier New" pitchFamily="49" charset="0"/>
-              </a:rPr>
-              <a:t>  // Method to use when instance is “called” as a function.</a:t>
-            </a:r>
-          </a:p>
-          <a:p>
-            <a:r>
-              <a:rPr lang="en-US" sz="1600" dirty="0">
-                <a:latin typeface="Courier New" pitchFamily="49" charset="0"/>
-                <a:cs typeface="Courier New" pitchFamily="49" charset="0"/>
-              </a:rPr>
-              <a:t>  </a:t>
-            </a:r>
-            <a:r>
-              <a:rPr lang="en-US" sz="1600" b="1" dirty="0" err="1">
-                <a:latin typeface="Courier New" pitchFamily="49" charset="0"/>
-                <a:cs typeface="Courier New" pitchFamily="49" charset="0"/>
-              </a:rPr>
-              <a:t>def</a:t>
-            </a:r>
-            <a:r>
-              <a:rPr lang="en-US" sz="1600" dirty="0">
-                <a:latin typeface="Courier New" pitchFamily="49" charset="0"/>
-                <a:cs typeface="Courier New" pitchFamily="49" charset="0"/>
-              </a:rPr>
-              <a:t> apply(s: String) = { … }</a:t>
+              <a:t>folderName</a:t>
+            </a:r>
+            <a:r>
+              <a:rPr lang="en-US" sz="1600" dirty="0">
+                <a:latin typeface="Courier New" pitchFamily="49" charset="0"/>
+                <a:cs typeface="Courier New" pitchFamily="49" charset="0"/>
+              </a:rPr>
+              <a:t>: String) = {</a:t>
             </a:r>
           </a:p>
           <a:p>
@@ -3710,53 +3846,72 @@
                 <a:latin typeface="Courier New" pitchFamily="49" charset="0"/>
                 <a:cs typeface="Courier New" pitchFamily="49" charset="0"/>
               </a:rPr>
-              <a:t>  // Some other method.</a:t>
-            </a:r>
-          </a:p>
-          <a:p>
-            <a:r>
-              <a:rPr lang="en-US" sz="1600" dirty="0">
-                <a:latin typeface="Courier New" pitchFamily="49" charset="0"/>
-                <a:cs typeface="Courier New" pitchFamily="49" charset="0"/>
-              </a:rPr>
-              <a:t>  </a:t>
+              <a:t>   // Java libraries are usable from Scala.</a:t>
+            </a:r>
+          </a:p>
+          <a:p>
+            <a:r>
+              <a:rPr lang="en-US" sz="1600" dirty="0">
+                <a:latin typeface="Courier New" pitchFamily="49" charset="0"/>
+                <a:cs typeface="Courier New" pitchFamily="49" charset="0"/>
+              </a:rPr>
+              <a:t>   </a:t>
             </a:r>
             <a:r>
               <a:rPr lang="en-US" sz="1600" b="1" dirty="0" err="1">
                 <a:latin typeface="Courier New" pitchFamily="49" charset="0"/>
                 <a:cs typeface="Courier New" pitchFamily="49" charset="0"/>
               </a:rPr>
-              <a:t>def</a:t>
-            </a:r>
-            <a:r>
-              <a:rPr lang="en-US" sz="1600" dirty="0">
-                <a:latin typeface="Courier New" pitchFamily="49" charset="0"/>
-                <a:cs typeface="Courier New" pitchFamily="49" charset="0"/>
-              </a:rPr>
-              <a:t> configure(base: </a:t>
+              <a:t>val</a:t>
+            </a:r>
+            <a:r>
+              <a:rPr lang="en-US" sz="1600" dirty="0">
+                <a:latin typeface="Courier New" pitchFamily="49" charset="0"/>
+                <a:cs typeface="Courier New" pitchFamily="49" charset="0"/>
+              </a:rPr>
+              <a:t> folder = </a:t>
+            </a:r>
+            <a:r>
+              <a:rPr lang="en-US" sz="1600" b="1" dirty="0">
+                <a:latin typeface="Courier New" pitchFamily="49" charset="0"/>
+                <a:cs typeface="Courier New" pitchFamily="49" charset="0"/>
+              </a:rPr>
+              <a:t>new</a:t>
+            </a:r>
+            <a:r>
+              <a:rPr lang="en-US" sz="1600" dirty="0">
+                <a:latin typeface="Courier New" pitchFamily="49" charset="0"/>
+                <a:cs typeface="Courier New" pitchFamily="49" charset="0"/>
+              </a:rPr>
+              <a:t> </a:t>
             </a:r>
             <a:r>
               <a:rPr lang="en-US" sz="1600" dirty="0" err="1">
                 <a:latin typeface="Courier New" pitchFamily="49" charset="0"/>
                 <a:cs typeface="Courier New" pitchFamily="49" charset="0"/>
               </a:rPr>
-              <a:t>Int</a:t>
-            </a:r>
-            <a:r>
-              <a:rPr lang="en-US" sz="1600" dirty="0">
-                <a:latin typeface="Courier New" pitchFamily="49" charset="0"/>
-                <a:cs typeface="Courier New" pitchFamily="49" charset="0"/>
-              </a:rPr>
-              <a:t>) = { … }</a:t>
-            </a:r>
-          </a:p>
-          <a:p>
-            <a:r>
-              <a:rPr lang="en-US" sz="1600" dirty="0">
-                <a:latin typeface="Courier New" pitchFamily="49" charset="0"/>
-                <a:cs typeface="Courier New" pitchFamily="49" charset="0"/>
-              </a:rPr>
-              <a:t>}</a:t>
+              <a:t>java.io.File</a:t>
+            </a:r>
+            <a:r>
+              <a:rPr lang="en-US" sz="1600" dirty="0">
+                <a:latin typeface="Courier New" pitchFamily="49" charset="0"/>
+                <a:cs typeface="Courier New" pitchFamily="49" charset="0"/>
+              </a:rPr>
+              <a:t>(</a:t>
+            </a:r>
+            <a:r>
+              <a:rPr lang="en-US" sz="1600" dirty="0" err="1">
+                <a:latin typeface="Courier New" pitchFamily="49" charset="0"/>
+                <a:cs typeface="Courier New" pitchFamily="49" charset="0"/>
+              </a:rPr>
+              <a:t>folderName</a:t>
+            </a:r>
+            <a:r>
+              <a:rPr lang="en-US" sz="1600" dirty="0">
+                <a:latin typeface="Courier New" pitchFamily="49" charset="0"/>
+                <a:cs typeface="Courier New" pitchFamily="49" charset="0"/>
+              </a:rPr>
+              <a:t>)</a:t>
             </a:r>
           </a:p>
           <a:p>
@@ -3767,6 +3922,22 @@
           </a:p>
           <a:p>
             <a:r>
+              <a:rPr lang="en-US" sz="1600" dirty="0">
+                <a:latin typeface="Courier New" pitchFamily="49" charset="0"/>
+                <a:cs typeface="Courier New" pitchFamily="49" charset="0"/>
+              </a:rPr>
+              <a:t>   // Process list of files using “higher order” methods.</a:t>
+            </a:r>
+          </a:p>
+          <a:p>
+            <a:r>
+              <a:rPr lang="en-US" sz="1600" dirty="0">
+                <a:latin typeface="Courier New" pitchFamily="49" charset="0"/>
+                <a:cs typeface="Courier New" pitchFamily="49" charset="0"/>
+              </a:rPr>
+              <a:t>   </a:t>
+            </a:r>
+            <a:r>
               <a:rPr lang="en-US" sz="1600" b="1" dirty="0" err="1">
                 <a:latin typeface="Courier New" pitchFamily="49" charset="0"/>
                 <a:cs typeface="Courier New" pitchFamily="49" charset="0"/>
@@ -3778,20 +3949,6 @@
                 <a:latin typeface="Courier New" pitchFamily="49" charset="0"/>
                 <a:cs typeface="Courier New" pitchFamily="49" charset="0"/>
               </a:rPr>
-              <a:t> converter = </a:t>
-            </a:r>
-            <a:r>
-              <a:rPr lang="en-US" sz="1600" b="1" dirty="0">
-                <a:latin typeface="Courier New" pitchFamily="49" charset="0"/>
-                <a:cs typeface="Courier New" pitchFamily="49" charset="0"/>
-              </a:rPr>
-              <a:t>new</a:t>
-            </a:r>
-            <a:r>
-              <a:rPr lang="en-US" sz="1600" dirty="0">
-                <a:latin typeface="Courier New" pitchFamily="49" charset="0"/>
-                <a:cs typeface="Courier New" pitchFamily="49" charset="0"/>
-              </a:rPr>
               <a:t> </a:t>
             </a:r>
             <a:r>
@@ -3799,8 +3956,54 @@
                 <a:latin typeface="Courier New" pitchFamily="49" charset="0"/>
                 <a:cs typeface="Courier New" pitchFamily="49" charset="0"/>
               </a:rPr>
-              <a:t>NameConverter</a:t>
-            </a:r>
+              <a:t>fileLengths</a:t>
+            </a:r>
+            <a:r>
+              <a:rPr lang="en-US" sz="1600" dirty="0">
+                <a:latin typeface="Courier New" pitchFamily="49" charset="0"/>
+                <a:cs typeface="Courier New" pitchFamily="49" charset="0"/>
+              </a:rPr>
+              <a:t> =</a:t>
+            </a:r>
+          </a:p>
+          <a:p>
+            <a:r>
+              <a:rPr lang="en-US" sz="1600" dirty="0">
+                <a:latin typeface="Courier New" pitchFamily="49" charset="0"/>
+                <a:cs typeface="Courier New" pitchFamily="49" charset="0"/>
+              </a:rPr>
+              <a:t>     </a:t>
+            </a:r>
+            <a:r>
+              <a:rPr lang="en-US" sz="1600" dirty="0" err="1">
+                <a:latin typeface="Courier New" pitchFamily="49" charset="0"/>
+                <a:cs typeface="Courier New" pitchFamily="49" charset="0"/>
+              </a:rPr>
+              <a:t>folder.listFiles</a:t>
+            </a:r>
+            <a:r>
+              <a:rPr lang="en-US" sz="1600" dirty="0">
+                <a:latin typeface="Courier New" pitchFamily="49" charset="0"/>
+                <a:cs typeface="Courier New" pitchFamily="49" charset="0"/>
+              </a:rPr>
+              <a:t> filter { _.</a:t>
+            </a:r>
+            <a:r>
+              <a:rPr lang="en-US" sz="1600" dirty="0" err="1">
+                <a:latin typeface="Courier New" pitchFamily="49" charset="0"/>
+                <a:cs typeface="Courier New" pitchFamily="49" charset="0"/>
+              </a:rPr>
+              <a:t>isFile</a:t>
+            </a:r>
+            <a:r>
+              <a:rPr lang="en-US" sz="1600" dirty="0">
+                <a:latin typeface="Courier New" pitchFamily="49" charset="0"/>
+                <a:cs typeface="Courier New" pitchFamily="49" charset="0"/>
+              </a:rPr>
+              <a:t> } map { _.length }</a:t>
+            </a:r>
+          </a:p>
+          <a:p>
             <a:endParaRPr lang="en-US" sz="1600" dirty="0">
               <a:latin typeface="Courier New" pitchFamily="49" charset="0"/>
               <a:cs typeface="Courier New" pitchFamily="49" charset="0"/>
@@ -3808,163 +4011,43 @@
           </a:p>
           <a:p>
             <a:r>
+              <a:rPr lang="en-US" sz="1600" dirty="0">
+                <a:latin typeface="Courier New" pitchFamily="49" charset="0"/>
+                <a:cs typeface="Courier New" pitchFamily="49" charset="0"/>
+              </a:rPr>
+              <a:t>   // Collapse the resulting array of file lengths into a single value.</a:t>
+            </a:r>
+          </a:p>
+          <a:p>
+            <a:r>
+              <a:rPr lang="en-US" sz="1600" dirty="0">
+                <a:latin typeface="Courier New" pitchFamily="49" charset="0"/>
+                <a:cs typeface="Courier New" pitchFamily="49" charset="0"/>
+              </a:rPr>
+              <a:t>   </a:t>
+            </a:r>
+            <a:r>
               <a:rPr lang="en-US" sz="1600" dirty="0" err="1">
                 <a:latin typeface="Courier New" pitchFamily="49" charset="0"/>
                 <a:cs typeface="Courier New" pitchFamily="49" charset="0"/>
               </a:rPr>
-              <a:t>converter.configure</a:t>
-            </a:r>
-            <a:r>
-              <a:rPr lang="en-US" sz="1600" dirty="0">
-                <a:latin typeface="Courier New" pitchFamily="49" charset="0"/>
-                <a:cs typeface="Courier New" pitchFamily="49" charset="0"/>
-              </a:rPr>
-              <a:t>(16)             // It’s an object!</a:t>
-            </a:r>
-          </a:p>
-          <a:p>
-            <a:r>
-              <a:rPr lang="en-US" sz="1600" b="1" dirty="0" err="1">
-                <a:latin typeface="Courier New" pitchFamily="49" charset="0"/>
-                <a:cs typeface="Courier New" pitchFamily="49" charset="0"/>
-              </a:rPr>
-              <a:t>val</a:t>
-            </a:r>
-            <a:r>
-              <a:rPr lang="en-US" sz="1600" dirty="0">
-                <a:latin typeface="Courier New" pitchFamily="49" charset="0"/>
-                <a:cs typeface="Courier New" pitchFamily="49" charset="0"/>
-              </a:rPr>
-              <a:t> result = converter(“Peter”)     // It’s a function!</a:t>
-            </a:r>
-          </a:p>
-          <a:p>
-            <a:endParaRPr lang="en-US" sz="1600" dirty="0">
-              <a:latin typeface="Courier New" pitchFamily="49" charset="0"/>
-              <a:cs typeface="Courier New" pitchFamily="49" charset="0"/>
-            </a:endParaRPr>
-          </a:p>
-          <a:p>
-            <a:r>
-              <a:rPr lang="en-US" sz="1600" dirty="0">
-                <a:latin typeface="Courier New" pitchFamily="49" charset="0"/>
-                <a:cs typeface="Courier New" pitchFamily="49" charset="0"/>
-              </a:rPr>
-              <a:t>// Method taking a function of type String =&gt; </a:t>
-            </a:r>
-            <a:r>
-              <a:rPr lang="en-US" sz="1600" dirty="0" err="1">
-                <a:latin typeface="Courier New" pitchFamily="49" charset="0"/>
-                <a:cs typeface="Courier New" pitchFamily="49" charset="0"/>
-              </a:rPr>
-              <a:t>Int</a:t>
-            </a:r>
-            <a:r>
-              <a:rPr lang="en-US" sz="1600" dirty="0">
-                <a:latin typeface="Courier New" pitchFamily="49" charset="0"/>
-                <a:cs typeface="Courier New" pitchFamily="49" charset="0"/>
-              </a:rPr>
-              <a:t> as a parameter.</a:t>
-            </a:r>
-          </a:p>
-          <a:p>
-            <a:r>
-              <a:rPr lang="en-US" sz="1600" b="1" dirty="0" err="1">
-                <a:latin typeface="Courier New" pitchFamily="49" charset="0"/>
-                <a:cs typeface="Courier New" pitchFamily="49" charset="0"/>
-              </a:rPr>
-              <a:t>def</a:t>
-            </a:r>
-            <a:r>
-              <a:rPr lang="en-US" sz="1600" dirty="0">
-                <a:latin typeface="Courier New" pitchFamily="49" charset="0"/>
-                <a:cs typeface="Courier New" pitchFamily="49" charset="0"/>
-              </a:rPr>
-              <a:t> </a:t>
-            </a:r>
-            <a:r>
-              <a:rPr lang="en-US" sz="1600" dirty="0" err="1">
-                <a:latin typeface="Courier New" pitchFamily="49" charset="0"/>
-                <a:cs typeface="Courier New" pitchFamily="49" charset="0"/>
-              </a:rPr>
-              <a:t>workWith</a:t>
-            </a:r>
-            <a:r>
-              <a:rPr lang="en-US" sz="1600" dirty="0">
-                <a:latin typeface="Courier New" pitchFamily="49" charset="0"/>
-                <a:cs typeface="Courier New" pitchFamily="49" charset="0"/>
-              </a:rPr>
-              <a:t>(operation: String =&gt; </a:t>
-            </a:r>
-            <a:r>
-              <a:rPr lang="en-US" sz="1600" dirty="0" err="1">
-                <a:latin typeface="Courier New" pitchFamily="49" charset="0"/>
-                <a:cs typeface="Courier New" pitchFamily="49" charset="0"/>
-              </a:rPr>
-              <a:t>Int</a:t>
-            </a:r>
-            <a:r>
-              <a:rPr lang="en-US" sz="1600" dirty="0">
-                <a:latin typeface="Courier New" pitchFamily="49" charset="0"/>
-                <a:cs typeface="Courier New" pitchFamily="49" charset="0"/>
-              </a:rPr>
-              <a:t>) = { … }</a:t>
-            </a:r>
-          </a:p>
-          <a:p>
-            <a:endParaRPr lang="en-US" sz="1600" dirty="0">
-              <a:latin typeface="Courier New" pitchFamily="49" charset="0"/>
-              <a:cs typeface="Courier New" pitchFamily="49" charset="0"/>
-            </a:endParaRPr>
-          </a:p>
-          <a:p>
-            <a:r>
-              <a:rPr lang="en-US" sz="1600" dirty="0">
-                <a:latin typeface="Courier New" pitchFamily="49" charset="0"/>
-                <a:cs typeface="Courier New" pitchFamily="49" charset="0"/>
-              </a:rPr>
-              <a:t>// Can pass a </a:t>
-            </a:r>
-            <a:r>
-              <a:rPr lang="en-US" sz="1600" dirty="0" err="1">
-                <a:latin typeface="Courier New" pitchFamily="49" charset="0"/>
-                <a:cs typeface="Courier New" pitchFamily="49" charset="0"/>
-              </a:rPr>
-              <a:t>NameConverter</a:t>
-            </a:r>
-            <a:r>
-              <a:rPr lang="en-US" sz="1600" dirty="0">
-                <a:latin typeface="Courier New" pitchFamily="49" charset="0"/>
-                <a:cs typeface="Courier New" pitchFamily="49" charset="0"/>
-              </a:rPr>
-              <a:t>; it’s a subtype of String =&gt; </a:t>
-            </a:r>
-            <a:r>
-              <a:rPr lang="en-US" sz="1600" dirty="0" err="1">
-                <a:latin typeface="Courier New" pitchFamily="49" charset="0"/>
-                <a:cs typeface="Courier New" pitchFamily="49" charset="0"/>
-              </a:rPr>
-              <a:t>Int</a:t>
-            </a:r>
-            <a:endParaRPr lang="en-US" sz="1600" dirty="0">
-              <a:latin typeface="Courier New" pitchFamily="49" charset="0"/>
-              <a:cs typeface="Courier New" pitchFamily="49" charset="0"/>
-            </a:endParaRPr>
-          </a:p>
-          <a:p>
-            <a:r>
-              <a:rPr lang="en-US" sz="1600" dirty="0" err="1">
-                <a:latin typeface="Courier New" pitchFamily="49" charset="0"/>
-                <a:cs typeface="Courier New" pitchFamily="49" charset="0"/>
-              </a:rPr>
-              <a:t>workWith</a:t>
-            </a:r>
-            <a:r>
-              <a:rPr lang="en-US" sz="1600" dirty="0">
-                <a:latin typeface="Courier New" pitchFamily="49" charset="0"/>
-                <a:cs typeface="Courier New" pitchFamily="49" charset="0"/>
-              </a:rPr>
-              <a:t>(converter)</a:t>
+              <a:t>fileLengths.foldLeft</a:t>
+            </a:r>
+            <a:r>
+              <a:rPr lang="en-US" sz="1600" dirty="0">
+                <a:latin typeface="Courier New" pitchFamily="49" charset="0"/>
+                <a:cs typeface="Courier New" pitchFamily="49" charset="0"/>
+              </a:rPr>
+              <a:t>(0L)(_ + _)</a:t>
+            </a:r>
+          </a:p>
+          <a:p>
+            <a:r>
+              <a:rPr lang="en-US" sz="1600" dirty="0">
+                <a:latin typeface="Courier New" pitchFamily="49" charset="0"/>
+                <a:cs typeface="Courier New" pitchFamily="49" charset="0"/>
+              </a:rPr>
+              <a:t>}</a:t>
             </a:r>
           </a:p>
         </p:txBody>
@@ -3972,7 +4055,7 @@
     </p:spTree>
     <p:extLst>
       <p:ext uri="{BB962C8B-B14F-4D97-AF65-F5344CB8AC3E}">
-        <p14:creationId xmlns:p14="http://schemas.microsoft.com/office/powerpoint/2010/main" val="1841962660"/>
+        <p14:creationId xmlns:p14="http://schemas.microsoft.com/office/powerpoint/2010/main" val="458827324"/>
       </p:ext>
     </p:extLst>
   </p:cSld>
@@ -4016,109 +4099,412 @@
           <a:p>
             <a:r>
               <a:rPr lang="en-US" dirty="0"/>
-              <a:t>Domain Specific Languages</a:t>
-            </a:r>
-          </a:p>
-        </p:txBody>
-      </p:sp>
-      <p:sp>
-        <p:nvSpPr>
-          <p:cNvPr id="3" name="Content Placeholder 2"/>
-          <p:cNvSpPr>
-            <a:spLocks noGrp="1"/>
-          </p:cNvSpPr>
-          <p:nvPr>
-            <p:ph idx="1"/>
-          </p:nvPr>
-        </p:nvSpPr>
-        <p:spPr/>
-        <p:txBody>
-          <a:bodyPr>
-            <a:normAutofit lnSpcReduction="10000"/>
+              <a:t>Scala Integrates OO and FP</a:t>
+            </a:r>
+          </a:p>
+        </p:txBody>
+      </p:sp>
+      <p:sp>
+        <p:nvSpPr>
+          <p:cNvPr id="3" name="TextBox 2"/>
+          <p:cNvSpPr txBox="1"/>
+          <p:nvPr/>
+        </p:nvSpPr>
+        <p:spPr>
+          <a:xfrm>
+            <a:off x="1930436" y="1417638"/>
+            <a:ext cx="8331127" cy="4524315"/>
+          </a:xfrm>
+          <a:prstGeom prst="rect">
+            <a:avLst/>
+          </a:prstGeom>
+          <a:noFill/>
+        </p:spPr>
+        <p:txBody>
+          <a:bodyPr wrap="none" rtlCol="0">
+            <a:spAutoFit/>
           </a:bodyPr>
           <a:lstStyle/>
           <a:p>
             <a:r>
-              <a:rPr lang="en-US" i="1" dirty="0"/>
-              <a:t>A language designed for use in a specific application domain </a:t>
-            </a:r>
-            <a:r>
-              <a:rPr lang="en-US" dirty="0"/>
-              <a:t>(by “domain experts”)</a:t>
-            </a:r>
-          </a:p>
-          <a:p>
-            <a:pPr lvl="1"/>
-            <a:r>
-              <a:rPr lang="en-US" dirty="0" err="1">
-                <a:hlinkClick r:id="rId2"/>
-              </a:rPr>
-              <a:t>Gnuplot</a:t>
-            </a:r>
-            <a:endParaRPr lang="en-US" dirty="0"/>
-          </a:p>
-          <a:p>
-            <a:pPr lvl="1"/>
-            <a:r>
-              <a:rPr lang="en-US" dirty="0">
-                <a:hlinkClick r:id="rId3"/>
-              </a:rPr>
-              <a:t>PIC</a:t>
-            </a:r>
-            <a:endParaRPr lang="en-US" dirty="0"/>
-          </a:p>
-          <a:p>
-            <a:pPr lvl="1"/>
-            <a:r>
-              <a:rPr lang="en-US" dirty="0">
-                <a:hlinkClick r:id="rId4"/>
-              </a:rPr>
-              <a:t>MATLAB</a:t>
-            </a:r>
-            <a:r>
-              <a:rPr lang="en-US" dirty="0"/>
-              <a:t>/</a:t>
-            </a:r>
-            <a:r>
-              <a:rPr lang="en-US" dirty="0">
-                <a:hlinkClick r:id="rId5"/>
-              </a:rPr>
-              <a:t>Octave</a:t>
-            </a:r>
-            <a:endParaRPr lang="en-US" dirty="0"/>
-          </a:p>
-          <a:p>
-            <a:pPr lvl="1"/>
-            <a:r>
-              <a:rPr lang="en-US" dirty="0" err="1">
-                <a:hlinkClick r:id="rId6"/>
-              </a:rPr>
-              <a:t>LabView</a:t>
-            </a:r>
-            <a:endParaRPr lang="en-US" dirty="0"/>
-          </a:p>
-          <a:p>
-            <a:pPr lvl="1"/>
-            <a:r>
-              <a:rPr lang="en-US" dirty="0" err="1">
-                <a:hlinkClick r:id="rId7"/>
-              </a:rPr>
-              <a:t>TeX</a:t>
-            </a:r>
-            <a:endParaRPr lang="en-US" dirty="0"/>
-          </a:p>
-          <a:p>
-            <a:pPr lvl="1"/>
-            <a:r>
-              <a:rPr lang="en-US" dirty="0"/>
-              <a:t>Macro languages of various kinds</a:t>
-            </a:r>
-          </a:p>
-          <a:p>
-            <a:pPr lvl="1"/>
-            <a:r>
-              <a:rPr lang="en-US" i="1" dirty="0"/>
-              <a:t>Many others…</a:t>
+              <a:rPr lang="en-US" sz="1600" dirty="0">
+                <a:latin typeface="Courier New" pitchFamily="49" charset="0"/>
+                <a:cs typeface="Courier New" pitchFamily="49" charset="0"/>
+              </a:rPr>
+              <a:t>// Class extends the type “function taking String returning </a:t>
+            </a:r>
+            <a:r>
+              <a:rPr lang="en-US" sz="1600" dirty="0" err="1">
+                <a:latin typeface="Courier New" pitchFamily="49" charset="0"/>
+                <a:cs typeface="Courier New" pitchFamily="49" charset="0"/>
+              </a:rPr>
+              <a:t>Int</a:t>
+            </a:r>
+            <a:r>
+              <a:rPr lang="en-US" sz="1600" dirty="0">
+                <a:latin typeface="Courier New" pitchFamily="49" charset="0"/>
+                <a:cs typeface="Courier New" pitchFamily="49" charset="0"/>
+              </a:rPr>
+              <a:t>”</a:t>
+            </a:r>
+          </a:p>
+          <a:p>
+            <a:r>
+              <a:rPr lang="en-US" sz="1600" b="1" dirty="0">
+                <a:latin typeface="Courier New" pitchFamily="49" charset="0"/>
+                <a:cs typeface="Courier New" pitchFamily="49" charset="0"/>
+              </a:rPr>
+              <a:t>class</a:t>
+            </a:r>
+            <a:r>
+              <a:rPr lang="en-US" sz="1600" dirty="0">
+                <a:latin typeface="Courier New" pitchFamily="49" charset="0"/>
+                <a:cs typeface="Courier New" pitchFamily="49" charset="0"/>
+              </a:rPr>
+              <a:t> </a:t>
+            </a:r>
+            <a:r>
+              <a:rPr lang="en-US" sz="1600" dirty="0" err="1">
+                <a:latin typeface="Courier New" pitchFamily="49" charset="0"/>
+                <a:cs typeface="Courier New" pitchFamily="49" charset="0"/>
+              </a:rPr>
+              <a:t>NameConverter</a:t>
+            </a:r>
+            <a:r>
+              <a:rPr lang="en-US" sz="1600" dirty="0">
+                <a:latin typeface="Courier New" pitchFamily="49" charset="0"/>
+                <a:cs typeface="Courier New" pitchFamily="49" charset="0"/>
+              </a:rPr>
+              <a:t> </a:t>
+            </a:r>
+            <a:r>
+              <a:rPr lang="en-US" sz="1600" b="1" dirty="0">
+                <a:latin typeface="Courier New" pitchFamily="49" charset="0"/>
+                <a:cs typeface="Courier New" pitchFamily="49" charset="0"/>
+              </a:rPr>
+              <a:t>extends</a:t>
+            </a:r>
+            <a:r>
+              <a:rPr lang="en-US" sz="1600" dirty="0">
+                <a:latin typeface="Courier New" pitchFamily="49" charset="0"/>
+                <a:cs typeface="Courier New" pitchFamily="49" charset="0"/>
+              </a:rPr>
+              <a:t> String =&gt; </a:t>
+            </a:r>
+            <a:r>
+              <a:rPr lang="en-US" sz="1600" dirty="0" err="1">
+                <a:latin typeface="Courier New" pitchFamily="49" charset="0"/>
+                <a:cs typeface="Courier New" pitchFamily="49" charset="0"/>
+              </a:rPr>
+              <a:t>Int</a:t>
+            </a:r>
+            <a:r>
+              <a:rPr lang="en-US" sz="1600" dirty="0">
+                <a:latin typeface="Courier New" pitchFamily="49" charset="0"/>
+                <a:cs typeface="Courier New" pitchFamily="49" charset="0"/>
+              </a:rPr>
+              <a:t> {</a:t>
+            </a:r>
+          </a:p>
+          <a:p>
+            <a:r>
+              <a:rPr lang="en-US" sz="1600" dirty="0">
+                <a:latin typeface="Courier New" pitchFamily="49" charset="0"/>
+                <a:cs typeface="Courier New" pitchFamily="49" charset="0"/>
+              </a:rPr>
+              <a:t>  // Method to use when an instance is “called” as a function.</a:t>
+            </a:r>
+          </a:p>
+          <a:p>
+            <a:r>
+              <a:rPr lang="en-US" sz="1600" dirty="0">
+                <a:latin typeface="Courier New" pitchFamily="49" charset="0"/>
+                <a:cs typeface="Courier New" pitchFamily="49" charset="0"/>
+              </a:rPr>
+              <a:t>  </a:t>
+            </a:r>
+            <a:r>
+              <a:rPr lang="en-US" sz="1600" b="1" dirty="0" err="1">
+                <a:latin typeface="Courier New" pitchFamily="49" charset="0"/>
+                <a:cs typeface="Courier New" pitchFamily="49" charset="0"/>
+              </a:rPr>
+              <a:t>def</a:t>
+            </a:r>
+            <a:r>
+              <a:rPr lang="en-US" sz="1600" dirty="0">
+                <a:latin typeface="Courier New" pitchFamily="49" charset="0"/>
+                <a:cs typeface="Courier New" pitchFamily="49" charset="0"/>
+              </a:rPr>
+              <a:t> apply(s: String) = { … }</a:t>
+            </a:r>
+          </a:p>
+          <a:p>
+            <a:endParaRPr lang="en-US" sz="1600" dirty="0">
+              <a:latin typeface="Courier New" pitchFamily="49" charset="0"/>
+              <a:cs typeface="Courier New" pitchFamily="49" charset="0"/>
+            </a:endParaRPr>
+          </a:p>
+          <a:p>
+            <a:r>
+              <a:rPr lang="en-US" sz="1600" dirty="0">
+                <a:latin typeface="Courier New" pitchFamily="49" charset="0"/>
+                <a:cs typeface="Courier New" pitchFamily="49" charset="0"/>
+              </a:rPr>
+              <a:t>  // Some other method.</a:t>
+            </a:r>
+          </a:p>
+          <a:p>
+            <a:r>
+              <a:rPr lang="en-US" sz="1600" dirty="0">
+                <a:latin typeface="Courier New" pitchFamily="49" charset="0"/>
+                <a:cs typeface="Courier New" pitchFamily="49" charset="0"/>
+              </a:rPr>
+              <a:t>  </a:t>
+            </a:r>
+            <a:r>
+              <a:rPr lang="en-US" sz="1600" b="1" dirty="0" err="1">
+                <a:latin typeface="Courier New" pitchFamily="49" charset="0"/>
+                <a:cs typeface="Courier New" pitchFamily="49" charset="0"/>
+              </a:rPr>
+              <a:t>def</a:t>
+            </a:r>
+            <a:r>
+              <a:rPr lang="en-US" sz="1600" dirty="0">
+                <a:latin typeface="Courier New" pitchFamily="49" charset="0"/>
+                <a:cs typeface="Courier New" pitchFamily="49" charset="0"/>
+              </a:rPr>
+              <a:t> configure(base: </a:t>
+            </a:r>
+            <a:r>
+              <a:rPr lang="en-US" sz="1600" dirty="0" err="1">
+                <a:latin typeface="Courier New" pitchFamily="49" charset="0"/>
+                <a:cs typeface="Courier New" pitchFamily="49" charset="0"/>
+              </a:rPr>
+              <a:t>Int</a:t>
+            </a:r>
+            <a:r>
+              <a:rPr lang="en-US" sz="1600" dirty="0">
+                <a:latin typeface="Courier New" pitchFamily="49" charset="0"/>
+                <a:cs typeface="Courier New" pitchFamily="49" charset="0"/>
+              </a:rPr>
+              <a:t>) = { … }</a:t>
+            </a:r>
+          </a:p>
+          <a:p>
+            <a:r>
+              <a:rPr lang="en-US" sz="1600" dirty="0">
+                <a:latin typeface="Courier New" pitchFamily="49" charset="0"/>
+                <a:cs typeface="Courier New" pitchFamily="49" charset="0"/>
+              </a:rPr>
+              <a:t>}</a:t>
+            </a:r>
+          </a:p>
+          <a:p>
+            <a:endParaRPr lang="en-US" sz="1600" dirty="0">
+              <a:latin typeface="Courier New" pitchFamily="49" charset="0"/>
+              <a:cs typeface="Courier New" pitchFamily="49" charset="0"/>
+            </a:endParaRPr>
+          </a:p>
+          <a:p>
+            <a:r>
+              <a:rPr lang="en-US" sz="1600" b="1" dirty="0" err="1">
+                <a:latin typeface="Courier New" pitchFamily="49" charset="0"/>
+                <a:cs typeface="Courier New" pitchFamily="49" charset="0"/>
+              </a:rPr>
+              <a:t>val</a:t>
+            </a:r>
+            <a:r>
+              <a:rPr lang="en-US" sz="1600" dirty="0">
+                <a:latin typeface="Courier New" pitchFamily="49" charset="0"/>
+                <a:cs typeface="Courier New" pitchFamily="49" charset="0"/>
+              </a:rPr>
+              <a:t> converter = </a:t>
+            </a:r>
+            <a:r>
+              <a:rPr lang="en-US" sz="1600" b="1" dirty="0">
+                <a:latin typeface="Courier New" pitchFamily="49" charset="0"/>
+                <a:cs typeface="Courier New" pitchFamily="49" charset="0"/>
+              </a:rPr>
+              <a:t>new</a:t>
+            </a:r>
+            <a:r>
+              <a:rPr lang="en-US" sz="1600" dirty="0">
+                <a:latin typeface="Courier New" pitchFamily="49" charset="0"/>
+                <a:cs typeface="Courier New" pitchFamily="49" charset="0"/>
+              </a:rPr>
+              <a:t> </a:t>
+            </a:r>
+            <a:r>
+              <a:rPr lang="en-US" sz="1600" dirty="0" err="1">
+                <a:latin typeface="Courier New" pitchFamily="49" charset="0"/>
+                <a:cs typeface="Courier New" pitchFamily="49" charset="0"/>
+              </a:rPr>
+              <a:t>NameConverter</a:t>
+            </a:r>
+            <a:endParaRPr lang="en-US" sz="1600" dirty="0">
+              <a:latin typeface="Courier New" pitchFamily="49" charset="0"/>
+              <a:cs typeface="Courier New" pitchFamily="49" charset="0"/>
+            </a:endParaRPr>
+          </a:p>
+          <a:p>
+            <a:r>
+              <a:rPr lang="en-US" sz="1600" dirty="0" err="1">
+                <a:latin typeface="Courier New" pitchFamily="49" charset="0"/>
+                <a:cs typeface="Courier New" pitchFamily="49" charset="0"/>
+              </a:rPr>
+              <a:t>converter.configure</a:t>
+            </a:r>
+            <a:r>
+              <a:rPr lang="en-US" sz="1600" dirty="0">
+                <a:latin typeface="Courier New" pitchFamily="49" charset="0"/>
+                <a:cs typeface="Courier New" pitchFamily="49" charset="0"/>
+              </a:rPr>
+              <a:t>(16)             // It’s an object!</a:t>
+            </a:r>
+          </a:p>
+          <a:p>
+            <a:r>
+              <a:rPr lang="en-US" sz="1600" b="1" dirty="0" err="1">
+                <a:latin typeface="Courier New" pitchFamily="49" charset="0"/>
+                <a:cs typeface="Courier New" pitchFamily="49" charset="0"/>
+              </a:rPr>
+              <a:t>val</a:t>
+            </a:r>
+            <a:r>
+              <a:rPr lang="en-US" sz="1600" dirty="0">
+                <a:latin typeface="Courier New" pitchFamily="49" charset="0"/>
+                <a:cs typeface="Courier New" pitchFamily="49" charset="0"/>
+              </a:rPr>
+              <a:t> result = converter(“Peter”)     // It’s a function!</a:t>
+            </a:r>
+          </a:p>
+          <a:p>
+            <a:endParaRPr lang="en-US" sz="1600" dirty="0">
+              <a:latin typeface="Courier New" pitchFamily="49" charset="0"/>
+              <a:cs typeface="Courier New" pitchFamily="49" charset="0"/>
+            </a:endParaRPr>
+          </a:p>
+          <a:p>
+            <a:r>
+              <a:rPr lang="en-US" sz="1600" dirty="0">
+                <a:latin typeface="Courier New" pitchFamily="49" charset="0"/>
+                <a:cs typeface="Courier New" pitchFamily="49" charset="0"/>
+              </a:rPr>
+              <a:t>// Method taking a function of type String =&gt; </a:t>
+            </a:r>
+            <a:r>
+              <a:rPr lang="en-US" sz="1600" dirty="0" err="1">
+                <a:latin typeface="Courier New" pitchFamily="49" charset="0"/>
+                <a:cs typeface="Courier New" pitchFamily="49" charset="0"/>
+              </a:rPr>
+              <a:t>Int</a:t>
+            </a:r>
+            <a:r>
+              <a:rPr lang="en-US" sz="1600" dirty="0">
+                <a:latin typeface="Courier New" pitchFamily="49" charset="0"/>
+                <a:cs typeface="Courier New" pitchFamily="49" charset="0"/>
+              </a:rPr>
+              <a:t> as a parameter.</a:t>
+            </a:r>
+          </a:p>
+          <a:p>
+            <a:r>
+              <a:rPr lang="en-US" sz="1600" b="1" dirty="0" err="1">
+                <a:latin typeface="Courier New" pitchFamily="49" charset="0"/>
+                <a:cs typeface="Courier New" pitchFamily="49" charset="0"/>
+              </a:rPr>
+              <a:t>def</a:t>
+            </a:r>
+            <a:r>
+              <a:rPr lang="en-US" sz="1600" dirty="0">
+                <a:latin typeface="Courier New" pitchFamily="49" charset="0"/>
+                <a:cs typeface="Courier New" pitchFamily="49" charset="0"/>
+              </a:rPr>
+              <a:t> </a:t>
+            </a:r>
+            <a:r>
+              <a:rPr lang="en-US" sz="1600" dirty="0" err="1">
+                <a:latin typeface="Courier New" pitchFamily="49" charset="0"/>
+                <a:cs typeface="Courier New" pitchFamily="49" charset="0"/>
+              </a:rPr>
+              <a:t>workWith</a:t>
+            </a:r>
+            <a:r>
+              <a:rPr lang="en-US" sz="1600" dirty="0">
+                <a:latin typeface="Courier New" pitchFamily="49" charset="0"/>
+                <a:cs typeface="Courier New" pitchFamily="49" charset="0"/>
+              </a:rPr>
+              <a:t>(operation: String =&gt; </a:t>
+            </a:r>
+            <a:r>
+              <a:rPr lang="en-US" sz="1600" dirty="0" err="1">
+                <a:latin typeface="Courier New" pitchFamily="49" charset="0"/>
+                <a:cs typeface="Courier New" pitchFamily="49" charset="0"/>
+              </a:rPr>
+              <a:t>Int</a:t>
+            </a:r>
+            <a:r>
+              <a:rPr lang="en-US" sz="1600" dirty="0">
+                <a:latin typeface="Courier New" pitchFamily="49" charset="0"/>
+                <a:cs typeface="Courier New" pitchFamily="49" charset="0"/>
+              </a:rPr>
+              <a:t>) = { … }</a:t>
+            </a:r>
+          </a:p>
+          <a:p>
+            <a:endParaRPr lang="en-US" sz="1600" dirty="0">
+              <a:latin typeface="Courier New" pitchFamily="49" charset="0"/>
+              <a:cs typeface="Courier New" pitchFamily="49" charset="0"/>
+            </a:endParaRPr>
+          </a:p>
+          <a:p>
+            <a:r>
+              <a:rPr lang="en-US" sz="1600" dirty="0">
+                <a:latin typeface="Courier New" pitchFamily="49" charset="0"/>
+                <a:cs typeface="Courier New" pitchFamily="49" charset="0"/>
+              </a:rPr>
+              <a:t>// Can pass a </a:t>
+            </a:r>
+            <a:r>
+              <a:rPr lang="en-US" sz="1600" dirty="0" err="1">
+                <a:latin typeface="Courier New" pitchFamily="49" charset="0"/>
+                <a:cs typeface="Courier New" pitchFamily="49" charset="0"/>
+              </a:rPr>
+              <a:t>NameConverter</a:t>
+            </a:r>
+            <a:r>
+              <a:rPr lang="en-US" sz="1600" dirty="0">
+                <a:latin typeface="Courier New" pitchFamily="49" charset="0"/>
+                <a:cs typeface="Courier New" pitchFamily="49" charset="0"/>
+              </a:rPr>
+              <a:t>; it’s a subtype of String =&gt; </a:t>
+            </a:r>
+            <a:r>
+              <a:rPr lang="en-US" sz="1600" dirty="0" err="1">
+                <a:latin typeface="Courier New" pitchFamily="49" charset="0"/>
+                <a:cs typeface="Courier New" pitchFamily="49" charset="0"/>
+              </a:rPr>
+              <a:t>Int</a:t>
+            </a:r>
+            <a:endParaRPr lang="en-US" sz="1600" dirty="0">
+              <a:latin typeface="Courier New" pitchFamily="49" charset="0"/>
+              <a:cs typeface="Courier New" pitchFamily="49" charset="0"/>
+            </a:endParaRPr>
+          </a:p>
+          <a:p>
+            <a:r>
+              <a:rPr lang="en-US" sz="1600" dirty="0" err="1">
+                <a:latin typeface="Courier New" pitchFamily="49" charset="0"/>
+                <a:cs typeface="Courier New" pitchFamily="49" charset="0"/>
+              </a:rPr>
+              <a:t>workWith</a:t>
+            </a:r>
+            <a:r>
+              <a:rPr lang="en-US" sz="1600" dirty="0">
+                <a:latin typeface="Courier New" pitchFamily="49" charset="0"/>
+                <a:cs typeface="Courier New" pitchFamily="49" charset="0"/>
+              </a:rPr>
+              <a:t>(converter)</a:t>
             </a:r>
           </a:p>
         </p:txBody>
@@ -4126,7 +4512,7 @@
     </p:spTree>
     <p:extLst>
       <p:ext uri="{BB962C8B-B14F-4D97-AF65-F5344CB8AC3E}">
-        <p14:creationId xmlns:p14="http://schemas.microsoft.com/office/powerpoint/2010/main" val="153372762"/>
+        <p14:creationId xmlns:p14="http://schemas.microsoft.com/office/powerpoint/2010/main" val="1841962660"/>
       </p:ext>
     </p:extLst>
   </p:cSld>
@@ -4170,15 +4556,7 @@
           <a:p>
             <a:r>
               <a:rPr lang="en-US" dirty="0"/>
-              <a:t>External </a:t>
-            </a:r>
-            <a:r>
-              <a:rPr lang="en-US" dirty="0" err="1"/>
-              <a:t>vs</a:t>
-            </a:r>
-            <a:r>
-              <a:rPr lang="en-US" dirty="0"/>
-              <a:t> Internal DSLs</a:t>
+              <a:t>Domain Specific Languages</a:t>
             </a:r>
           </a:p>
         </p:txBody>
@@ -4196,71 +4574,91 @@
         <p:spPr/>
         <p:txBody>
           <a:bodyPr>
-            <a:normAutofit/>
+            <a:normAutofit lnSpcReduction="10000"/>
           </a:bodyPr>
           <a:lstStyle/>
           <a:p>
             <a:r>
-              <a:rPr lang="en-US" dirty="0"/>
-              <a:t>External</a:t>
+              <a:rPr lang="en-US" i="1" dirty="0"/>
+              <a:t>A language designed for use in a specific application domain </a:t>
+            </a:r>
+            <a:r>
+              <a:rPr lang="en-US" dirty="0"/>
+              <a:t>(by “domain experts”)</a:t>
             </a:r>
           </a:p>
           <a:p>
             <a:pPr lvl="1"/>
-            <a:r>
-              <a:rPr lang="en-US" dirty="0"/>
-              <a:t>DSL creator writes a program that processes the new language</a:t>
-            </a:r>
-          </a:p>
-          <a:p>
-            <a:pPr lvl="1"/>
-            <a:r>
-              <a:rPr lang="en-US" dirty="0"/>
-              <a:t>DSL processor can be in any language</a:t>
-            </a:r>
-          </a:p>
-          <a:p>
-            <a:pPr lvl="1"/>
-            <a:r>
-              <a:rPr lang="en-US" dirty="0"/>
-              <a:t>DSL processor uses compiler techniques</a:t>
-            </a:r>
-          </a:p>
-          <a:p>
-            <a:pPr lvl="1"/>
-            <a:r>
-              <a:rPr lang="en-US" dirty="0"/>
-              <a:t>Example: </a:t>
-            </a:r>
             <a:r>
               <a:rPr lang="en-US" dirty="0" err="1">
                 <a:hlinkClick r:id="rId2"/>
               </a:rPr>
               <a:t>Gnuplot</a:t>
             </a:r>
-            <a:r>
-              <a:rPr lang="en-US" dirty="0"/>
-              <a:t> is written in C</a:t>
-            </a:r>
-          </a:p>
-          <a:p>
-            <a:r>
-              <a:rPr lang="en-US" dirty="0"/>
-              <a:t>Internal</a:t>
-            </a:r>
+            <a:endParaRPr lang="en-US" dirty="0"/>
           </a:p>
           <a:p>
             <a:pPr lvl="1"/>
             <a:r>
-              <a:rPr lang="en-US" dirty="0"/>
-              <a:t>DSL creator extends a “host” language to add new syntax for the DSL</a:t>
-            </a:r>
+              <a:rPr lang="en-US" dirty="0">
+                <a:hlinkClick r:id="rId3"/>
+              </a:rPr>
+              <a:t>PIC</a:t>
+            </a:r>
+            <a:endParaRPr lang="en-US" dirty="0"/>
           </a:p>
           <a:p>
             <a:pPr lvl="1"/>
             <a:r>
-              <a:rPr lang="en-US" dirty="0"/>
-              <a:t>DSL users can drop to the host language at any time</a:t>
+              <a:rPr lang="en-US" dirty="0">
+                <a:hlinkClick r:id="rId4"/>
+              </a:rPr>
+              <a:t>MATLAB</a:t>
+            </a:r>
+            <a:r>
+              <a:rPr lang="en-US" dirty="0"/>
+              <a:t>/</a:t>
+            </a:r>
+            <a:r>
+              <a:rPr lang="en-US" dirty="0">
+                <a:hlinkClick r:id="rId5"/>
+              </a:rPr>
+              <a:t>Octave</a:t>
+            </a:r>
+            <a:endParaRPr lang="en-US" dirty="0"/>
+          </a:p>
+          <a:p>
+            <a:pPr lvl="1"/>
+            <a:r>
+              <a:rPr lang="en-US" dirty="0" err="1">
+                <a:hlinkClick r:id="rId6"/>
+              </a:rPr>
+              <a:t>LabView</a:t>
+            </a:r>
+            <a:endParaRPr lang="en-US" dirty="0"/>
+          </a:p>
+          <a:p>
+            <a:pPr lvl="1"/>
+            <a:r>
+              <a:rPr lang="en-US" dirty="0" err="1">
+                <a:hlinkClick r:id="rId7"/>
+              </a:rPr>
+              <a:t>TeX</a:t>
+            </a:r>
+            <a:endParaRPr lang="en-US" dirty="0"/>
+          </a:p>
+          <a:p>
+            <a:pPr lvl="1"/>
+            <a:r>
+              <a:rPr lang="en-US" dirty="0"/>
+              <a:t>Macro languages of various kinds</a:t>
+            </a:r>
+          </a:p>
+          <a:p>
+            <a:pPr lvl="1"/>
+            <a:r>
+              <a:rPr lang="en-US" i="1" dirty="0"/>
+              <a:t>Many others…</a:t>
             </a:r>
           </a:p>
         </p:txBody>
@@ -4268,7 +4666,7 @@
     </p:spTree>
     <p:extLst>
       <p:ext uri="{BB962C8B-B14F-4D97-AF65-F5344CB8AC3E}">
-        <p14:creationId xmlns:p14="http://schemas.microsoft.com/office/powerpoint/2010/main" val="4087143066"/>
+        <p14:creationId xmlns:p14="http://schemas.microsoft.com/office/powerpoint/2010/main" val="153372762"/>
       </p:ext>
     </p:extLst>
   </p:cSld>
@@ -4312,7 +4710,15 @@
           <a:p>
             <a:r>
               <a:rPr lang="en-US" dirty="0"/>
-              <a:t>Scala and DSLs</a:t>
+              <a:t>External </a:t>
+            </a:r>
+            <a:r>
+              <a:rPr lang="en-US" dirty="0" err="1"/>
+              <a:t>vs</a:t>
+            </a:r>
+            <a:r>
+              <a:rPr lang="en-US" dirty="0"/>
+              <a:t> Internal DSLs</a:t>
             </a:r>
           </a:p>
         </p:txBody>
@@ -4329,67 +4735,72 @@
         </p:nvSpPr>
         <p:spPr/>
         <p:txBody>
-          <a:bodyPr/>
-          <a:lstStyle/>
-          <a:p>
-            <a:r>
-              <a:rPr lang="en-US" dirty="0"/>
-              <a:t>Scala has features to support internal DSLs</a:t>
+          <a:bodyPr>
+            <a:normAutofit/>
+          </a:bodyPr>
+          <a:lstStyle/>
+          <a:p>
+            <a:r>
+              <a:rPr lang="en-US" dirty="0"/>
+              <a:t>External</a:t>
             </a:r>
           </a:p>
           <a:p>
             <a:pPr lvl="1"/>
             <a:r>
               <a:rPr lang="en-US" dirty="0"/>
-              <a:t>Flexible syntax. You can (with limitations) add:</a:t>
-            </a:r>
-          </a:p>
-          <a:p>
-            <a:pPr lvl="2"/>
-            <a:r>
-              <a:rPr lang="en-US" dirty="0"/>
-              <a:t>New keywords</a:t>
-            </a:r>
-          </a:p>
-          <a:p>
-            <a:pPr lvl="2"/>
-            <a:r>
-              <a:rPr lang="en-US" dirty="0"/>
-              <a:t>New operators</a:t>
-            </a:r>
-          </a:p>
-          <a:p>
-            <a:pPr lvl="2"/>
-            <a:r>
-              <a:rPr lang="en-US" dirty="0"/>
-              <a:t>New control structures</a:t>
-            </a:r>
-          </a:p>
-          <a:p>
-            <a:r>
-              <a:rPr lang="en-US" dirty="0"/>
-              <a:t>Enables “DSL-oriented programming”</a:t>
+              <a:t>DSL creator writes a program that processes the new language</a:t>
             </a:r>
           </a:p>
           <a:p>
             <a:pPr lvl="1"/>
             <a:r>
               <a:rPr lang="en-US" dirty="0"/>
-              <a:t>Don’t write a program to solve your problem…</a:t>
+              <a:t>DSL processor can be in any language</a:t>
             </a:r>
           </a:p>
           <a:p>
             <a:pPr lvl="1"/>
             <a:r>
               <a:rPr lang="en-US" dirty="0"/>
-              <a:t>Create a DSL that makes the problem easy to solve</a:t>
-            </a:r>
-          </a:p>
-          <a:p>
-            <a:pPr lvl="2"/>
-            <a:r>
-              <a:rPr lang="en-US" dirty="0"/>
-              <a:t>… and then easily solve it with your DSL</a:t>
+              <a:t>DSL processor uses compiler techniques</a:t>
+            </a:r>
+          </a:p>
+          <a:p>
+            <a:pPr lvl="1"/>
+            <a:r>
+              <a:rPr lang="en-US" dirty="0"/>
+              <a:t>Example: </a:t>
+            </a:r>
+            <a:r>
+              <a:rPr lang="en-US" dirty="0" err="1">
+                <a:hlinkClick r:id="rId2"/>
+              </a:rPr>
+              <a:t>Gnuplot</a:t>
+            </a:r>
+            <a:r>
+              <a:rPr lang="en-US" dirty="0"/>
+              <a:t> is written in C</a:t>
+            </a:r>
+          </a:p>
+          <a:p>
+            <a:r>
+              <a:rPr lang="en-US" dirty="0"/>
+              <a:t>Internal</a:t>
+            </a:r>
+          </a:p>
+          <a:p>
+            <a:pPr lvl="1"/>
+            <a:r>
+              <a:rPr lang="en-US" dirty="0"/>
+              <a:t>DSL creator extends a “host” language to add new syntax for the DSL</a:t>
+            </a:r>
+          </a:p>
+          <a:p>
+            <a:pPr lvl="1"/>
+            <a:r>
+              <a:rPr lang="en-US" dirty="0"/>
+              <a:t>DSL users can drop to the host language at any time</a:t>
             </a:r>
           </a:p>
         </p:txBody>
@@ -4397,7 +4808,7 @@
     </p:spTree>
     <p:extLst>
       <p:ext uri="{BB962C8B-B14F-4D97-AF65-F5344CB8AC3E}">
-        <p14:creationId xmlns:p14="http://schemas.microsoft.com/office/powerpoint/2010/main" val="2030343051"/>
+        <p14:creationId xmlns:p14="http://schemas.microsoft.com/office/powerpoint/2010/main" val="4087143066"/>
       </p:ext>
     </p:extLst>
   </p:cSld>
@@ -4426,7 +4837,7 @@
       </p:grpSpPr>
       <p:sp>
         <p:nvSpPr>
-          <p:cNvPr id="4" name="Title 3"/>
+          <p:cNvPr id="2" name="Title 1"/>
           <p:cNvSpPr>
             <a:spLocks noGrp="1"/>
           </p:cNvSpPr>
@@ -4441,704 +4852,92 @@
           <a:p>
             <a:r>
               <a:rPr lang="en-US" dirty="0"/>
-              <a:t>Example DSL: </a:t>
-            </a:r>
-            <a:r>
-              <a:rPr lang="en-US" dirty="0" err="1"/>
-              <a:t>ScalaTest</a:t>
-            </a:r>
-            <a:endParaRPr lang="en-US" dirty="0"/>
-          </a:p>
-        </p:txBody>
-      </p:sp>
-      <p:sp>
-        <p:nvSpPr>
-          <p:cNvPr id="5" name="TextBox 4"/>
-          <p:cNvSpPr txBox="1"/>
-          <p:nvPr/>
-        </p:nvSpPr>
-        <p:spPr>
-          <a:xfrm>
-            <a:off x="2068286" y="1981200"/>
-            <a:ext cx="8239756" cy="3754874"/>
-          </a:xfrm>
-          <a:prstGeom prst="rect">
-            <a:avLst/>
-          </a:prstGeom>
-          <a:noFill/>
-        </p:spPr>
-        <p:txBody>
-          <a:bodyPr wrap="none" rtlCol="0">
-            <a:spAutoFit/>
-          </a:bodyPr>
-          <a:lstStyle/>
-          <a:p>
-            <a:r>
-              <a:rPr lang="en-US" sz="1400" b="1" dirty="0">
-                <a:latin typeface="Courier New" pitchFamily="49" charset="0"/>
-                <a:cs typeface="Courier New" pitchFamily="49" charset="0"/>
-              </a:rPr>
-              <a:t>import</a:t>
-            </a:r>
-            <a:r>
-              <a:rPr lang="en-US" sz="1400" dirty="0">
-                <a:latin typeface="Courier New" pitchFamily="49" charset="0"/>
-                <a:cs typeface="Courier New" pitchFamily="49" charset="0"/>
-              </a:rPr>
-              <a:t> </a:t>
-            </a:r>
-            <a:r>
-              <a:rPr lang="en-US" sz="1400" dirty="0" err="1">
-                <a:latin typeface="Courier New" pitchFamily="49" charset="0"/>
-                <a:cs typeface="Courier New" pitchFamily="49" charset="0"/>
-              </a:rPr>
-              <a:t>org.scalatest.FlatSpec</a:t>
-            </a:r>
-            <a:endParaRPr lang="en-US" sz="1400" dirty="0">
-              <a:latin typeface="Courier New" pitchFamily="49" charset="0"/>
-              <a:cs typeface="Courier New" pitchFamily="49" charset="0"/>
-            </a:endParaRPr>
-          </a:p>
-          <a:p>
-            <a:r>
-              <a:rPr lang="en-US" sz="1400" b="1" dirty="0">
-                <a:latin typeface="Courier New" pitchFamily="49" charset="0"/>
-                <a:cs typeface="Courier New" pitchFamily="49" charset="0"/>
-              </a:rPr>
-              <a:t>import</a:t>
-            </a:r>
-            <a:r>
-              <a:rPr lang="en-US" sz="1400" dirty="0">
-                <a:latin typeface="Courier New" pitchFamily="49" charset="0"/>
-                <a:cs typeface="Courier New" pitchFamily="49" charset="0"/>
-              </a:rPr>
-              <a:t> </a:t>
-            </a:r>
-            <a:r>
-              <a:rPr lang="en-US" sz="1400" dirty="0" err="1">
-                <a:latin typeface="Courier New" pitchFamily="49" charset="0"/>
-                <a:cs typeface="Courier New" pitchFamily="49" charset="0"/>
-              </a:rPr>
-              <a:t>org.scalatest.matchers.ShouldMatchers</a:t>
-            </a:r>
-            <a:endParaRPr lang="en-US" sz="1400" dirty="0">
-              <a:latin typeface="Courier New" pitchFamily="49" charset="0"/>
-              <a:cs typeface="Courier New" pitchFamily="49" charset="0"/>
-            </a:endParaRPr>
-          </a:p>
-          <a:p>
-            <a:endParaRPr lang="en-US" sz="1400" dirty="0">
-              <a:latin typeface="Courier New" pitchFamily="49" charset="0"/>
-              <a:cs typeface="Courier New" pitchFamily="49" charset="0"/>
-            </a:endParaRPr>
-          </a:p>
-          <a:p>
-            <a:r>
-              <a:rPr lang="en-US" sz="1400" b="1" dirty="0">
-                <a:latin typeface="Courier New" pitchFamily="49" charset="0"/>
-                <a:cs typeface="Courier New" pitchFamily="49" charset="0"/>
-              </a:rPr>
-              <a:t>class</a:t>
-            </a:r>
-            <a:r>
-              <a:rPr lang="en-US" sz="1400" dirty="0">
-                <a:latin typeface="Courier New" pitchFamily="49" charset="0"/>
-                <a:cs typeface="Courier New" pitchFamily="49" charset="0"/>
-              </a:rPr>
-              <a:t> </a:t>
-            </a:r>
-            <a:r>
-              <a:rPr lang="en-US" sz="1400" dirty="0" err="1">
-                <a:latin typeface="Courier New" pitchFamily="49" charset="0"/>
-                <a:cs typeface="Courier New" pitchFamily="49" charset="0"/>
-              </a:rPr>
-              <a:t>StackSpec</a:t>
-            </a:r>
-            <a:r>
-              <a:rPr lang="en-US" sz="1400" dirty="0">
-                <a:latin typeface="Courier New" pitchFamily="49" charset="0"/>
-                <a:cs typeface="Courier New" pitchFamily="49" charset="0"/>
-              </a:rPr>
-              <a:t> </a:t>
-            </a:r>
-            <a:r>
-              <a:rPr lang="en-US" sz="1400" b="1" dirty="0">
-                <a:latin typeface="Courier New" pitchFamily="49" charset="0"/>
-                <a:cs typeface="Courier New" pitchFamily="49" charset="0"/>
-              </a:rPr>
-              <a:t>extends</a:t>
-            </a:r>
-            <a:r>
-              <a:rPr lang="en-US" sz="1400" dirty="0">
-                <a:latin typeface="Courier New" pitchFamily="49" charset="0"/>
-                <a:cs typeface="Courier New" pitchFamily="49" charset="0"/>
-              </a:rPr>
-              <a:t> </a:t>
-            </a:r>
-            <a:r>
-              <a:rPr lang="en-US" sz="1400" dirty="0" err="1">
-                <a:latin typeface="Courier New" pitchFamily="49" charset="0"/>
-                <a:cs typeface="Courier New" pitchFamily="49" charset="0"/>
-              </a:rPr>
-              <a:t>FlatSpec</a:t>
-            </a:r>
-            <a:r>
-              <a:rPr lang="en-US" sz="1400" dirty="0">
-                <a:latin typeface="Courier New" pitchFamily="49" charset="0"/>
-                <a:cs typeface="Courier New" pitchFamily="49" charset="0"/>
-              </a:rPr>
-              <a:t> </a:t>
-            </a:r>
-            <a:r>
-              <a:rPr lang="en-US" sz="1400" b="1" dirty="0">
-                <a:latin typeface="Courier New" pitchFamily="49" charset="0"/>
-                <a:cs typeface="Courier New" pitchFamily="49" charset="0"/>
-              </a:rPr>
-              <a:t>with</a:t>
-            </a:r>
-            <a:r>
-              <a:rPr lang="en-US" sz="1400" dirty="0">
-                <a:latin typeface="Courier New" pitchFamily="49" charset="0"/>
-                <a:cs typeface="Courier New" pitchFamily="49" charset="0"/>
-              </a:rPr>
-              <a:t> </a:t>
-            </a:r>
-            <a:r>
-              <a:rPr lang="en-US" sz="1400" dirty="0" err="1">
-                <a:latin typeface="Courier New" pitchFamily="49" charset="0"/>
-                <a:cs typeface="Courier New" pitchFamily="49" charset="0"/>
-              </a:rPr>
-              <a:t>ShouldMatchers</a:t>
-            </a:r>
-            <a:r>
-              <a:rPr lang="en-US" sz="1400" dirty="0">
-                <a:latin typeface="Courier New" pitchFamily="49" charset="0"/>
-                <a:cs typeface="Courier New" pitchFamily="49" charset="0"/>
-              </a:rPr>
-              <a:t> {</a:t>
-            </a:r>
-          </a:p>
-          <a:p>
-            <a:r>
-              <a:rPr lang="en-US" sz="1400" dirty="0">
-                <a:latin typeface="Courier New" pitchFamily="49" charset="0"/>
-                <a:cs typeface="Courier New" pitchFamily="49" charset="0"/>
-              </a:rPr>
-              <a:t>  “A Stack” </a:t>
-            </a:r>
-            <a:r>
-              <a:rPr lang="en-US" sz="1400" b="1" dirty="0">
-                <a:latin typeface="Courier New" pitchFamily="49" charset="0"/>
-                <a:cs typeface="Courier New" pitchFamily="49" charset="0"/>
-              </a:rPr>
-              <a:t>should</a:t>
-            </a:r>
-            <a:r>
-              <a:rPr lang="en-US" sz="1400" dirty="0">
-                <a:latin typeface="Courier New" pitchFamily="49" charset="0"/>
-                <a:cs typeface="Courier New" pitchFamily="49" charset="0"/>
-              </a:rPr>
-              <a:t> “pop values in last-in-first-out order” </a:t>
-            </a:r>
-            <a:r>
-              <a:rPr lang="en-US" sz="1400" b="1" dirty="0">
-                <a:latin typeface="Courier New" pitchFamily="49" charset="0"/>
-                <a:cs typeface="Courier New" pitchFamily="49" charset="0"/>
-              </a:rPr>
-              <a:t>in</a:t>
-            </a:r>
-            <a:r>
-              <a:rPr lang="en-US" sz="1400" dirty="0">
-                <a:latin typeface="Courier New" pitchFamily="49" charset="0"/>
-                <a:cs typeface="Courier New" pitchFamily="49" charset="0"/>
-              </a:rPr>
-              <a:t> {</a:t>
-            </a:r>
-          </a:p>
-          <a:p>
-            <a:r>
-              <a:rPr lang="en-US" sz="1400" dirty="0">
-                <a:latin typeface="Courier New" pitchFamily="49" charset="0"/>
-                <a:cs typeface="Courier New" pitchFamily="49" charset="0"/>
-              </a:rPr>
-              <a:t>    </a:t>
-            </a:r>
-            <a:r>
-              <a:rPr lang="en-US" sz="1400" b="1" dirty="0" err="1">
-                <a:latin typeface="Courier New" pitchFamily="49" charset="0"/>
-                <a:cs typeface="Courier New" pitchFamily="49" charset="0"/>
-              </a:rPr>
-              <a:t>val</a:t>
-            </a:r>
-            <a:r>
-              <a:rPr lang="en-US" sz="1400" dirty="0">
-                <a:latin typeface="Courier New" pitchFamily="49" charset="0"/>
-                <a:cs typeface="Courier New" pitchFamily="49" charset="0"/>
-              </a:rPr>
-              <a:t> stack = </a:t>
-            </a:r>
-            <a:r>
-              <a:rPr lang="en-US" sz="1400" b="1" dirty="0">
-                <a:latin typeface="Courier New" pitchFamily="49" charset="0"/>
-                <a:cs typeface="Courier New" pitchFamily="49" charset="0"/>
-              </a:rPr>
-              <a:t>new</a:t>
-            </a:r>
-            <a:r>
-              <a:rPr lang="en-US" sz="1400" dirty="0">
-                <a:latin typeface="Courier New" pitchFamily="49" charset="0"/>
-                <a:cs typeface="Courier New" pitchFamily="49" charset="0"/>
-              </a:rPr>
-              <a:t> Stack[</a:t>
-            </a:r>
-            <a:r>
-              <a:rPr lang="en-US" sz="1400" dirty="0" err="1">
-                <a:latin typeface="Courier New" pitchFamily="49" charset="0"/>
-                <a:cs typeface="Courier New" pitchFamily="49" charset="0"/>
-              </a:rPr>
-              <a:t>Int</a:t>
-            </a:r>
-            <a:r>
-              <a:rPr lang="en-US" sz="1400" dirty="0">
-                <a:latin typeface="Courier New" pitchFamily="49" charset="0"/>
-                <a:cs typeface="Courier New" pitchFamily="49" charset="0"/>
-              </a:rPr>
-              <a:t>]</a:t>
-            </a:r>
-          </a:p>
-          <a:p>
-            <a:r>
-              <a:rPr lang="en-US" sz="1400" dirty="0">
-                <a:latin typeface="Courier New" pitchFamily="49" charset="0"/>
-                <a:cs typeface="Courier New" pitchFamily="49" charset="0"/>
-              </a:rPr>
-              <a:t>    </a:t>
-            </a:r>
-            <a:r>
-              <a:rPr lang="en-US" sz="1400" dirty="0" err="1">
-                <a:latin typeface="Courier New" pitchFamily="49" charset="0"/>
-                <a:cs typeface="Courier New" pitchFamily="49" charset="0"/>
-              </a:rPr>
-              <a:t>stack.push</a:t>
-            </a:r>
-            <a:r>
-              <a:rPr lang="en-US" sz="1400" dirty="0">
-                <a:latin typeface="Courier New" pitchFamily="49" charset="0"/>
-                <a:cs typeface="Courier New" pitchFamily="49" charset="0"/>
-              </a:rPr>
-              <a:t>(1)</a:t>
-            </a:r>
-          </a:p>
-          <a:p>
-            <a:r>
-              <a:rPr lang="en-US" sz="1400" dirty="0">
-                <a:latin typeface="Courier New" pitchFamily="49" charset="0"/>
-                <a:cs typeface="Courier New" pitchFamily="49" charset="0"/>
-              </a:rPr>
-              <a:t>    </a:t>
-            </a:r>
-            <a:r>
-              <a:rPr lang="en-US" sz="1400" dirty="0" err="1">
-                <a:latin typeface="Courier New" pitchFamily="49" charset="0"/>
-                <a:cs typeface="Courier New" pitchFamily="49" charset="0"/>
-              </a:rPr>
-              <a:t>stack.push</a:t>
-            </a:r>
-            <a:r>
-              <a:rPr lang="en-US" sz="1400" dirty="0">
-                <a:latin typeface="Courier New" pitchFamily="49" charset="0"/>
-                <a:cs typeface="Courier New" pitchFamily="49" charset="0"/>
-              </a:rPr>
-              <a:t>(2)</a:t>
-            </a:r>
-          </a:p>
-          <a:p>
-            <a:r>
-              <a:rPr lang="en-US" sz="1400" dirty="0">
-                <a:latin typeface="Courier New" pitchFamily="49" charset="0"/>
-                <a:cs typeface="Courier New" pitchFamily="49" charset="0"/>
-              </a:rPr>
-              <a:t>    </a:t>
-            </a:r>
-            <a:r>
-              <a:rPr lang="en-US" sz="1400" dirty="0" err="1">
-                <a:latin typeface="Courier New" pitchFamily="49" charset="0"/>
-                <a:cs typeface="Courier New" pitchFamily="49" charset="0"/>
-              </a:rPr>
-              <a:t>stack.pop</a:t>
-            </a:r>
-            <a:r>
-              <a:rPr lang="en-US" sz="1400" dirty="0">
-                <a:latin typeface="Courier New" pitchFamily="49" charset="0"/>
-                <a:cs typeface="Courier New" pitchFamily="49" charset="0"/>
-              </a:rPr>
-              <a:t>() </a:t>
-            </a:r>
-            <a:r>
-              <a:rPr lang="en-US" sz="1400" b="1" dirty="0">
-                <a:latin typeface="Courier New" pitchFamily="49" charset="0"/>
-                <a:cs typeface="Courier New" pitchFamily="49" charset="0"/>
-              </a:rPr>
-              <a:t>should</a:t>
-            </a:r>
-            <a:r>
-              <a:rPr lang="en-US" sz="1400" dirty="0">
-                <a:latin typeface="Courier New" pitchFamily="49" charset="0"/>
-                <a:cs typeface="Courier New" pitchFamily="49" charset="0"/>
-              </a:rPr>
-              <a:t> </a:t>
-            </a:r>
-            <a:r>
-              <a:rPr lang="en-US" sz="1400" b="1" dirty="0">
-                <a:latin typeface="Courier New" pitchFamily="49" charset="0"/>
-                <a:cs typeface="Courier New" pitchFamily="49" charset="0"/>
-              </a:rPr>
-              <a:t>equal</a:t>
-            </a:r>
-            <a:r>
-              <a:rPr lang="en-US" sz="1400" dirty="0">
-                <a:latin typeface="Courier New" pitchFamily="49" charset="0"/>
-                <a:cs typeface="Courier New" pitchFamily="49" charset="0"/>
-              </a:rPr>
-              <a:t> (2)</a:t>
-            </a:r>
-          </a:p>
-          <a:p>
-            <a:r>
-              <a:rPr lang="en-US" sz="1400" dirty="0">
-                <a:latin typeface="Courier New" pitchFamily="49" charset="0"/>
-                <a:cs typeface="Courier New" pitchFamily="49" charset="0"/>
-              </a:rPr>
-              <a:t>    </a:t>
-            </a:r>
-            <a:r>
-              <a:rPr lang="en-US" sz="1400" dirty="0" err="1">
-                <a:latin typeface="Courier New" pitchFamily="49" charset="0"/>
-                <a:cs typeface="Courier New" pitchFamily="49" charset="0"/>
-              </a:rPr>
-              <a:t>stack.pop</a:t>
-            </a:r>
-            <a:r>
-              <a:rPr lang="en-US" sz="1400" dirty="0">
-                <a:latin typeface="Courier New" pitchFamily="49" charset="0"/>
-                <a:cs typeface="Courier New" pitchFamily="49" charset="0"/>
-              </a:rPr>
-              <a:t>() </a:t>
-            </a:r>
-            <a:r>
-              <a:rPr lang="en-US" sz="1400" b="1" dirty="0">
-                <a:latin typeface="Courier New" pitchFamily="49" charset="0"/>
-                <a:cs typeface="Courier New" pitchFamily="49" charset="0"/>
-              </a:rPr>
-              <a:t>should</a:t>
-            </a:r>
-            <a:r>
-              <a:rPr lang="en-US" sz="1400" dirty="0">
-                <a:latin typeface="Courier New" pitchFamily="49" charset="0"/>
-                <a:cs typeface="Courier New" pitchFamily="49" charset="0"/>
-              </a:rPr>
-              <a:t> </a:t>
-            </a:r>
-            <a:r>
-              <a:rPr lang="en-US" sz="1400" b="1" dirty="0">
-                <a:latin typeface="Courier New" pitchFamily="49" charset="0"/>
-                <a:cs typeface="Courier New" pitchFamily="49" charset="0"/>
-              </a:rPr>
-              <a:t>equal</a:t>
-            </a:r>
-            <a:r>
-              <a:rPr lang="en-US" sz="1400" dirty="0">
-                <a:latin typeface="Courier New" pitchFamily="49" charset="0"/>
-                <a:cs typeface="Courier New" pitchFamily="49" charset="0"/>
-              </a:rPr>
-              <a:t> (1)</a:t>
-            </a:r>
-          </a:p>
-          <a:p>
-            <a:r>
-              <a:rPr lang="en-US" sz="1400" dirty="0">
-                <a:latin typeface="Courier New" pitchFamily="49" charset="0"/>
-                <a:cs typeface="Courier New" pitchFamily="49" charset="0"/>
-              </a:rPr>
-              <a:t>  }</a:t>
-            </a:r>
-          </a:p>
-          <a:p>
-            <a:endParaRPr lang="en-US" sz="1400" dirty="0">
-              <a:latin typeface="Courier New" pitchFamily="49" charset="0"/>
-              <a:cs typeface="Courier New" pitchFamily="49" charset="0"/>
-            </a:endParaRPr>
-          </a:p>
-          <a:p>
-            <a:r>
-              <a:rPr lang="en-US" sz="1400" dirty="0">
-                <a:latin typeface="Courier New" pitchFamily="49" charset="0"/>
-                <a:cs typeface="Courier New" pitchFamily="49" charset="0"/>
-              </a:rPr>
-              <a:t>  </a:t>
-            </a:r>
-            <a:r>
-              <a:rPr lang="en-US" sz="1400" b="1" dirty="0">
-                <a:latin typeface="Courier New" pitchFamily="49" charset="0"/>
-                <a:cs typeface="Courier New" pitchFamily="49" charset="0"/>
-              </a:rPr>
-              <a:t>it</a:t>
-            </a:r>
-            <a:r>
-              <a:rPr lang="en-US" sz="1400" dirty="0">
-                <a:latin typeface="Courier New" pitchFamily="49" charset="0"/>
-                <a:cs typeface="Courier New" pitchFamily="49" charset="0"/>
-              </a:rPr>
-              <a:t> </a:t>
-            </a:r>
-            <a:r>
-              <a:rPr lang="en-US" sz="1400" b="1" dirty="0">
-                <a:latin typeface="Courier New" pitchFamily="49" charset="0"/>
-                <a:cs typeface="Courier New" pitchFamily="49" charset="0"/>
-              </a:rPr>
-              <a:t>should</a:t>
-            </a:r>
-            <a:r>
-              <a:rPr lang="en-US" sz="1400" dirty="0">
-                <a:latin typeface="Courier New" pitchFamily="49" charset="0"/>
-                <a:cs typeface="Courier New" pitchFamily="49" charset="0"/>
-              </a:rPr>
-              <a:t> “throw </a:t>
-            </a:r>
-            <a:r>
-              <a:rPr lang="en-US" sz="1400" dirty="0" err="1">
-                <a:latin typeface="Courier New" pitchFamily="49" charset="0"/>
-                <a:cs typeface="Courier New" pitchFamily="49" charset="0"/>
-              </a:rPr>
-              <a:t>NoSuchElementException</a:t>
-            </a:r>
-            <a:r>
-              <a:rPr lang="en-US" sz="1400" dirty="0">
-                <a:latin typeface="Courier New" pitchFamily="49" charset="0"/>
-                <a:cs typeface="Courier New" pitchFamily="49" charset="0"/>
-              </a:rPr>
-              <a:t> if an empty stack is popped” </a:t>
-            </a:r>
-            <a:r>
-              <a:rPr lang="en-US" sz="1400" b="1" dirty="0">
-                <a:latin typeface="Courier New" pitchFamily="49" charset="0"/>
-                <a:cs typeface="Courier New" pitchFamily="49" charset="0"/>
-              </a:rPr>
-              <a:t>in</a:t>
-            </a:r>
-            <a:r>
-              <a:rPr lang="en-US" sz="1400" dirty="0">
-                <a:latin typeface="Courier New" pitchFamily="49" charset="0"/>
-                <a:cs typeface="Courier New" pitchFamily="49" charset="0"/>
-              </a:rPr>
-              <a:t> {</a:t>
-            </a:r>
-          </a:p>
-          <a:p>
-            <a:r>
-              <a:rPr lang="en-US" sz="1400" dirty="0">
-                <a:latin typeface="Courier New" pitchFamily="49" charset="0"/>
-                <a:cs typeface="Courier New" pitchFamily="49" charset="0"/>
-              </a:rPr>
-              <a:t>    </a:t>
-            </a:r>
-            <a:r>
-              <a:rPr lang="en-US" sz="1400" b="1" dirty="0" err="1">
-                <a:latin typeface="Courier New" pitchFamily="49" charset="0"/>
-                <a:cs typeface="Courier New" pitchFamily="49" charset="0"/>
-              </a:rPr>
-              <a:t>val</a:t>
-            </a:r>
-            <a:r>
-              <a:rPr lang="en-US" sz="1400" dirty="0">
-                <a:latin typeface="Courier New" pitchFamily="49" charset="0"/>
-                <a:cs typeface="Courier New" pitchFamily="49" charset="0"/>
-              </a:rPr>
-              <a:t> </a:t>
-            </a:r>
-            <a:r>
-              <a:rPr lang="en-US" sz="1400" dirty="0" err="1">
-                <a:latin typeface="Courier New" pitchFamily="49" charset="0"/>
-                <a:cs typeface="Courier New" pitchFamily="49" charset="0"/>
-              </a:rPr>
-              <a:t>emptyStack</a:t>
-            </a:r>
-            <a:r>
-              <a:rPr lang="en-US" sz="1400" dirty="0">
-                <a:latin typeface="Courier New" pitchFamily="49" charset="0"/>
-                <a:cs typeface="Courier New" pitchFamily="49" charset="0"/>
-              </a:rPr>
-              <a:t> = new Stack[String]</a:t>
-            </a:r>
-          </a:p>
-          <a:p>
-            <a:r>
-              <a:rPr lang="en-US" sz="1400" dirty="0">
-                <a:latin typeface="Courier New" pitchFamily="49" charset="0"/>
-                <a:cs typeface="Courier New" pitchFamily="49" charset="0"/>
-              </a:rPr>
-              <a:t>    </a:t>
-            </a:r>
-            <a:r>
-              <a:rPr lang="en-US" sz="1400" b="1" dirty="0">
-                <a:latin typeface="Courier New" pitchFamily="49" charset="0"/>
-                <a:cs typeface="Courier New" pitchFamily="49" charset="0"/>
-              </a:rPr>
-              <a:t>evaluating</a:t>
-            </a:r>
-            <a:r>
-              <a:rPr lang="en-US" sz="1400" dirty="0">
-                <a:latin typeface="Courier New" pitchFamily="49" charset="0"/>
-                <a:cs typeface="Courier New" pitchFamily="49" charset="0"/>
-              </a:rPr>
-              <a:t> { </a:t>
-            </a:r>
-            <a:r>
-              <a:rPr lang="en-US" sz="1400" dirty="0" err="1">
-                <a:latin typeface="Courier New" pitchFamily="49" charset="0"/>
-                <a:cs typeface="Courier New" pitchFamily="49" charset="0"/>
-              </a:rPr>
-              <a:t>emptyStack.pop</a:t>
-            </a:r>
-            <a:r>
-              <a:rPr lang="en-US" sz="1400" dirty="0">
-                <a:latin typeface="Courier New" pitchFamily="49" charset="0"/>
-                <a:cs typeface="Courier New" pitchFamily="49" charset="0"/>
-              </a:rPr>
-              <a:t>() } </a:t>
-            </a:r>
-            <a:r>
-              <a:rPr lang="en-US" sz="1400" b="1" dirty="0">
-                <a:latin typeface="Courier New" pitchFamily="49" charset="0"/>
-                <a:cs typeface="Courier New" pitchFamily="49" charset="0"/>
-              </a:rPr>
-              <a:t>should</a:t>
-            </a:r>
-            <a:r>
-              <a:rPr lang="en-US" sz="1400" dirty="0">
-                <a:latin typeface="Courier New" pitchFamily="49" charset="0"/>
-                <a:cs typeface="Courier New" pitchFamily="49" charset="0"/>
-              </a:rPr>
-              <a:t> </a:t>
-            </a:r>
-            <a:r>
-              <a:rPr lang="en-US" sz="1400" b="1" dirty="0">
-                <a:latin typeface="Courier New" pitchFamily="49" charset="0"/>
-                <a:cs typeface="Courier New" pitchFamily="49" charset="0"/>
-              </a:rPr>
-              <a:t>produce</a:t>
-            </a:r>
-            <a:r>
-              <a:rPr lang="en-US" sz="1400" dirty="0">
-                <a:latin typeface="Courier New" pitchFamily="49" charset="0"/>
-                <a:cs typeface="Courier New" pitchFamily="49" charset="0"/>
-              </a:rPr>
-              <a:t> [</a:t>
-            </a:r>
-            <a:r>
-              <a:rPr lang="en-US" sz="1400" dirty="0" err="1">
-                <a:latin typeface="Courier New" pitchFamily="49" charset="0"/>
-                <a:cs typeface="Courier New" pitchFamily="49" charset="0"/>
-              </a:rPr>
-              <a:t>NoSuchElementException</a:t>
-            </a:r>
-            <a:r>
-              <a:rPr lang="en-US" sz="1400" dirty="0">
-                <a:latin typeface="Courier New" pitchFamily="49" charset="0"/>
-                <a:cs typeface="Courier New" pitchFamily="49" charset="0"/>
-              </a:rPr>
-              <a:t>]</a:t>
-            </a:r>
-          </a:p>
-          <a:p>
-            <a:r>
-              <a:rPr lang="en-US" sz="1400" dirty="0">
-                <a:latin typeface="Courier New" pitchFamily="49" charset="0"/>
-                <a:cs typeface="Courier New" pitchFamily="49" charset="0"/>
-              </a:rPr>
-              <a:t>  }</a:t>
-            </a:r>
-          </a:p>
-          <a:p>
-            <a:r>
-              <a:rPr lang="en-US" sz="1400" dirty="0">
-                <a:latin typeface="Courier New" pitchFamily="49" charset="0"/>
-                <a:cs typeface="Courier New" pitchFamily="49" charset="0"/>
-              </a:rPr>
-              <a:t>}</a:t>
-            </a:r>
-          </a:p>
-        </p:txBody>
-      </p:sp>
-      <p:sp>
-        <p:nvSpPr>
-          <p:cNvPr id="6" name="TextBox 5"/>
-          <p:cNvSpPr txBox="1"/>
-          <p:nvPr/>
-        </p:nvSpPr>
-        <p:spPr>
-          <a:xfrm>
-            <a:off x="2068286" y="1447800"/>
-            <a:ext cx="1285608" cy="369332"/>
-          </a:xfrm>
-          <a:prstGeom prst="rect">
-            <a:avLst/>
-          </a:prstGeom>
-          <a:noFill/>
-        </p:spPr>
-        <p:txBody>
-          <a:bodyPr wrap="none" rtlCol="0">
-            <a:spAutoFit/>
-          </a:bodyPr>
-          <a:lstStyle/>
-          <a:p>
-            <a:r>
-              <a:rPr lang="en-US" u="sng" dirty="0"/>
-              <a:t>This is Scala</a:t>
-            </a:r>
-          </a:p>
-        </p:txBody>
-      </p:sp>
-      <p:sp>
-        <p:nvSpPr>
-          <p:cNvPr id="7" name="TextBox 6"/>
-          <p:cNvSpPr txBox="1"/>
-          <p:nvPr/>
-        </p:nvSpPr>
-        <p:spPr>
-          <a:xfrm>
-            <a:off x="2068286" y="5889563"/>
-            <a:ext cx="3139962" cy="369332"/>
-          </a:xfrm>
-          <a:prstGeom prst="rect">
-            <a:avLst/>
-          </a:prstGeom>
-          <a:noFill/>
-        </p:spPr>
-        <p:txBody>
-          <a:bodyPr wrap="none" rtlCol="0">
-            <a:spAutoFit/>
-          </a:bodyPr>
-          <a:lstStyle/>
-          <a:p>
-            <a:r>
-              <a:rPr lang="en-US" dirty="0"/>
-              <a:t>From: </a:t>
-            </a:r>
-            <a:r>
-              <a:rPr lang="en-US" dirty="0">
-                <a:hlinkClick r:id="rId2"/>
-              </a:rPr>
-              <a:t>http://www.scalatest.org</a:t>
-            </a:r>
-            <a:endParaRPr lang="en-US" dirty="0"/>
+              <a:t>Scala and DSLs</a:t>
+            </a:r>
+          </a:p>
+        </p:txBody>
+      </p:sp>
+      <p:sp>
+        <p:nvSpPr>
+          <p:cNvPr id="3" name="Content Placeholder 2"/>
+          <p:cNvSpPr>
+            <a:spLocks noGrp="1"/>
+          </p:cNvSpPr>
+          <p:nvPr>
+            <p:ph idx="1"/>
+          </p:nvPr>
+        </p:nvSpPr>
+        <p:spPr/>
+        <p:txBody>
+          <a:bodyPr/>
+          <a:lstStyle/>
+          <a:p>
+            <a:r>
+              <a:rPr lang="en-US" dirty="0"/>
+              <a:t>Scala has features to support internal DSLs</a:t>
+            </a:r>
+          </a:p>
+          <a:p>
+            <a:pPr lvl="1"/>
+            <a:r>
+              <a:rPr lang="en-US" dirty="0"/>
+              <a:t>Flexible syntax. You can (with limitations) add:</a:t>
+            </a:r>
+          </a:p>
+          <a:p>
+            <a:pPr lvl="2"/>
+            <a:r>
+              <a:rPr lang="en-US" dirty="0"/>
+              <a:t>New keywords</a:t>
+            </a:r>
+          </a:p>
+          <a:p>
+            <a:pPr lvl="2"/>
+            <a:r>
+              <a:rPr lang="en-US" dirty="0"/>
+              <a:t>New operators</a:t>
+            </a:r>
+          </a:p>
+          <a:p>
+            <a:pPr lvl="2"/>
+            <a:r>
+              <a:rPr lang="en-US" dirty="0"/>
+              <a:t>New control structures</a:t>
+            </a:r>
+          </a:p>
+          <a:p>
+            <a:r>
+              <a:rPr lang="en-US" dirty="0"/>
+              <a:t>Enables “DSL-oriented programming”</a:t>
+            </a:r>
+          </a:p>
+          <a:p>
+            <a:pPr lvl="1"/>
+            <a:r>
+              <a:rPr lang="en-US" dirty="0"/>
+              <a:t>Don’t write a program to solve your problem…</a:t>
+            </a:r>
+          </a:p>
+          <a:p>
+            <a:pPr lvl="1"/>
+            <a:r>
+              <a:rPr lang="en-US" dirty="0"/>
+              <a:t>Create a DSL that makes the problem easy to solve</a:t>
+            </a:r>
+          </a:p>
+          <a:p>
+            <a:pPr lvl="2"/>
+            <a:r>
+              <a:rPr lang="en-US" dirty="0"/>
+              <a:t>… and then easily solve it with your DSL</a:t>
+            </a:r>
           </a:p>
         </p:txBody>
       </p:sp>
     </p:spTree>
     <p:extLst>
       <p:ext uri="{BB962C8B-B14F-4D97-AF65-F5344CB8AC3E}">
-        <p14:creationId xmlns:p14="http://schemas.microsoft.com/office/powerpoint/2010/main" val="4227956031"/>
+        <p14:creationId xmlns:p14="http://schemas.microsoft.com/office/powerpoint/2010/main" val="2030343051"/>
       </p:ext>
     </p:extLst>
   </p:cSld>
@@ -5167,7 +4966,7 @@
       </p:grpSpPr>
       <p:sp>
         <p:nvSpPr>
-          <p:cNvPr id="2" name="Title 1"/>
+          <p:cNvPr id="4" name="Title 3"/>
           <p:cNvSpPr>
             <a:spLocks noGrp="1"/>
           </p:cNvSpPr>
@@ -5182,11 +4981,11 @@
           <a:p>
             <a:r>
               <a:rPr lang="en-US" dirty="0"/>
-              <a:t>Example DSL: Parser </a:t>
+              <a:t>Example DSL: </a:t>
             </a:r>
             <a:r>
               <a:rPr lang="en-US" dirty="0" err="1"/>
-              <a:t>Combinators</a:t>
+              <a:t>ScalaTest</a:t>
             </a:r>
             <a:endParaRPr lang="en-US" dirty="0"/>
           </a:p>
@@ -5194,14 +4993,14 @@
       </p:sp>
       <p:sp>
         <p:nvSpPr>
-          <p:cNvPr id="3" name="TextBox 2"/>
+          <p:cNvPr id="5" name="TextBox 4"/>
           <p:cNvSpPr txBox="1"/>
           <p:nvPr/>
         </p:nvSpPr>
         <p:spPr>
           <a:xfrm>
-            <a:off x="2514600" y="1981200"/>
-            <a:ext cx="7220246" cy="3785652"/>
+            <a:off x="1976122" y="1975910"/>
+            <a:ext cx="8239756" cy="3754874"/>
           </a:xfrm>
           <a:prstGeom prst="rect">
             <a:avLst/>
@@ -5215,359 +5014,611 @@
           <a:lstStyle/>
           <a:p>
             <a:r>
-              <a:rPr lang="en-US" sz="1600" b="1" dirty="0" err="1">
-                <a:latin typeface="Courier New" pitchFamily="49" charset="0"/>
-                <a:cs typeface="Courier New" pitchFamily="49" charset="0"/>
-              </a:rPr>
-              <a:t>def</a:t>
-            </a:r>
-            <a:r>
-              <a:rPr lang="en-US" sz="1600" dirty="0">
+              <a:rPr lang="en-US" sz="1400" b="1" dirty="0">
+                <a:latin typeface="Courier New" pitchFamily="49" charset="0"/>
+                <a:cs typeface="Courier New" pitchFamily="49" charset="0"/>
+              </a:rPr>
+              <a:t>import</a:t>
+            </a:r>
+            <a:r>
+              <a:rPr lang="en-US" sz="1400" dirty="0">
                 <a:latin typeface="Courier New" pitchFamily="49" charset="0"/>
                 <a:cs typeface="Courier New" pitchFamily="49" charset="0"/>
               </a:rPr>
               <a:t> </a:t>
             </a:r>
             <a:r>
-              <a:rPr lang="en-US" sz="1600" dirty="0" err="1">
-                <a:latin typeface="Courier New" pitchFamily="49" charset="0"/>
-                <a:cs typeface="Courier New" pitchFamily="49" charset="0"/>
-              </a:rPr>
-              <a:t>inclusion_credential</a:t>
-            </a:r>
-            <a:r>
-              <a:rPr lang="en-US" sz="1600" dirty="0">
-                <a:latin typeface="Courier New" pitchFamily="49" charset="0"/>
-                <a:cs typeface="Courier New" pitchFamily="49" charset="0"/>
-              </a:rPr>
-              <a:t>: Parser[</a:t>
-            </a:r>
-            <a:r>
-              <a:rPr lang="en-US" sz="1600" dirty="0" err="1">
-                <a:latin typeface="Courier New" pitchFamily="49" charset="0"/>
-                <a:cs typeface="Courier New" pitchFamily="49" charset="0"/>
-              </a:rPr>
-              <a:t>RTInclusionCredential</a:t>
-            </a:r>
-            <a:r>
-              <a:rPr lang="en-US" sz="1600" dirty="0">
-                <a:latin typeface="Courier New" pitchFamily="49" charset="0"/>
-                <a:cs typeface="Courier New" pitchFamily="49" charset="0"/>
-              </a:rPr>
-              <a:t>] =</a:t>
-            </a:r>
-          </a:p>
-          <a:p>
-            <a:r>
-              <a:rPr lang="en-US" sz="1600" dirty="0">
-                <a:latin typeface="Courier New" pitchFamily="49" charset="0"/>
-                <a:cs typeface="Courier New" pitchFamily="49" charset="0"/>
-              </a:rPr>
-              <a:t>  </a:t>
-            </a:r>
-            <a:r>
-              <a:rPr lang="en-US" sz="1600" dirty="0" err="1">
-                <a:latin typeface="Courier New" pitchFamily="49" charset="0"/>
-                <a:cs typeface="Courier New" pitchFamily="49" charset="0"/>
-              </a:rPr>
-              <a:t>role_definition</a:t>
-            </a:r>
-            <a:r>
-              <a:rPr lang="en-US" sz="1600" dirty="0">
-                <a:latin typeface="Courier New" pitchFamily="49" charset="0"/>
-                <a:cs typeface="Courier New" pitchFamily="49" charset="0"/>
-              </a:rPr>
-              <a:t> ~ “&lt;-” ~ </a:t>
-            </a:r>
-            <a:r>
-              <a:rPr lang="en-US" sz="1600" dirty="0" err="1">
-                <a:latin typeface="Courier New" pitchFamily="49" charset="0"/>
-                <a:cs typeface="Courier New" pitchFamily="49" charset="0"/>
-              </a:rPr>
-              <a:t>role_definition</a:t>
-            </a:r>
-            <a:r>
-              <a:rPr lang="en-US" sz="1600" dirty="0">
-                <a:latin typeface="Courier New" pitchFamily="49" charset="0"/>
-                <a:cs typeface="Courier New" pitchFamily="49" charset="0"/>
-              </a:rPr>
-              <a:t> ^^</a:t>
-            </a:r>
-          </a:p>
-          <a:p>
-            <a:r>
-              <a:rPr lang="en-US" sz="1600" dirty="0">
-                <a:latin typeface="Courier New" pitchFamily="49" charset="0"/>
-                <a:cs typeface="Courier New" pitchFamily="49" charset="0"/>
-              </a:rPr>
-              <a:t>    { case target ~ “&lt;-” ~ source =&gt;</a:t>
-            </a:r>
-          </a:p>
-          <a:p>
-            <a:r>
-              <a:rPr lang="en-US" sz="1600" dirty="0">
-                <a:latin typeface="Courier New" pitchFamily="49" charset="0"/>
-                <a:cs typeface="Courier New" pitchFamily="49" charset="0"/>
-              </a:rPr>
-              <a:t>      </a:t>
-            </a:r>
-            <a:r>
-              <a:rPr lang="en-US" sz="1600" dirty="0" err="1">
-                <a:latin typeface="Courier New" pitchFamily="49" charset="0"/>
-                <a:cs typeface="Courier New" pitchFamily="49" charset="0"/>
-              </a:rPr>
-              <a:t>RTInclusionCredential</a:t>
-            </a:r>
-            <a:r>
-              <a:rPr lang="en-US" sz="1600" dirty="0">
-                <a:latin typeface="Courier New" pitchFamily="49" charset="0"/>
-                <a:cs typeface="Courier New" pitchFamily="49" charset="0"/>
-              </a:rPr>
-              <a:t>(target, source) }</a:t>
-            </a:r>
-          </a:p>
-          <a:p>
-            <a:endParaRPr lang="en-US" sz="1600" dirty="0">
+              <a:rPr lang="en-US" sz="1400" dirty="0" err="1">
+                <a:latin typeface="Courier New" pitchFamily="49" charset="0"/>
+                <a:cs typeface="Courier New" pitchFamily="49" charset="0"/>
+              </a:rPr>
+              <a:t>org.scalatest.FlatSpec</a:t>
+            </a:r>
+            <a:endParaRPr lang="en-US" sz="1400" dirty="0">
               <a:latin typeface="Courier New" pitchFamily="49" charset="0"/>
               <a:cs typeface="Courier New" pitchFamily="49" charset="0"/>
             </a:endParaRPr>
           </a:p>
           <a:p>
             <a:r>
-              <a:rPr lang="en-US" sz="1600" b="1" dirty="0" err="1">
-                <a:latin typeface="Courier New" pitchFamily="49" charset="0"/>
-                <a:cs typeface="Courier New" pitchFamily="49" charset="0"/>
-              </a:rPr>
-              <a:t>def</a:t>
-            </a:r>
-            <a:r>
-              <a:rPr lang="en-US" sz="1600" dirty="0">
+              <a:rPr lang="en-US" sz="1400" b="1" dirty="0">
+                <a:latin typeface="Courier New" pitchFamily="49" charset="0"/>
+                <a:cs typeface="Courier New" pitchFamily="49" charset="0"/>
+              </a:rPr>
+              <a:t>import</a:t>
+            </a:r>
+            <a:r>
+              <a:rPr lang="en-US" sz="1400" dirty="0">
                 <a:latin typeface="Courier New" pitchFamily="49" charset="0"/>
                 <a:cs typeface="Courier New" pitchFamily="49" charset="0"/>
               </a:rPr>
               <a:t> </a:t>
             </a:r>
             <a:r>
-              <a:rPr lang="en-US" sz="1600" dirty="0" err="1">
-                <a:latin typeface="Courier New" pitchFamily="49" charset="0"/>
-                <a:cs typeface="Courier New" pitchFamily="49" charset="0"/>
-              </a:rPr>
-              <a:t>role_definition</a:t>
-            </a:r>
-            <a:r>
-              <a:rPr lang="en-US" sz="1600" dirty="0">
-                <a:latin typeface="Courier New" pitchFamily="49" charset="0"/>
-                <a:cs typeface="Courier New" pitchFamily="49" charset="0"/>
-              </a:rPr>
-              <a:t>: Parser[(String, String)] =</a:t>
-            </a:r>
-          </a:p>
-          <a:p>
-            <a:r>
-              <a:rPr lang="en-US" sz="1600" dirty="0">
-                <a:latin typeface="Courier New" pitchFamily="49" charset="0"/>
-                <a:cs typeface="Courier New" pitchFamily="49" charset="0"/>
-              </a:rPr>
-              <a:t>  entity ~ “.” ~ </a:t>
-            </a:r>
-            <a:r>
-              <a:rPr lang="en-US" sz="1600" dirty="0" err="1">
-                <a:latin typeface="Courier New" pitchFamily="49" charset="0"/>
-                <a:cs typeface="Courier New" pitchFamily="49" charset="0"/>
-              </a:rPr>
-              <a:t>role_identifier</a:t>
-            </a:r>
-            <a:r>
-              <a:rPr lang="en-US" sz="1600" dirty="0">
-                <a:latin typeface="Courier New" pitchFamily="49" charset="0"/>
-                <a:cs typeface="Courier New" pitchFamily="49" charset="0"/>
-              </a:rPr>
-              <a:t> ^^</a:t>
-            </a:r>
-          </a:p>
-          <a:p>
-            <a:r>
-              <a:rPr lang="en-US" sz="1600" dirty="0">
-                <a:latin typeface="Courier New" pitchFamily="49" charset="0"/>
-                <a:cs typeface="Courier New" pitchFamily="49" charset="0"/>
-              </a:rPr>
-              <a:t>    { case </a:t>
-            </a:r>
-            <a:r>
-              <a:rPr lang="en-US" sz="1600" dirty="0" err="1">
-                <a:latin typeface="Courier New" pitchFamily="49" charset="0"/>
-                <a:cs typeface="Courier New" pitchFamily="49" charset="0"/>
-              </a:rPr>
-              <a:t>entityName</a:t>
-            </a:r>
-            <a:r>
-              <a:rPr lang="en-US" sz="1600" dirty="0">
-                <a:latin typeface="Courier New" pitchFamily="49" charset="0"/>
-                <a:cs typeface="Courier New" pitchFamily="49" charset="0"/>
-              </a:rPr>
-              <a:t> ~ “.” ~ </a:t>
-            </a:r>
-            <a:r>
-              <a:rPr lang="en-US" sz="1600" dirty="0" err="1">
-                <a:latin typeface="Courier New" pitchFamily="49" charset="0"/>
-                <a:cs typeface="Courier New" pitchFamily="49" charset="0"/>
-              </a:rPr>
-              <a:t>roleName</a:t>
-            </a:r>
-            <a:r>
-              <a:rPr lang="en-US" sz="1600" dirty="0">
-                <a:latin typeface="Courier New" pitchFamily="49" charset="0"/>
-                <a:cs typeface="Courier New" pitchFamily="49" charset="0"/>
-              </a:rPr>
-              <a:t> =&gt;</a:t>
-            </a:r>
-          </a:p>
-          <a:p>
-            <a:r>
-              <a:rPr lang="en-US" sz="1600" dirty="0">
-                <a:latin typeface="Courier New" pitchFamily="49" charset="0"/>
-                <a:cs typeface="Courier New" pitchFamily="49" charset="0"/>
-              </a:rPr>
-              <a:t>      (</a:t>
-            </a:r>
-            <a:r>
-              <a:rPr lang="en-US" sz="1600" dirty="0" err="1">
-                <a:latin typeface="Courier New" pitchFamily="49" charset="0"/>
-                <a:cs typeface="Courier New" pitchFamily="49" charset="0"/>
-              </a:rPr>
-              <a:t>entityName</a:t>
-            </a:r>
-            <a:r>
-              <a:rPr lang="en-US" sz="1600" dirty="0">
-                <a:latin typeface="Courier New" pitchFamily="49" charset="0"/>
-                <a:cs typeface="Courier New" pitchFamily="49" charset="0"/>
-              </a:rPr>
-              <a:t>, </a:t>
-            </a:r>
-            <a:r>
-              <a:rPr lang="en-US" sz="1600" dirty="0" err="1">
-                <a:latin typeface="Courier New" pitchFamily="49" charset="0"/>
-                <a:cs typeface="Courier New" pitchFamily="49" charset="0"/>
-              </a:rPr>
-              <a:t>roleName</a:t>
-            </a:r>
-            <a:r>
-              <a:rPr lang="en-US" sz="1600" dirty="0">
-                <a:latin typeface="Courier New" pitchFamily="49" charset="0"/>
-                <a:cs typeface="Courier New" pitchFamily="49" charset="0"/>
-              </a:rPr>
-              <a:t>) }</a:t>
-            </a:r>
-          </a:p>
-          <a:p>
-            <a:endParaRPr lang="en-US" sz="1600" dirty="0">
+              <a:rPr lang="en-US" sz="1400" dirty="0" err="1">
+                <a:latin typeface="Courier New" pitchFamily="49" charset="0"/>
+                <a:cs typeface="Courier New" pitchFamily="49" charset="0"/>
+              </a:rPr>
+              <a:t>org.scalatest.matchers.ShouldMatchers</a:t>
+            </a:r>
+            <a:endParaRPr lang="en-US" sz="1400" dirty="0">
               <a:latin typeface="Courier New" pitchFamily="49" charset="0"/>
               <a:cs typeface="Courier New" pitchFamily="49" charset="0"/>
             </a:endParaRPr>
           </a:p>
           <a:p>
-            <a:r>
-              <a:rPr lang="en-US" sz="1600" b="1" dirty="0" err="1">
-                <a:latin typeface="Courier New" pitchFamily="49" charset="0"/>
-                <a:cs typeface="Courier New" pitchFamily="49" charset="0"/>
-              </a:rPr>
-              <a:t>def</a:t>
-            </a:r>
-            <a:r>
-              <a:rPr lang="en-US" sz="1600" dirty="0">
-                <a:latin typeface="Courier New" pitchFamily="49" charset="0"/>
-                <a:cs typeface="Courier New" pitchFamily="49" charset="0"/>
-              </a:rPr>
-              <a:t> entity: Parser[String] =</a:t>
-            </a:r>
-          </a:p>
-          <a:p>
-            <a:r>
-              <a:rPr lang="en-US" sz="1600" dirty="0">
-                <a:latin typeface="Courier New" pitchFamily="49" charset="0"/>
-                <a:cs typeface="Courier New" pitchFamily="49" charset="0"/>
-              </a:rPr>
-              <a:t>  </a:t>
-            </a:r>
-            <a:r>
-              <a:rPr lang="en-US" sz="1600" dirty="0" err="1">
-                <a:latin typeface="Courier New" pitchFamily="49" charset="0"/>
-                <a:cs typeface="Courier New" pitchFamily="49" charset="0"/>
-              </a:rPr>
-              <a:t>ident</a:t>
-            </a:r>
-            <a:endParaRPr lang="en-US" sz="1600" dirty="0">
+            <a:endParaRPr lang="en-US" sz="1400" dirty="0">
               <a:latin typeface="Courier New" pitchFamily="49" charset="0"/>
               <a:cs typeface="Courier New" pitchFamily="49" charset="0"/>
             </a:endParaRPr>
           </a:p>
           <a:p>
-            <a:endParaRPr lang="en-US" sz="1600" dirty="0">
+            <a:r>
+              <a:rPr lang="en-US" sz="1400" b="1" dirty="0">
+                <a:latin typeface="Courier New" pitchFamily="49" charset="0"/>
+                <a:cs typeface="Courier New" pitchFamily="49" charset="0"/>
+              </a:rPr>
+              <a:t>class</a:t>
+            </a:r>
+            <a:r>
+              <a:rPr lang="en-US" sz="1400" dirty="0">
+                <a:latin typeface="Courier New" pitchFamily="49" charset="0"/>
+                <a:cs typeface="Courier New" pitchFamily="49" charset="0"/>
+              </a:rPr>
+              <a:t> </a:t>
+            </a:r>
+            <a:r>
+              <a:rPr lang="en-US" sz="1400" dirty="0" err="1">
+                <a:latin typeface="Courier New" pitchFamily="49" charset="0"/>
+                <a:cs typeface="Courier New" pitchFamily="49" charset="0"/>
+              </a:rPr>
+              <a:t>StackSpec</a:t>
+            </a:r>
+            <a:r>
+              <a:rPr lang="en-US" sz="1400" dirty="0">
+                <a:latin typeface="Courier New" pitchFamily="49" charset="0"/>
+                <a:cs typeface="Courier New" pitchFamily="49" charset="0"/>
+              </a:rPr>
+              <a:t> </a:t>
+            </a:r>
+            <a:r>
+              <a:rPr lang="en-US" sz="1400" b="1" dirty="0">
+                <a:latin typeface="Courier New" pitchFamily="49" charset="0"/>
+                <a:cs typeface="Courier New" pitchFamily="49" charset="0"/>
+              </a:rPr>
+              <a:t>extends</a:t>
+            </a:r>
+            <a:r>
+              <a:rPr lang="en-US" sz="1400" dirty="0">
+                <a:latin typeface="Courier New" pitchFamily="49" charset="0"/>
+                <a:cs typeface="Courier New" pitchFamily="49" charset="0"/>
+              </a:rPr>
+              <a:t> </a:t>
+            </a:r>
+            <a:r>
+              <a:rPr lang="en-US" sz="1400" dirty="0" err="1">
+                <a:latin typeface="Courier New" pitchFamily="49" charset="0"/>
+                <a:cs typeface="Courier New" pitchFamily="49" charset="0"/>
+              </a:rPr>
+              <a:t>FlatSpec</a:t>
+            </a:r>
+            <a:r>
+              <a:rPr lang="en-US" sz="1400" dirty="0">
+                <a:latin typeface="Courier New" pitchFamily="49" charset="0"/>
+                <a:cs typeface="Courier New" pitchFamily="49" charset="0"/>
+              </a:rPr>
+              <a:t> </a:t>
+            </a:r>
+            <a:r>
+              <a:rPr lang="en-US" sz="1400" b="1" dirty="0">
+                <a:latin typeface="Courier New" pitchFamily="49" charset="0"/>
+                <a:cs typeface="Courier New" pitchFamily="49" charset="0"/>
+              </a:rPr>
+              <a:t>with</a:t>
+            </a:r>
+            <a:r>
+              <a:rPr lang="en-US" sz="1400" dirty="0">
+                <a:latin typeface="Courier New" pitchFamily="49" charset="0"/>
+                <a:cs typeface="Courier New" pitchFamily="49" charset="0"/>
+              </a:rPr>
+              <a:t> </a:t>
+            </a:r>
+            <a:r>
+              <a:rPr lang="en-US" sz="1400" dirty="0" err="1">
+                <a:latin typeface="Courier New" pitchFamily="49" charset="0"/>
+                <a:cs typeface="Courier New" pitchFamily="49" charset="0"/>
+              </a:rPr>
+              <a:t>ShouldMatchers</a:t>
+            </a:r>
+            <a:r>
+              <a:rPr lang="en-US" sz="1400" dirty="0">
+                <a:latin typeface="Courier New" pitchFamily="49" charset="0"/>
+                <a:cs typeface="Courier New" pitchFamily="49" charset="0"/>
+              </a:rPr>
+              <a:t> {</a:t>
+            </a:r>
+          </a:p>
+          <a:p>
+            <a:r>
+              <a:rPr lang="en-US" sz="1400" dirty="0">
+                <a:latin typeface="Courier New" pitchFamily="49" charset="0"/>
+                <a:cs typeface="Courier New" pitchFamily="49" charset="0"/>
+              </a:rPr>
+              <a:t>  “A Stack” </a:t>
+            </a:r>
+            <a:r>
+              <a:rPr lang="en-US" sz="1400" b="1" dirty="0">
+                <a:latin typeface="Courier New" pitchFamily="49" charset="0"/>
+                <a:cs typeface="Courier New" pitchFamily="49" charset="0"/>
+              </a:rPr>
+              <a:t>should</a:t>
+            </a:r>
+            <a:r>
+              <a:rPr lang="en-US" sz="1400" dirty="0">
+                <a:latin typeface="Courier New" pitchFamily="49" charset="0"/>
+                <a:cs typeface="Courier New" pitchFamily="49" charset="0"/>
+              </a:rPr>
+              <a:t> “pop values in last-in-first-out order” </a:t>
+            </a:r>
+            <a:r>
+              <a:rPr lang="en-US" sz="1400" b="1" dirty="0">
+                <a:latin typeface="Courier New" pitchFamily="49" charset="0"/>
+                <a:cs typeface="Courier New" pitchFamily="49" charset="0"/>
+              </a:rPr>
+              <a:t>in</a:t>
+            </a:r>
+            <a:r>
+              <a:rPr lang="en-US" sz="1400" dirty="0">
+                <a:latin typeface="Courier New" pitchFamily="49" charset="0"/>
+                <a:cs typeface="Courier New" pitchFamily="49" charset="0"/>
+              </a:rPr>
+              <a:t> {</a:t>
+            </a:r>
+          </a:p>
+          <a:p>
+            <a:r>
+              <a:rPr lang="en-US" sz="1400" dirty="0">
+                <a:latin typeface="Courier New" pitchFamily="49" charset="0"/>
+                <a:cs typeface="Courier New" pitchFamily="49" charset="0"/>
+              </a:rPr>
+              <a:t>    </a:t>
+            </a:r>
+            <a:r>
+              <a:rPr lang="en-US" sz="1400" b="1" dirty="0" err="1">
+                <a:latin typeface="Courier New" pitchFamily="49" charset="0"/>
+                <a:cs typeface="Courier New" pitchFamily="49" charset="0"/>
+              </a:rPr>
+              <a:t>val</a:t>
+            </a:r>
+            <a:r>
+              <a:rPr lang="en-US" sz="1400" dirty="0">
+                <a:latin typeface="Courier New" pitchFamily="49" charset="0"/>
+                <a:cs typeface="Courier New" pitchFamily="49" charset="0"/>
+              </a:rPr>
+              <a:t> stack = </a:t>
+            </a:r>
+            <a:r>
+              <a:rPr lang="en-US" sz="1400" b="1" dirty="0">
+                <a:latin typeface="Courier New" pitchFamily="49" charset="0"/>
+                <a:cs typeface="Courier New" pitchFamily="49" charset="0"/>
+              </a:rPr>
+              <a:t>new</a:t>
+            </a:r>
+            <a:r>
+              <a:rPr lang="en-US" sz="1400" dirty="0">
+                <a:latin typeface="Courier New" pitchFamily="49" charset="0"/>
+                <a:cs typeface="Courier New" pitchFamily="49" charset="0"/>
+              </a:rPr>
+              <a:t> Stack[</a:t>
+            </a:r>
+            <a:r>
+              <a:rPr lang="en-US" sz="1400" dirty="0" err="1">
+                <a:latin typeface="Courier New" pitchFamily="49" charset="0"/>
+                <a:cs typeface="Courier New" pitchFamily="49" charset="0"/>
+              </a:rPr>
+              <a:t>Int</a:t>
+            </a:r>
+            <a:r>
+              <a:rPr lang="en-US" sz="1400" dirty="0">
+                <a:latin typeface="Courier New" pitchFamily="49" charset="0"/>
+                <a:cs typeface="Courier New" pitchFamily="49" charset="0"/>
+              </a:rPr>
+              <a:t>]</a:t>
+            </a:r>
+          </a:p>
+          <a:p>
+            <a:r>
+              <a:rPr lang="en-US" sz="1400" dirty="0">
+                <a:latin typeface="Courier New" pitchFamily="49" charset="0"/>
+                <a:cs typeface="Courier New" pitchFamily="49" charset="0"/>
+              </a:rPr>
+              <a:t>    </a:t>
+            </a:r>
+            <a:r>
+              <a:rPr lang="en-US" sz="1400" dirty="0" err="1">
+                <a:latin typeface="Courier New" pitchFamily="49" charset="0"/>
+                <a:cs typeface="Courier New" pitchFamily="49" charset="0"/>
+              </a:rPr>
+              <a:t>stack.push</a:t>
+            </a:r>
+            <a:r>
+              <a:rPr lang="en-US" sz="1400" dirty="0">
+                <a:latin typeface="Courier New" pitchFamily="49" charset="0"/>
+                <a:cs typeface="Courier New" pitchFamily="49" charset="0"/>
+              </a:rPr>
+              <a:t>(1)</a:t>
+            </a:r>
+          </a:p>
+          <a:p>
+            <a:r>
+              <a:rPr lang="en-US" sz="1400" dirty="0">
+                <a:latin typeface="Courier New" pitchFamily="49" charset="0"/>
+                <a:cs typeface="Courier New" pitchFamily="49" charset="0"/>
+              </a:rPr>
+              <a:t>    </a:t>
+            </a:r>
+            <a:r>
+              <a:rPr lang="en-US" sz="1400" dirty="0" err="1">
+                <a:latin typeface="Courier New" pitchFamily="49" charset="0"/>
+                <a:cs typeface="Courier New" pitchFamily="49" charset="0"/>
+              </a:rPr>
+              <a:t>stack.push</a:t>
+            </a:r>
+            <a:r>
+              <a:rPr lang="en-US" sz="1400" dirty="0">
+                <a:latin typeface="Courier New" pitchFamily="49" charset="0"/>
+                <a:cs typeface="Courier New" pitchFamily="49" charset="0"/>
+              </a:rPr>
+              <a:t>(2)</a:t>
+            </a:r>
+          </a:p>
+          <a:p>
+            <a:r>
+              <a:rPr lang="en-US" sz="1400" dirty="0">
+                <a:latin typeface="Courier New" pitchFamily="49" charset="0"/>
+                <a:cs typeface="Courier New" pitchFamily="49" charset="0"/>
+              </a:rPr>
+              <a:t>    </a:t>
+            </a:r>
+            <a:r>
+              <a:rPr lang="en-US" sz="1400" dirty="0" err="1">
+                <a:latin typeface="Courier New" pitchFamily="49" charset="0"/>
+                <a:cs typeface="Courier New" pitchFamily="49" charset="0"/>
+              </a:rPr>
+              <a:t>stack.pop</a:t>
+            </a:r>
+            <a:r>
+              <a:rPr lang="en-US" sz="1400" dirty="0">
+                <a:latin typeface="Courier New" pitchFamily="49" charset="0"/>
+                <a:cs typeface="Courier New" pitchFamily="49" charset="0"/>
+              </a:rPr>
+              <a:t>() </a:t>
+            </a:r>
+            <a:r>
+              <a:rPr lang="en-US" sz="1400" b="1" dirty="0">
+                <a:latin typeface="Courier New" pitchFamily="49" charset="0"/>
+                <a:cs typeface="Courier New" pitchFamily="49" charset="0"/>
+              </a:rPr>
+              <a:t>should</a:t>
+            </a:r>
+            <a:r>
+              <a:rPr lang="en-US" sz="1400" dirty="0">
+                <a:latin typeface="Courier New" pitchFamily="49" charset="0"/>
+                <a:cs typeface="Courier New" pitchFamily="49" charset="0"/>
+              </a:rPr>
+              <a:t> </a:t>
+            </a:r>
+            <a:r>
+              <a:rPr lang="en-US" sz="1400" b="1" dirty="0">
+                <a:latin typeface="Courier New" pitchFamily="49" charset="0"/>
+                <a:cs typeface="Courier New" pitchFamily="49" charset="0"/>
+              </a:rPr>
+              <a:t>equal</a:t>
+            </a:r>
+            <a:r>
+              <a:rPr lang="en-US" sz="1400" dirty="0">
+                <a:latin typeface="Courier New" pitchFamily="49" charset="0"/>
+                <a:cs typeface="Courier New" pitchFamily="49" charset="0"/>
+              </a:rPr>
+              <a:t> (2)</a:t>
+            </a:r>
+          </a:p>
+          <a:p>
+            <a:r>
+              <a:rPr lang="en-US" sz="1400" dirty="0">
+                <a:latin typeface="Courier New" pitchFamily="49" charset="0"/>
+                <a:cs typeface="Courier New" pitchFamily="49" charset="0"/>
+              </a:rPr>
+              <a:t>    </a:t>
+            </a:r>
+            <a:r>
+              <a:rPr lang="en-US" sz="1400" dirty="0" err="1">
+                <a:latin typeface="Courier New" pitchFamily="49" charset="0"/>
+                <a:cs typeface="Courier New" pitchFamily="49" charset="0"/>
+              </a:rPr>
+              <a:t>stack.pop</a:t>
+            </a:r>
+            <a:r>
+              <a:rPr lang="en-US" sz="1400" dirty="0">
+                <a:latin typeface="Courier New" pitchFamily="49" charset="0"/>
+                <a:cs typeface="Courier New" pitchFamily="49" charset="0"/>
+              </a:rPr>
+              <a:t>() </a:t>
+            </a:r>
+            <a:r>
+              <a:rPr lang="en-US" sz="1400" b="1" dirty="0">
+                <a:latin typeface="Courier New" pitchFamily="49" charset="0"/>
+                <a:cs typeface="Courier New" pitchFamily="49" charset="0"/>
+              </a:rPr>
+              <a:t>should</a:t>
+            </a:r>
+            <a:r>
+              <a:rPr lang="en-US" sz="1400" dirty="0">
+                <a:latin typeface="Courier New" pitchFamily="49" charset="0"/>
+                <a:cs typeface="Courier New" pitchFamily="49" charset="0"/>
+              </a:rPr>
+              <a:t> </a:t>
+            </a:r>
+            <a:r>
+              <a:rPr lang="en-US" sz="1400" b="1" dirty="0">
+                <a:latin typeface="Courier New" pitchFamily="49" charset="0"/>
+                <a:cs typeface="Courier New" pitchFamily="49" charset="0"/>
+              </a:rPr>
+              <a:t>equal</a:t>
+            </a:r>
+            <a:r>
+              <a:rPr lang="en-US" sz="1400" dirty="0">
+                <a:latin typeface="Courier New" pitchFamily="49" charset="0"/>
+                <a:cs typeface="Courier New" pitchFamily="49" charset="0"/>
+              </a:rPr>
+              <a:t> (1)</a:t>
+            </a:r>
+          </a:p>
+          <a:p>
+            <a:r>
+              <a:rPr lang="en-US" sz="1400" dirty="0">
+                <a:latin typeface="Courier New" pitchFamily="49" charset="0"/>
+                <a:cs typeface="Courier New" pitchFamily="49" charset="0"/>
+              </a:rPr>
+              <a:t>  }</a:t>
+            </a:r>
+          </a:p>
+          <a:p>
+            <a:endParaRPr lang="en-US" sz="1400" dirty="0">
               <a:latin typeface="Courier New" pitchFamily="49" charset="0"/>
               <a:cs typeface="Courier New" pitchFamily="49" charset="0"/>
             </a:endParaRPr>
           </a:p>
           <a:p>
             <a:r>
-              <a:rPr lang="en-US" sz="1600" b="1" dirty="0" err="1">
-                <a:latin typeface="Courier New" pitchFamily="49" charset="0"/>
-                <a:cs typeface="Courier New" pitchFamily="49" charset="0"/>
-              </a:rPr>
-              <a:t>def</a:t>
-            </a:r>
-            <a:r>
-              <a:rPr lang="en-US" sz="1600" dirty="0">
+              <a:rPr lang="en-US" sz="1400" dirty="0">
+                <a:latin typeface="Courier New" pitchFamily="49" charset="0"/>
+                <a:cs typeface="Courier New" pitchFamily="49" charset="0"/>
+              </a:rPr>
+              <a:t>  </a:t>
+            </a:r>
+            <a:r>
+              <a:rPr lang="en-US" sz="1400" b="1" dirty="0">
+                <a:latin typeface="Courier New" pitchFamily="49" charset="0"/>
+                <a:cs typeface="Courier New" pitchFamily="49" charset="0"/>
+              </a:rPr>
+              <a:t>it</a:t>
+            </a:r>
+            <a:r>
+              <a:rPr lang="en-US" sz="1400" dirty="0">
                 <a:latin typeface="Courier New" pitchFamily="49" charset="0"/>
                 <a:cs typeface="Courier New" pitchFamily="49" charset="0"/>
               </a:rPr>
               <a:t> </a:t>
             </a:r>
             <a:r>
-              <a:rPr lang="en-US" sz="1600" dirty="0" err="1">
-                <a:latin typeface="Courier New" pitchFamily="49" charset="0"/>
-                <a:cs typeface="Courier New" pitchFamily="49" charset="0"/>
-              </a:rPr>
-              <a:t>role_identifier</a:t>
-            </a:r>
-            <a:r>
-              <a:rPr lang="en-US" sz="1600" dirty="0">
-                <a:latin typeface="Courier New" pitchFamily="49" charset="0"/>
-                <a:cs typeface="Courier New" pitchFamily="49" charset="0"/>
-              </a:rPr>
-              <a:t>: Parser[String] =</a:t>
-            </a:r>
-          </a:p>
-          <a:p>
-            <a:r>
-              <a:rPr lang="en-US" sz="1600" dirty="0">
-                <a:latin typeface="Courier New" pitchFamily="49" charset="0"/>
-                <a:cs typeface="Courier New" pitchFamily="49" charset="0"/>
-              </a:rPr>
-              <a:t>  </a:t>
-            </a:r>
-            <a:r>
-              <a:rPr lang="en-US" sz="1600" dirty="0" err="1">
-                <a:latin typeface="Courier New" pitchFamily="49" charset="0"/>
-                <a:cs typeface="Courier New" pitchFamily="49" charset="0"/>
-              </a:rPr>
-              <a:t>ident</a:t>
-            </a:r>
-            <a:endParaRPr lang="en-US" sz="1600" dirty="0">
-              <a:latin typeface="Courier New" pitchFamily="49" charset="0"/>
-              <a:cs typeface="Courier New" pitchFamily="49" charset="0"/>
-            </a:endParaRPr>
-          </a:p>
-        </p:txBody>
-      </p:sp>
-      <p:sp>
-        <p:nvSpPr>
-          <p:cNvPr id="4" name="TextBox 3"/>
+              <a:rPr lang="en-US" sz="1400" b="1" dirty="0">
+                <a:latin typeface="Courier New" pitchFamily="49" charset="0"/>
+                <a:cs typeface="Courier New" pitchFamily="49" charset="0"/>
+              </a:rPr>
+              <a:t>should</a:t>
+            </a:r>
+            <a:r>
+              <a:rPr lang="en-US" sz="1400" dirty="0">
+                <a:latin typeface="Courier New" pitchFamily="49" charset="0"/>
+                <a:cs typeface="Courier New" pitchFamily="49" charset="0"/>
+              </a:rPr>
+              <a:t> “throw </a:t>
+            </a:r>
+            <a:r>
+              <a:rPr lang="en-US" sz="1400" dirty="0" err="1">
+                <a:latin typeface="Courier New" pitchFamily="49" charset="0"/>
+                <a:cs typeface="Courier New" pitchFamily="49" charset="0"/>
+              </a:rPr>
+              <a:t>NoSuchElementException</a:t>
+            </a:r>
+            <a:r>
+              <a:rPr lang="en-US" sz="1400" dirty="0">
+                <a:latin typeface="Courier New" pitchFamily="49" charset="0"/>
+                <a:cs typeface="Courier New" pitchFamily="49" charset="0"/>
+              </a:rPr>
+              <a:t> if an empty stack is popped” </a:t>
+            </a:r>
+            <a:r>
+              <a:rPr lang="en-US" sz="1400" b="1" dirty="0">
+                <a:latin typeface="Courier New" pitchFamily="49" charset="0"/>
+                <a:cs typeface="Courier New" pitchFamily="49" charset="0"/>
+              </a:rPr>
+              <a:t>in</a:t>
+            </a:r>
+            <a:r>
+              <a:rPr lang="en-US" sz="1400" dirty="0">
+                <a:latin typeface="Courier New" pitchFamily="49" charset="0"/>
+                <a:cs typeface="Courier New" pitchFamily="49" charset="0"/>
+              </a:rPr>
+              <a:t> {</a:t>
+            </a:r>
+          </a:p>
+          <a:p>
+            <a:r>
+              <a:rPr lang="en-US" sz="1400" dirty="0">
+                <a:latin typeface="Courier New" pitchFamily="49" charset="0"/>
+                <a:cs typeface="Courier New" pitchFamily="49" charset="0"/>
+              </a:rPr>
+              <a:t>    </a:t>
+            </a:r>
+            <a:r>
+              <a:rPr lang="en-US" sz="1400" b="1" dirty="0" err="1">
+                <a:latin typeface="Courier New" pitchFamily="49" charset="0"/>
+                <a:cs typeface="Courier New" pitchFamily="49" charset="0"/>
+              </a:rPr>
+              <a:t>val</a:t>
+            </a:r>
+            <a:r>
+              <a:rPr lang="en-US" sz="1400" dirty="0">
+                <a:latin typeface="Courier New" pitchFamily="49" charset="0"/>
+                <a:cs typeface="Courier New" pitchFamily="49" charset="0"/>
+              </a:rPr>
+              <a:t> </a:t>
+            </a:r>
+            <a:r>
+              <a:rPr lang="en-US" sz="1400" dirty="0" err="1">
+                <a:latin typeface="Courier New" pitchFamily="49" charset="0"/>
+                <a:cs typeface="Courier New" pitchFamily="49" charset="0"/>
+              </a:rPr>
+              <a:t>emptyStack</a:t>
+            </a:r>
+            <a:r>
+              <a:rPr lang="en-US" sz="1400" dirty="0">
+                <a:latin typeface="Courier New" pitchFamily="49" charset="0"/>
+                <a:cs typeface="Courier New" pitchFamily="49" charset="0"/>
+              </a:rPr>
+              <a:t> = new Stack[String]</a:t>
+            </a:r>
+          </a:p>
+          <a:p>
+            <a:r>
+              <a:rPr lang="en-US" sz="1400" dirty="0">
+                <a:latin typeface="Courier New" pitchFamily="49" charset="0"/>
+                <a:cs typeface="Courier New" pitchFamily="49" charset="0"/>
+              </a:rPr>
+              <a:t>    </a:t>
+            </a:r>
+            <a:r>
+              <a:rPr lang="en-US" sz="1400" b="1" dirty="0">
+                <a:latin typeface="Courier New" pitchFamily="49" charset="0"/>
+                <a:cs typeface="Courier New" pitchFamily="49" charset="0"/>
+              </a:rPr>
+              <a:t>evaluating</a:t>
+            </a:r>
+            <a:r>
+              <a:rPr lang="en-US" sz="1400" dirty="0">
+                <a:latin typeface="Courier New" pitchFamily="49" charset="0"/>
+                <a:cs typeface="Courier New" pitchFamily="49" charset="0"/>
+              </a:rPr>
+              <a:t> { </a:t>
+            </a:r>
+            <a:r>
+              <a:rPr lang="en-US" sz="1400" dirty="0" err="1">
+                <a:latin typeface="Courier New" pitchFamily="49" charset="0"/>
+                <a:cs typeface="Courier New" pitchFamily="49" charset="0"/>
+              </a:rPr>
+              <a:t>emptyStack.pop</a:t>
+            </a:r>
+            <a:r>
+              <a:rPr lang="en-US" sz="1400" dirty="0">
+                <a:latin typeface="Courier New" pitchFamily="49" charset="0"/>
+                <a:cs typeface="Courier New" pitchFamily="49" charset="0"/>
+              </a:rPr>
+              <a:t>() } </a:t>
+            </a:r>
+            <a:r>
+              <a:rPr lang="en-US" sz="1400" b="1" dirty="0">
+                <a:latin typeface="Courier New" pitchFamily="49" charset="0"/>
+                <a:cs typeface="Courier New" pitchFamily="49" charset="0"/>
+              </a:rPr>
+              <a:t>should</a:t>
+            </a:r>
+            <a:r>
+              <a:rPr lang="en-US" sz="1400" dirty="0">
+                <a:latin typeface="Courier New" pitchFamily="49" charset="0"/>
+                <a:cs typeface="Courier New" pitchFamily="49" charset="0"/>
+              </a:rPr>
+              <a:t> </a:t>
+            </a:r>
+            <a:r>
+              <a:rPr lang="en-US" sz="1400" b="1" dirty="0">
+                <a:latin typeface="Courier New" pitchFamily="49" charset="0"/>
+                <a:cs typeface="Courier New" pitchFamily="49" charset="0"/>
+              </a:rPr>
+              <a:t>produce</a:t>
+            </a:r>
+            <a:r>
+              <a:rPr lang="en-US" sz="1400" dirty="0">
+                <a:latin typeface="Courier New" pitchFamily="49" charset="0"/>
+                <a:cs typeface="Courier New" pitchFamily="49" charset="0"/>
+              </a:rPr>
+              <a:t> [</a:t>
+            </a:r>
+            <a:r>
+              <a:rPr lang="en-US" sz="1400" dirty="0" err="1">
+                <a:latin typeface="Courier New" pitchFamily="49" charset="0"/>
+                <a:cs typeface="Courier New" pitchFamily="49" charset="0"/>
+              </a:rPr>
+              <a:t>NoSuchElementException</a:t>
+            </a:r>
+            <a:r>
+              <a:rPr lang="en-US" sz="1400" dirty="0">
+                <a:latin typeface="Courier New" pitchFamily="49" charset="0"/>
+                <a:cs typeface="Courier New" pitchFamily="49" charset="0"/>
+              </a:rPr>
+              <a:t>]</a:t>
+            </a:r>
+          </a:p>
+          <a:p>
+            <a:r>
+              <a:rPr lang="en-US" sz="1400" dirty="0">
+                <a:latin typeface="Courier New" pitchFamily="49" charset="0"/>
+                <a:cs typeface="Courier New" pitchFamily="49" charset="0"/>
+              </a:rPr>
+              <a:t>  }</a:t>
+            </a:r>
+          </a:p>
+          <a:p>
+            <a:r>
+              <a:rPr lang="en-US" sz="1400" dirty="0">
+                <a:latin typeface="Courier New" pitchFamily="49" charset="0"/>
+                <a:cs typeface="Courier New" pitchFamily="49" charset="0"/>
+              </a:rPr>
+              <a:t>}</a:t>
+            </a:r>
+          </a:p>
+        </p:txBody>
+      </p:sp>
+      <p:sp>
+        <p:nvSpPr>
+          <p:cNvPr id="6" name="TextBox 5"/>
           <p:cNvSpPr txBox="1"/>
           <p:nvPr/>
         </p:nvSpPr>
         <p:spPr>
           <a:xfrm>
-            <a:off x="2514600" y="1404257"/>
+            <a:off x="2071506" y="1417638"/>
             <a:ext cx="1285608" cy="369332"/>
           </a:xfrm>
           <a:prstGeom prst="rect">
@@ -5590,14 +5641,14 @@
       </p:sp>
       <p:sp>
         <p:nvSpPr>
-          <p:cNvPr id="5" name="TextBox 4"/>
+          <p:cNvPr id="7" name="TextBox 6"/>
           <p:cNvSpPr txBox="1"/>
           <p:nvPr/>
         </p:nvSpPr>
         <p:spPr>
           <a:xfrm>
-            <a:off x="2514600" y="6063734"/>
-            <a:ext cx="3855992" cy="369332"/>
+            <a:off x="2071506" y="5919724"/>
+            <a:ext cx="3139962" cy="369332"/>
           </a:xfrm>
           <a:prstGeom prst="rect">
             <a:avLst/>
@@ -5612,36 +5663,22 @@
           <a:p>
             <a:r>
               <a:rPr lang="en-US" dirty="0"/>
-              <a:t>Can parse strings like </a:t>
+              <a:t>From: </a:t>
             </a:r>
             <a:r>
               <a:rPr lang="en-US" dirty="0">
-                <a:latin typeface="Courier New" pitchFamily="49" charset="0"/>
-                <a:cs typeface="Courier New" pitchFamily="49" charset="0"/>
-              </a:rPr>
-              <a:t>“</a:t>
-            </a:r>
-            <a:r>
-              <a:rPr lang="en-US" dirty="0" err="1">
-                <a:latin typeface="Courier New" pitchFamily="49" charset="0"/>
-                <a:cs typeface="Courier New" pitchFamily="49" charset="0"/>
-              </a:rPr>
-              <a:t>A.r</a:t>
-            </a:r>
-            <a:r>
-              <a:rPr lang="en-US" dirty="0">
-                <a:latin typeface="Courier New" pitchFamily="49" charset="0"/>
-                <a:cs typeface="Courier New" pitchFamily="49" charset="0"/>
-              </a:rPr>
-              <a:t> &lt;- B.s”</a:t>
-            </a:r>
+                <a:hlinkClick r:id="rId2"/>
+              </a:rPr>
+              <a:t>http://www.scalatest.org</a:t>
+            </a:r>
+            <a:endParaRPr lang="en-US" dirty="0"/>
           </a:p>
         </p:txBody>
       </p:sp>
     </p:spTree>
     <p:extLst>
       <p:ext uri="{BB962C8B-B14F-4D97-AF65-F5344CB8AC3E}">
-        <p14:creationId xmlns:p14="http://schemas.microsoft.com/office/powerpoint/2010/main" val="635094519"/>
+        <p14:creationId xmlns:p14="http://schemas.microsoft.com/office/powerpoint/2010/main" val="4227956031"/>
       </p:ext>
     </p:extLst>
   </p:cSld>
@@ -5685,8 +5722,13 @@
           <a:p>
             <a:r>
               <a:rPr lang="en-US" dirty="0"/>
-              <a:t>Example DSL: Telnet State Machine</a:t>
-            </a:r>
+              <a:t>Example DSL: Parser </a:t>
+            </a:r>
+            <a:r>
+              <a:rPr lang="en-US" dirty="0" err="1"/>
+              <a:t>Combinators</a:t>
+            </a:r>
+            <a:endParaRPr lang="en-US" dirty="0"/>
           </a:p>
         </p:txBody>
       </p:sp>
@@ -5698,8 +5740,8 @@
         </p:nvSpPr>
         <p:spPr>
           <a:xfrm>
-            <a:off x="1676400" y="1905000"/>
-            <a:ext cx="8991600" cy="3539430"/>
+            <a:off x="2485877" y="2025835"/>
+            <a:ext cx="7220246" cy="3785652"/>
           </a:xfrm>
           <a:prstGeom prst="rect">
             <a:avLst/>
@@ -5707,53 +5749,124 @@
           <a:noFill/>
         </p:spPr>
         <p:txBody>
-          <a:bodyPr wrap="square" rtlCol="0">
+          <a:bodyPr wrap="none" rtlCol="0">
             <a:spAutoFit/>
           </a:bodyPr>
           <a:lstStyle/>
           <a:p>
             <a:r>
-              <a:rPr lang="en-CA" sz="1600" b="1" dirty="0">
-                <a:latin typeface="Courier New" pitchFamily="49" charset="0"/>
-                <a:cs typeface="Courier New" pitchFamily="49" charset="0"/>
-              </a:rPr>
-              <a:t>override</a:t>
-            </a:r>
-            <a:r>
-              <a:rPr lang="en-CA" sz="1600" dirty="0">
+              <a:rPr lang="en-US" sz="1600" b="1" dirty="0" err="1">
+                <a:latin typeface="Courier New" pitchFamily="49" charset="0"/>
+                <a:cs typeface="Courier New" pitchFamily="49" charset="0"/>
+              </a:rPr>
+              <a:t>def</a:t>
+            </a:r>
+            <a:r>
+              <a:rPr lang="en-US" sz="1600" dirty="0">
                 <a:latin typeface="Courier New" pitchFamily="49" charset="0"/>
                 <a:cs typeface="Courier New" pitchFamily="49" charset="0"/>
               </a:rPr>
               <a:t> </a:t>
             </a:r>
             <a:r>
-              <a:rPr lang="en-CA" sz="1600" b="1" dirty="0" err="1">
-                <a:latin typeface="Courier New" pitchFamily="49" charset="0"/>
-                <a:cs typeface="Courier New" pitchFamily="49" charset="0"/>
-              </a:rPr>
-              <a:t>val</a:t>
-            </a:r>
-            <a:r>
-              <a:rPr lang="en-CA" sz="1600" dirty="0">
-                <a:latin typeface="Courier New" pitchFamily="49" charset="0"/>
-                <a:cs typeface="Courier New" pitchFamily="49" charset="0"/>
-              </a:rPr>
-              <a:t> transitions: </a:t>
-            </a:r>
-            <a:r>
-              <a:rPr lang="en-CA" sz="1600" dirty="0" err="1">
-                <a:latin typeface="Courier New" pitchFamily="49" charset="0"/>
-                <a:cs typeface="Courier New" pitchFamily="49" charset="0"/>
-              </a:rPr>
-              <a:t>Seq</a:t>
-            </a:r>
-            <a:r>
-              <a:rPr lang="en-CA" sz="1600" dirty="0">
-                <a:latin typeface="Courier New" pitchFamily="49" charset="0"/>
-                <a:cs typeface="Courier New" pitchFamily="49" charset="0"/>
-              </a:rPr>
-              <a:t>[Transition] =</a:t>
-            </a:r>
+              <a:rPr lang="en-US" sz="1600" dirty="0" err="1">
+                <a:latin typeface="Courier New" pitchFamily="49" charset="0"/>
+                <a:cs typeface="Courier New" pitchFamily="49" charset="0"/>
+              </a:rPr>
+              <a:t>inclusion_credential</a:t>
+            </a:r>
+            <a:r>
+              <a:rPr lang="en-US" sz="1600" dirty="0">
+                <a:latin typeface="Courier New" pitchFamily="49" charset="0"/>
+                <a:cs typeface="Courier New" pitchFamily="49" charset="0"/>
+              </a:rPr>
+              <a:t>: Parser[</a:t>
+            </a:r>
+            <a:r>
+              <a:rPr lang="en-US" sz="1600" dirty="0" err="1">
+                <a:latin typeface="Courier New" pitchFamily="49" charset="0"/>
+                <a:cs typeface="Courier New" pitchFamily="49" charset="0"/>
+              </a:rPr>
+              <a:t>RTInclusionCredential</a:t>
+            </a:r>
+            <a:r>
+              <a:rPr lang="en-US" sz="1600" dirty="0">
+                <a:latin typeface="Courier New" pitchFamily="49" charset="0"/>
+                <a:cs typeface="Courier New" pitchFamily="49" charset="0"/>
+              </a:rPr>
+              <a:t>] =</a:t>
+            </a:r>
+          </a:p>
+          <a:p>
+            <a:r>
+              <a:rPr lang="en-US" sz="1600" dirty="0">
+                <a:latin typeface="Courier New" pitchFamily="49" charset="0"/>
+                <a:cs typeface="Courier New" pitchFamily="49" charset="0"/>
+              </a:rPr>
+              <a:t>  </a:t>
+            </a:r>
+            <a:r>
+              <a:rPr lang="en-US" sz="1600" dirty="0" err="1">
+                <a:latin typeface="Courier New" pitchFamily="49" charset="0"/>
+                <a:cs typeface="Courier New" pitchFamily="49" charset="0"/>
+              </a:rPr>
+              <a:t>role_definition</a:t>
+            </a:r>
+            <a:r>
+              <a:rPr lang="en-US" sz="1600" dirty="0">
+                <a:latin typeface="Courier New" pitchFamily="49" charset="0"/>
+                <a:cs typeface="Courier New" pitchFamily="49" charset="0"/>
+              </a:rPr>
+              <a:t> ~ “&lt;-” ~ </a:t>
+            </a:r>
+            <a:r>
+              <a:rPr lang="en-US" sz="1600" dirty="0" err="1">
+                <a:latin typeface="Courier New" pitchFamily="49" charset="0"/>
+                <a:cs typeface="Courier New" pitchFamily="49" charset="0"/>
+              </a:rPr>
+              <a:t>role_definition</a:t>
+            </a:r>
+            <a:r>
+              <a:rPr lang="en-US" sz="1600" dirty="0">
+                <a:latin typeface="Courier New" pitchFamily="49" charset="0"/>
+                <a:cs typeface="Courier New" pitchFamily="49" charset="0"/>
+              </a:rPr>
+              <a:t> ^^</a:t>
+            </a:r>
+          </a:p>
+          <a:p>
+            <a:r>
+              <a:rPr lang="en-US" sz="1600" dirty="0">
+                <a:latin typeface="Courier New" pitchFamily="49" charset="0"/>
+                <a:cs typeface="Courier New" pitchFamily="49" charset="0"/>
+              </a:rPr>
+              <a:t>    { case target ~ “&lt;-” ~ source =&gt;</a:t>
+            </a:r>
+          </a:p>
+          <a:p>
+            <a:r>
+              <a:rPr lang="en-US" sz="1600" dirty="0">
+                <a:latin typeface="Courier New" pitchFamily="49" charset="0"/>
+                <a:cs typeface="Courier New" pitchFamily="49" charset="0"/>
+              </a:rPr>
+              <a:t>      </a:t>
+            </a:r>
+            <a:r>
+              <a:rPr lang="en-US" sz="1600" dirty="0" err="1">
+                <a:latin typeface="Courier New" pitchFamily="49" charset="0"/>
+                <a:cs typeface="Courier New" pitchFamily="49" charset="0"/>
+              </a:rPr>
+              <a:t>RTInclusionCredential</a:t>
+            </a:r>
+            <a:r>
+              <a:rPr lang="en-US" sz="1600" dirty="0">
+                <a:latin typeface="Courier New" pitchFamily="49" charset="0"/>
+                <a:cs typeface="Courier New" pitchFamily="49" charset="0"/>
+              </a:rPr>
+              <a:t>(target, source) }</a:t>
+            </a:r>
+          </a:p>
+          <a:p>
             <a:endParaRPr lang="en-US" sz="1600" dirty="0">
               <a:latin typeface="Courier New" pitchFamily="49" charset="0"/>
               <a:cs typeface="Courier New" pitchFamily="49" charset="0"/>
@@ -5761,26 +5874,132 @@
           </a:p>
           <a:p>
             <a:r>
-              <a:rPr lang="en-CA" sz="1600" dirty="0">
-                <a:latin typeface="Courier New" pitchFamily="49" charset="0"/>
-                <a:cs typeface="Courier New" pitchFamily="49" charset="0"/>
-              </a:rPr>
-              <a:t>     (data, IAC)             -&gt; </a:t>
-            </a:r>
-            <a:r>
-              <a:rPr lang="en-CA" sz="1600" dirty="0" err="1">
-                <a:latin typeface="Courier New" pitchFamily="49" charset="0"/>
-                <a:cs typeface="Courier New" pitchFamily="49" charset="0"/>
-              </a:rPr>
-              <a:t>cmd</a:t>
-            </a:r>
-            <a:r>
-              <a:rPr lang="en-CA" sz="1600" dirty="0">
-                <a:latin typeface="Courier New" pitchFamily="49" charset="0"/>
-                <a:cs typeface="Courier New" pitchFamily="49" charset="0"/>
-              </a:rPr>
-              <a:t>  ::</a:t>
-            </a:r>
+              <a:rPr lang="en-US" sz="1600" b="1" dirty="0" err="1">
+                <a:latin typeface="Courier New" pitchFamily="49" charset="0"/>
+                <a:cs typeface="Courier New" pitchFamily="49" charset="0"/>
+              </a:rPr>
+              <a:t>def</a:t>
+            </a:r>
+            <a:r>
+              <a:rPr lang="en-US" sz="1600" dirty="0">
+                <a:latin typeface="Courier New" pitchFamily="49" charset="0"/>
+                <a:cs typeface="Courier New" pitchFamily="49" charset="0"/>
+              </a:rPr>
+              <a:t> </a:t>
+            </a:r>
+            <a:r>
+              <a:rPr lang="en-US" sz="1600" dirty="0" err="1">
+                <a:latin typeface="Courier New" pitchFamily="49" charset="0"/>
+                <a:cs typeface="Courier New" pitchFamily="49" charset="0"/>
+              </a:rPr>
+              <a:t>role_definition</a:t>
+            </a:r>
+            <a:r>
+              <a:rPr lang="en-US" sz="1600" dirty="0">
+                <a:latin typeface="Courier New" pitchFamily="49" charset="0"/>
+                <a:cs typeface="Courier New" pitchFamily="49" charset="0"/>
+              </a:rPr>
+              <a:t>: Parser[(String, String)] =</a:t>
+            </a:r>
+          </a:p>
+          <a:p>
+            <a:r>
+              <a:rPr lang="en-US" sz="1600" dirty="0">
+                <a:latin typeface="Courier New" pitchFamily="49" charset="0"/>
+                <a:cs typeface="Courier New" pitchFamily="49" charset="0"/>
+              </a:rPr>
+              <a:t>  entity ~ “.” ~ </a:t>
+            </a:r>
+            <a:r>
+              <a:rPr lang="en-US" sz="1600" dirty="0" err="1">
+                <a:latin typeface="Courier New" pitchFamily="49" charset="0"/>
+                <a:cs typeface="Courier New" pitchFamily="49" charset="0"/>
+              </a:rPr>
+              <a:t>role_identifier</a:t>
+            </a:r>
+            <a:r>
+              <a:rPr lang="en-US" sz="1600" dirty="0">
+                <a:latin typeface="Courier New" pitchFamily="49" charset="0"/>
+                <a:cs typeface="Courier New" pitchFamily="49" charset="0"/>
+              </a:rPr>
+              <a:t> ^^</a:t>
+            </a:r>
+          </a:p>
+          <a:p>
+            <a:r>
+              <a:rPr lang="en-US" sz="1600" dirty="0">
+                <a:latin typeface="Courier New" pitchFamily="49" charset="0"/>
+                <a:cs typeface="Courier New" pitchFamily="49" charset="0"/>
+              </a:rPr>
+              <a:t>    { case </a:t>
+            </a:r>
+            <a:r>
+              <a:rPr lang="en-US" sz="1600" dirty="0" err="1">
+                <a:latin typeface="Courier New" pitchFamily="49" charset="0"/>
+                <a:cs typeface="Courier New" pitchFamily="49" charset="0"/>
+              </a:rPr>
+              <a:t>entityName</a:t>
+            </a:r>
+            <a:r>
+              <a:rPr lang="en-US" sz="1600" dirty="0">
+                <a:latin typeface="Courier New" pitchFamily="49" charset="0"/>
+                <a:cs typeface="Courier New" pitchFamily="49" charset="0"/>
+              </a:rPr>
+              <a:t> ~ “.” ~ </a:t>
+            </a:r>
+            <a:r>
+              <a:rPr lang="en-US" sz="1600" dirty="0" err="1">
+                <a:latin typeface="Courier New" pitchFamily="49" charset="0"/>
+                <a:cs typeface="Courier New" pitchFamily="49" charset="0"/>
+              </a:rPr>
+              <a:t>roleName</a:t>
+            </a:r>
+            <a:r>
+              <a:rPr lang="en-US" sz="1600" dirty="0">
+                <a:latin typeface="Courier New" pitchFamily="49" charset="0"/>
+                <a:cs typeface="Courier New" pitchFamily="49" charset="0"/>
+              </a:rPr>
+              <a:t> =&gt;</a:t>
+            </a:r>
+          </a:p>
+          <a:p>
+            <a:r>
+              <a:rPr lang="en-US" sz="1600" dirty="0">
+                <a:latin typeface="Courier New" pitchFamily="49" charset="0"/>
+                <a:cs typeface="Courier New" pitchFamily="49" charset="0"/>
+              </a:rPr>
+              <a:t>      (</a:t>
+            </a:r>
+            <a:r>
+              <a:rPr lang="en-US" sz="1600" dirty="0" err="1">
+                <a:latin typeface="Courier New" pitchFamily="49" charset="0"/>
+                <a:cs typeface="Courier New" pitchFamily="49" charset="0"/>
+              </a:rPr>
+              <a:t>entityName</a:t>
+            </a:r>
+            <a:r>
+              <a:rPr lang="en-US" sz="1600" dirty="0">
+                <a:latin typeface="Courier New" pitchFamily="49" charset="0"/>
+                <a:cs typeface="Courier New" pitchFamily="49" charset="0"/>
+              </a:rPr>
+              <a:t>, </a:t>
+            </a:r>
+            <a:r>
+              <a:rPr lang="en-US" sz="1600" dirty="0" err="1">
+                <a:latin typeface="Courier New" pitchFamily="49" charset="0"/>
+                <a:cs typeface="Courier New" pitchFamily="49" charset="0"/>
+              </a:rPr>
+              <a:t>roleName</a:t>
+            </a:r>
+            <a:r>
+              <a:rPr lang="en-US" sz="1600" dirty="0">
+                <a:latin typeface="Courier New" pitchFamily="49" charset="0"/>
+                <a:cs typeface="Courier New" pitchFamily="49" charset="0"/>
+              </a:rPr>
+              <a:t>) }</a:t>
+            </a:r>
+          </a:p>
+          <a:p>
             <a:endParaRPr lang="en-US" sz="1600" dirty="0">
               <a:latin typeface="Courier New" pitchFamily="49" charset="0"/>
               <a:cs typeface="Courier New" pitchFamily="49" charset="0"/>
@@ -5788,11 +6007,34 @@
           </a:p>
           <a:p>
             <a:r>
-              <a:rPr lang="en-CA" sz="1600" dirty="0">
-                <a:latin typeface="Courier New" pitchFamily="49" charset="0"/>
-                <a:cs typeface="Courier New" pitchFamily="49" charset="0"/>
-              </a:rPr>
-              <a:t>     (data, 0)               -&gt; data ::</a:t>
+              <a:rPr lang="en-US" sz="1600" b="1" dirty="0" err="1">
+                <a:latin typeface="Courier New" pitchFamily="49" charset="0"/>
+                <a:cs typeface="Courier New" pitchFamily="49" charset="0"/>
+              </a:rPr>
+              <a:t>def</a:t>
+            </a:r>
+            <a:r>
+              <a:rPr lang="en-US" sz="1600" dirty="0">
+                <a:latin typeface="Courier New" pitchFamily="49" charset="0"/>
+                <a:cs typeface="Courier New" pitchFamily="49" charset="0"/>
+              </a:rPr>
+              <a:t> entity: Parser[String] =</a:t>
+            </a:r>
+          </a:p>
+          <a:p>
+            <a:r>
+              <a:rPr lang="en-US" sz="1600" dirty="0">
+                <a:latin typeface="Courier New" pitchFamily="49" charset="0"/>
+                <a:cs typeface="Courier New" pitchFamily="49" charset="0"/>
+              </a:rPr>
+              <a:t>  </a:t>
+            </a:r>
+            <a:r>
+              <a:rPr lang="en-US" sz="1600" dirty="0" err="1">
+                <a:latin typeface="Courier New" pitchFamily="49" charset="0"/>
+                <a:cs typeface="Courier New" pitchFamily="49" charset="0"/>
+              </a:rPr>
+              <a:t>ident</a:t>
             </a:r>
             <a:endParaRPr lang="en-US" sz="1600" dirty="0">
               <a:latin typeface="Courier New" pitchFamily="49" charset="0"/>
@@ -5800,13 +6042,6 @@
             </a:endParaRPr>
           </a:p>
           <a:p>
-            <a:r>
-              <a:rPr lang="en-CA" sz="1600" dirty="0">
-                <a:latin typeface="Courier New" pitchFamily="49" charset="0"/>
-                <a:cs typeface="Courier New" pitchFamily="49" charset="0"/>
-              </a:rPr>
-              <a:t>     (data, 10)              -&gt; data ::</a:t>
-            </a:r>
             <a:endParaRPr lang="en-US" sz="1600" dirty="0">
               <a:latin typeface="Courier New" pitchFamily="49" charset="0"/>
               <a:cs typeface="Courier New" pitchFamily="49" charset="0"/>
@@ -5814,313 +6049,65 @@
           </a:p>
           <a:p>
             <a:r>
-              <a:rPr lang="en-CA" sz="1600" dirty="0">
-                <a:latin typeface="Courier New" pitchFamily="49" charset="0"/>
-                <a:cs typeface="Courier New" pitchFamily="49" charset="0"/>
-              </a:rPr>
-              <a:t>     (data, 13)              -&gt; data + </a:t>
-            </a:r>
-            <a:r>
-              <a:rPr lang="en-CA" sz="1600" dirty="0" err="1">
-                <a:latin typeface="Courier New" pitchFamily="49" charset="0"/>
-                <a:cs typeface="Courier New" pitchFamily="49" charset="0"/>
-              </a:rPr>
-              <a:t>eatLine</a:t>
-            </a:r>
-            <a:r>
-              <a:rPr lang="en-CA" sz="1600" dirty="0">
-                <a:latin typeface="Courier New" pitchFamily="49" charset="0"/>
-                <a:cs typeface="Courier New" pitchFamily="49" charset="0"/>
-              </a:rPr>
-              <a:t> + echo ("") ::</a:t>
+              <a:rPr lang="en-US" sz="1600" b="1" dirty="0" err="1">
+                <a:latin typeface="Courier New" pitchFamily="49" charset="0"/>
+                <a:cs typeface="Courier New" pitchFamily="49" charset="0"/>
+              </a:rPr>
+              <a:t>def</a:t>
+            </a:r>
+            <a:r>
+              <a:rPr lang="en-US" sz="1600" dirty="0">
+                <a:latin typeface="Courier New" pitchFamily="49" charset="0"/>
+                <a:cs typeface="Courier New" pitchFamily="49" charset="0"/>
+              </a:rPr>
+              <a:t> </a:t>
+            </a:r>
+            <a:r>
+              <a:rPr lang="en-US" sz="1600" dirty="0" err="1">
+                <a:latin typeface="Courier New" pitchFamily="49" charset="0"/>
+                <a:cs typeface="Courier New" pitchFamily="49" charset="0"/>
+              </a:rPr>
+              <a:t>role_identifier</a:t>
+            </a:r>
+            <a:r>
+              <a:rPr lang="en-US" sz="1600" dirty="0">
+                <a:latin typeface="Courier New" pitchFamily="49" charset="0"/>
+                <a:cs typeface="Courier New" pitchFamily="49" charset="0"/>
+              </a:rPr>
+              <a:t>: Parser[String] =</a:t>
+            </a:r>
+          </a:p>
+          <a:p>
+            <a:r>
+              <a:rPr lang="en-US" sz="1600" dirty="0">
+                <a:latin typeface="Courier New" pitchFamily="49" charset="0"/>
+                <a:cs typeface="Courier New" pitchFamily="49" charset="0"/>
+              </a:rPr>
+              <a:t>  </a:t>
+            </a:r>
+            <a:r>
+              <a:rPr lang="en-US" sz="1600" dirty="0" err="1">
+                <a:latin typeface="Courier New" pitchFamily="49" charset="0"/>
+                <a:cs typeface="Courier New" pitchFamily="49" charset="0"/>
+              </a:rPr>
+              <a:t>ident</a:t>
             </a:r>
             <a:endParaRPr lang="en-US" sz="1600" dirty="0">
               <a:latin typeface="Courier New" pitchFamily="49" charset="0"/>
               <a:cs typeface="Courier New" pitchFamily="49" charset="0"/>
             </a:endParaRPr>
           </a:p>
-          <a:p>
-            <a:r>
-              <a:rPr lang="en-CA" sz="1600" dirty="0">
-                <a:latin typeface="Courier New" pitchFamily="49" charset="0"/>
-                <a:cs typeface="Courier New" pitchFamily="49" charset="0"/>
-              </a:rPr>
-              <a:t>     (data, {_:Event=&gt;true}) -&gt; data + </a:t>
-            </a:r>
-            <a:r>
-              <a:rPr lang="en-CA" sz="1600" dirty="0" err="1">
-                <a:latin typeface="Courier New" pitchFamily="49" charset="0"/>
-                <a:cs typeface="Courier New" pitchFamily="49" charset="0"/>
-              </a:rPr>
-              <a:t>eatChar</a:t>
-            </a:r>
-            <a:r>
-              <a:rPr lang="en-CA" sz="1600" dirty="0">
-                <a:latin typeface="Courier New" pitchFamily="49" charset="0"/>
-                <a:cs typeface="Courier New" pitchFamily="49" charset="0"/>
-              </a:rPr>
-              <a:t> + echo ("") ::</a:t>
-            </a:r>
-            <a:endParaRPr lang="en-US" sz="1600" dirty="0">
-              <a:latin typeface="Courier New" pitchFamily="49" charset="0"/>
-              <a:cs typeface="Courier New" pitchFamily="49" charset="0"/>
-            </a:endParaRPr>
-          </a:p>
-          <a:p>
-            <a:r>
-              <a:rPr lang="en-CA" sz="1600" dirty="0">
-                <a:latin typeface="Courier New" pitchFamily="49" charset="0"/>
-                <a:cs typeface="Courier New" pitchFamily="49" charset="0"/>
-              </a:rPr>
-              <a:t>     (</a:t>
-            </a:r>
-            <a:r>
-              <a:rPr lang="en-CA" sz="1600" dirty="0" err="1">
-                <a:latin typeface="Courier New" pitchFamily="49" charset="0"/>
-                <a:cs typeface="Courier New" pitchFamily="49" charset="0"/>
-              </a:rPr>
-              <a:t>cmd</a:t>
-            </a:r>
-            <a:r>
-              <a:rPr lang="en-CA" sz="1600" dirty="0">
-                <a:latin typeface="Courier New" pitchFamily="49" charset="0"/>
-                <a:cs typeface="Courier New" pitchFamily="49" charset="0"/>
-              </a:rPr>
-              <a:t>, IAC)              -&gt; data ::</a:t>
-            </a:r>
-            <a:endParaRPr lang="en-US" sz="1600" dirty="0">
-              <a:latin typeface="Courier New" pitchFamily="49" charset="0"/>
-              <a:cs typeface="Courier New" pitchFamily="49" charset="0"/>
-            </a:endParaRPr>
-          </a:p>
-          <a:p>
-            <a:r>
-              <a:rPr lang="en-CA" sz="1600" dirty="0">
-                <a:latin typeface="Courier New" pitchFamily="49" charset="0"/>
-                <a:cs typeface="Courier New" pitchFamily="49" charset="0"/>
-              </a:rPr>
-              <a:t>     (</a:t>
-            </a:r>
-            <a:r>
-              <a:rPr lang="en-CA" sz="1600" dirty="0" err="1">
-                <a:latin typeface="Courier New" pitchFamily="49" charset="0"/>
-                <a:cs typeface="Courier New" pitchFamily="49" charset="0"/>
-              </a:rPr>
-              <a:t>cmd</a:t>
-            </a:r>
-            <a:r>
-              <a:rPr lang="en-CA" sz="1600" dirty="0">
-                <a:latin typeface="Courier New" pitchFamily="49" charset="0"/>
-                <a:cs typeface="Courier New" pitchFamily="49" charset="0"/>
-              </a:rPr>
-              <a:t>, </a:t>
-            </a:r>
-            <a:r>
-              <a:rPr lang="en-CA" sz="1600" dirty="0" err="1">
-                <a:latin typeface="Courier New" pitchFamily="49" charset="0"/>
-                <a:cs typeface="Courier New" pitchFamily="49" charset="0"/>
-              </a:rPr>
-              <a:t>Seq</a:t>
-            </a:r>
-            <a:r>
-              <a:rPr lang="en-CA" sz="1600" dirty="0">
-                <a:latin typeface="Courier New" pitchFamily="49" charset="0"/>
-                <a:cs typeface="Courier New" pitchFamily="49" charset="0"/>
-              </a:rPr>
-              <a:t>(WILL, WONT, DO, DONT)) -&gt; </a:t>
-            </a:r>
-            <a:r>
-              <a:rPr lang="en-CA" sz="1600" dirty="0" err="1">
-                <a:latin typeface="Courier New" pitchFamily="49" charset="0"/>
-                <a:cs typeface="Courier New" pitchFamily="49" charset="0"/>
-              </a:rPr>
-              <a:t>neg</a:t>
-            </a:r>
-            <a:r>
-              <a:rPr lang="en-CA" sz="1600" dirty="0">
-                <a:latin typeface="Courier New" pitchFamily="49" charset="0"/>
-                <a:cs typeface="Courier New" pitchFamily="49" charset="0"/>
-              </a:rPr>
-              <a:t> + push ::</a:t>
-            </a:r>
-            <a:endParaRPr lang="en-US" sz="1600" dirty="0">
-              <a:latin typeface="Courier New" pitchFamily="49" charset="0"/>
-              <a:cs typeface="Courier New" pitchFamily="49" charset="0"/>
-            </a:endParaRPr>
-          </a:p>
-          <a:p>
-            <a:r>
-              <a:rPr lang="en-CA" sz="1600" dirty="0">
-                <a:latin typeface="Courier New" pitchFamily="49" charset="0"/>
-                <a:cs typeface="Courier New" pitchFamily="49" charset="0"/>
-              </a:rPr>
-              <a:t>     (</a:t>
-            </a:r>
-            <a:r>
-              <a:rPr lang="en-CA" sz="1600" dirty="0" err="1">
-                <a:latin typeface="Courier New" pitchFamily="49" charset="0"/>
-                <a:cs typeface="Courier New" pitchFamily="49" charset="0"/>
-              </a:rPr>
-              <a:t>neg</a:t>
-            </a:r>
-            <a:r>
-              <a:rPr lang="en-CA" sz="1600" dirty="0">
-                <a:latin typeface="Courier New" pitchFamily="49" charset="0"/>
-                <a:cs typeface="Courier New" pitchFamily="49" charset="0"/>
-              </a:rPr>
-              <a:t>, {_:Event=&gt;last==SM(DO)})   -&gt; data + mode(true) + pop ::</a:t>
-            </a:r>
-            <a:endParaRPr lang="en-US" sz="1600" dirty="0">
-              <a:latin typeface="Courier New" pitchFamily="49" charset="0"/>
-              <a:cs typeface="Courier New" pitchFamily="49" charset="0"/>
-            </a:endParaRPr>
-          </a:p>
-          <a:p>
-            <a:r>
-              <a:rPr lang="en-CA" sz="1600" dirty="0">
-                <a:latin typeface="Courier New" pitchFamily="49" charset="0"/>
-                <a:cs typeface="Courier New" pitchFamily="49" charset="0"/>
-              </a:rPr>
-              <a:t>     (</a:t>
-            </a:r>
-            <a:r>
-              <a:rPr lang="en-CA" sz="1600" dirty="0" err="1">
-                <a:latin typeface="Courier New" pitchFamily="49" charset="0"/>
-                <a:cs typeface="Courier New" pitchFamily="49" charset="0"/>
-              </a:rPr>
-              <a:t>neg</a:t>
-            </a:r>
-            <a:r>
-              <a:rPr lang="en-CA" sz="1600" dirty="0">
-                <a:latin typeface="Courier New" pitchFamily="49" charset="0"/>
-                <a:cs typeface="Courier New" pitchFamily="49" charset="0"/>
-              </a:rPr>
-              <a:t>, {_:Event=&gt;last==SM(DONT)}) -&gt; data + mode(false) + pop ::</a:t>
-            </a:r>
-            <a:endParaRPr lang="en-US" sz="1600" dirty="0">
-              <a:latin typeface="Courier New" pitchFamily="49" charset="0"/>
-              <a:cs typeface="Courier New" pitchFamily="49" charset="0"/>
-            </a:endParaRPr>
-          </a:p>
-          <a:p>
-            <a:r>
-              <a:rPr lang="en-CA" sz="1600" dirty="0">
-                <a:latin typeface="Courier New" pitchFamily="49" charset="0"/>
-                <a:cs typeface="Courier New" pitchFamily="49" charset="0"/>
-              </a:rPr>
-              <a:t>     (</a:t>
-            </a:r>
-            <a:r>
-              <a:rPr lang="en-CA" sz="1600" dirty="0" err="1">
-                <a:latin typeface="Courier New" pitchFamily="49" charset="0"/>
-                <a:cs typeface="Courier New" pitchFamily="49" charset="0"/>
-              </a:rPr>
-              <a:t>neg</a:t>
-            </a:r>
-            <a:r>
-              <a:rPr lang="en-CA" sz="1600" dirty="0">
-                <a:latin typeface="Courier New" pitchFamily="49" charset="0"/>
-                <a:cs typeface="Courier New" pitchFamily="49" charset="0"/>
-              </a:rPr>
-              <a:t>, </a:t>
-            </a:r>
-            <a:r>
-              <a:rPr lang="en-CA" sz="1600" dirty="0" err="1">
-                <a:latin typeface="Courier New" pitchFamily="49" charset="0"/>
-                <a:cs typeface="Courier New" pitchFamily="49" charset="0"/>
-              </a:rPr>
-              <a:t>AnyEvent</a:t>
-            </a:r>
-            <a:r>
-              <a:rPr lang="en-CA" sz="1600" dirty="0">
-                <a:latin typeface="Courier New" pitchFamily="49" charset="0"/>
-                <a:cs typeface="Courier New" pitchFamily="49" charset="0"/>
-              </a:rPr>
-              <a:t>) -&gt; data + echo("interesting sequence...") + pop ::</a:t>
-            </a:r>
-            <a:endParaRPr lang="en-US" sz="1600" dirty="0">
-              <a:latin typeface="Courier New" pitchFamily="49" charset="0"/>
-              <a:cs typeface="Courier New" pitchFamily="49" charset="0"/>
-            </a:endParaRPr>
-          </a:p>
-          <a:p>
-            <a:r>
-              <a:rPr lang="en-CA" sz="1600" dirty="0">
-                <a:latin typeface="Courier New" pitchFamily="49" charset="0"/>
-                <a:cs typeface="Courier New" pitchFamily="49" charset="0"/>
-              </a:rPr>
-              <a:t>     (</a:t>
-            </a:r>
-            <a:r>
-              <a:rPr lang="en-CA" sz="1600" dirty="0" err="1">
-                <a:latin typeface="Courier New" pitchFamily="49" charset="0"/>
-                <a:cs typeface="Courier New" pitchFamily="49" charset="0"/>
-              </a:rPr>
-              <a:t>cmd</a:t>
-            </a:r>
-            <a:r>
-              <a:rPr lang="en-CA" sz="1600" dirty="0">
-                <a:latin typeface="Courier New" pitchFamily="49" charset="0"/>
-                <a:cs typeface="Courier New" pitchFamily="49" charset="0"/>
-              </a:rPr>
-              <a:t>, SB) -&gt; </a:t>
-            </a:r>
-            <a:r>
-              <a:rPr lang="en-CA" sz="1600" dirty="0" err="1">
-                <a:latin typeface="Courier New" pitchFamily="49" charset="0"/>
-                <a:cs typeface="Courier New" pitchFamily="49" charset="0"/>
-              </a:rPr>
-              <a:t>subneg</a:t>
-            </a:r>
-            <a:r>
-              <a:rPr lang="en-CA" sz="1600" dirty="0">
-                <a:latin typeface="Courier New" pitchFamily="49" charset="0"/>
-                <a:cs typeface="Courier New" pitchFamily="49" charset="0"/>
-              </a:rPr>
-              <a:t> ::</a:t>
-            </a:r>
-            <a:endParaRPr lang="en-US" sz="1600" dirty="0">
-              <a:latin typeface="Courier New" pitchFamily="49" charset="0"/>
-              <a:cs typeface="Courier New" pitchFamily="49" charset="0"/>
-            </a:endParaRPr>
-          </a:p>
-          <a:p>
-            <a:r>
-              <a:rPr lang="en-CA" sz="1600" dirty="0">
-                <a:latin typeface="Courier New" pitchFamily="49" charset="0"/>
-                <a:cs typeface="Courier New" pitchFamily="49" charset="0"/>
-              </a:rPr>
-              <a:t>     (""".*""".r, CR) -&gt; data ::</a:t>
-            </a:r>
-            <a:endParaRPr lang="en-US" sz="1600" dirty="0">
-              <a:latin typeface="Courier New" pitchFamily="49" charset="0"/>
-              <a:cs typeface="Courier New" pitchFamily="49" charset="0"/>
-            </a:endParaRPr>
-          </a:p>
-          <a:p>
-            <a:r>
-              <a:rPr lang="en-CA" sz="1600" dirty="0">
-                <a:latin typeface="Courier New" pitchFamily="49" charset="0"/>
-                <a:cs typeface="Courier New" pitchFamily="49" charset="0"/>
-              </a:rPr>
-              <a:t>      Nil</a:t>
-            </a:r>
-            <a:endParaRPr lang="en-US" sz="1600" dirty="0">
-              <a:latin typeface="Courier New" pitchFamily="49" charset="0"/>
-              <a:cs typeface="Courier New" pitchFamily="49" charset="0"/>
-            </a:endParaRPr>
-          </a:p>
-        </p:txBody>
-      </p:sp>
-      <p:sp>
-        <p:nvSpPr>
-          <p:cNvPr id="6" name="TextBox 5"/>
+        </p:txBody>
+      </p:sp>
+      <p:sp>
+        <p:nvSpPr>
+          <p:cNvPr id="4" name="TextBox 3"/>
           <p:cNvSpPr txBox="1"/>
           <p:nvPr/>
         </p:nvSpPr>
         <p:spPr>
           <a:xfrm>
-            <a:off x="1676400" y="1404257"/>
+            <a:off x="2485877" y="1418097"/>
             <a:ext cx="1285608" cy="369332"/>
           </a:xfrm>
           <a:prstGeom prst="rect">
@@ -6143,14 +6130,14 @@
       </p:sp>
       <p:sp>
         <p:nvSpPr>
-          <p:cNvPr id="7" name="TextBox 6"/>
+          <p:cNvPr id="5" name="TextBox 4"/>
           <p:cNvSpPr txBox="1"/>
           <p:nvPr/>
         </p:nvSpPr>
         <p:spPr>
           <a:xfrm>
-            <a:off x="1676400" y="6008914"/>
-            <a:ext cx="8290026" cy="369332"/>
+            <a:off x="2451533" y="6049893"/>
+            <a:ext cx="3855992" cy="369332"/>
           </a:xfrm>
           <a:prstGeom prst="rect">
             <a:avLst/>
@@ -6165,22 +6152,36 @@
           <a:p>
             <a:r>
               <a:rPr lang="en-US" dirty="0"/>
-              <a:t>Posted on the Scala User’s mailing list. See also: </a:t>
+              <a:t>Can parse strings like </a:t>
             </a:r>
             <a:r>
               <a:rPr lang="en-US" dirty="0">
-                <a:hlinkClick r:id="rId2"/>
-              </a:rPr>
-              <a:t>http://blog.razie.com/search/label/dsl</a:t>
-            </a:r>
-            <a:endParaRPr lang="en-US" dirty="0"/>
+                <a:latin typeface="Courier New" pitchFamily="49" charset="0"/>
+                <a:cs typeface="Courier New" pitchFamily="49" charset="0"/>
+              </a:rPr>
+              <a:t>“</a:t>
+            </a:r>
+            <a:r>
+              <a:rPr lang="en-US" dirty="0" err="1">
+                <a:latin typeface="Courier New" pitchFamily="49" charset="0"/>
+                <a:cs typeface="Courier New" pitchFamily="49" charset="0"/>
+              </a:rPr>
+              <a:t>A.r</a:t>
+            </a:r>
+            <a:r>
+              <a:rPr lang="en-US" dirty="0">
+                <a:latin typeface="Courier New" pitchFamily="49" charset="0"/>
+                <a:cs typeface="Courier New" pitchFamily="49" charset="0"/>
+              </a:rPr>
+              <a:t> &lt;- B.s”</a:t>
+            </a:r>
           </a:p>
         </p:txBody>
       </p:sp>
     </p:spTree>
     <p:extLst>
       <p:ext uri="{BB962C8B-B14F-4D97-AF65-F5344CB8AC3E}">
-        <p14:creationId xmlns:p14="http://schemas.microsoft.com/office/powerpoint/2010/main" val="1903445637"/>
+        <p14:creationId xmlns:p14="http://schemas.microsoft.com/office/powerpoint/2010/main" val="635094519"/>
       </p:ext>
     </p:extLst>
   </p:cSld>
@@ -6209,7 +6210,7 @@
       </p:grpSpPr>
       <p:sp>
         <p:nvSpPr>
-          <p:cNvPr id="3" name="Title 2"/>
+          <p:cNvPr id="2" name="Title 1"/>
           <p:cNvSpPr>
             <a:spLocks noGrp="1"/>
           </p:cNvSpPr>
@@ -6224,80 +6225,502 @@
           <a:p>
             <a:r>
               <a:rPr lang="en-US" dirty="0"/>
-              <a:t>Static </a:t>
-            </a:r>
-            <a:r>
-              <a:rPr lang="en-US" dirty="0" err="1"/>
-              <a:t>vs</a:t>
-            </a:r>
-            <a:r>
-              <a:rPr lang="en-US" dirty="0"/>
-              <a:t> Dynamic</a:t>
-            </a:r>
-          </a:p>
-        </p:txBody>
-      </p:sp>
-      <p:sp>
-        <p:nvSpPr>
-          <p:cNvPr id="4" name="Content Placeholder 3"/>
-          <p:cNvSpPr>
-            <a:spLocks noGrp="1"/>
-          </p:cNvSpPr>
-          <p:nvPr>
-            <p:ph idx="1"/>
-          </p:nvPr>
-        </p:nvSpPr>
-        <p:spPr/>
-        <p:txBody>
-          <a:bodyPr/>
-          <a:lstStyle/>
-          <a:p>
-            <a:r>
-              <a:rPr lang="en-US" dirty="0"/>
-              <a:t>Static Languages</a:t>
-            </a:r>
-          </a:p>
-          <a:p>
-            <a:pPr lvl="1"/>
-            <a:r>
-              <a:rPr lang="en-US" dirty="0"/>
-              <a:t>Perform many program checks at compile time (before the program runs)</a:t>
-            </a:r>
-          </a:p>
-          <a:p>
-            <a:pPr lvl="2"/>
-            <a:r>
-              <a:rPr lang="en-US" dirty="0"/>
-              <a:t>e.g., Static type checking</a:t>
-            </a:r>
-          </a:p>
-          <a:p>
-            <a:pPr lvl="1"/>
-            <a:r>
-              <a:rPr lang="en-US" dirty="0"/>
-              <a:t>Generally require all code references to be resolved ahead of time</a:t>
-            </a:r>
-          </a:p>
-          <a:p>
-            <a:pPr lvl="1"/>
-            <a:r>
-              <a:rPr lang="en-US" dirty="0"/>
-              <a:t>Generally do not allow programs to execute data</a:t>
-            </a:r>
-          </a:p>
-          <a:p>
-            <a:pPr lvl="2"/>
-            <a:r>
-              <a:rPr lang="en-US" dirty="0"/>
-              <a:t>For example, read a string from the user containing program text and then execute that code.</a:t>
-            </a:r>
+              <a:t>Example DSL: Telnet State Machine</a:t>
+            </a:r>
+          </a:p>
+        </p:txBody>
+      </p:sp>
+      <p:sp>
+        <p:nvSpPr>
+          <p:cNvPr id="3" name="TextBox 2"/>
+          <p:cNvSpPr txBox="1"/>
+          <p:nvPr/>
+        </p:nvSpPr>
+        <p:spPr>
+          <a:xfrm>
+            <a:off x="1600200" y="1917803"/>
+            <a:ext cx="8991600" cy="3539430"/>
+          </a:xfrm>
+          <a:prstGeom prst="rect">
+            <a:avLst/>
+          </a:prstGeom>
+          <a:noFill/>
+        </p:spPr>
+        <p:txBody>
+          <a:bodyPr wrap="square" rtlCol="0">
+            <a:spAutoFit/>
+          </a:bodyPr>
+          <a:lstStyle/>
+          <a:p>
+            <a:r>
+              <a:rPr lang="en-CA" sz="1600" b="1" dirty="0">
+                <a:latin typeface="Courier New" pitchFamily="49" charset="0"/>
+                <a:cs typeface="Courier New" pitchFamily="49" charset="0"/>
+              </a:rPr>
+              <a:t>override</a:t>
+            </a:r>
+            <a:r>
+              <a:rPr lang="en-CA" sz="1600" dirty="0">
+                <a:latin typeface="Courier New" pitchFamily="49" charset="0"/>
+                <a:cs typeface="Courier New" pitchFamily="49" charset="0"/>
+              </a:rPr>
+              <a:t> </a:t>
+            </a:r>
+            <a:r>
+              <a:rPr lang="en-CA" sz="1600" b="1" dirty="0" err="1">
+                <a:latin typeface="Courier New" pitchFamily="49" charset="0"/>
+                <a:cs typeface="Courier New" pitchFamily="49" charset="0"/>
+              </a:rPr>
+              <a:t>val</a:t>
+            </a:r>
+            <a:r>
+              <a:rPr lang="en-CA" sz="1600" dirty="0">
+                <a:latin typeface="Courier New" pitchFamily="49" charset="0"/>
+                <a:cs typeface="Courier New" pitchFamily="49" charset="0"/>
+              </a:rPr>
+              <a:t> transitions: </a:t>
+            </a:r>
+            <a:r>
+              <a:rPr lang="en-CA" sz="1600" dirty="0" err="1">
+                <a:latin typeface="Courier New" pitchFamily="49" charset="0"/>
+                <a:cs typeface="Courier New" pitchFamily="49" charset="0"/>
+              </a:rPr>
+              <a:t>Seq</a:t>
+            </a:r>
+            <a:r>
+              <a:rPr lang="en-CA" sz="1600" dirty="0">
+                <a:latin typeface="Courier New" pitchFamily="49" charset="0"/>
+                <a:cs typeface="Courier New" pitchFamily="49" charset="0"/>
+              </a:rPr>
+              <a:t>[Transition] =</a:t>
+            </a:r>
+            <a:endParaRPr lang="en-US" sz="1600" dirty="0">
+              <a:latin typeface="Courier New" pitchFamily="49" charset="0"/>
+              <a:cs typeface="Courier New" pitchFamily="49" charset="0"/>
+            </a:endParaRPr>
+          </a:p>
+          <a:p>
+            <a:r>
+              <a:rPr lang="en-CA" sz="1600" dirty="0">
+                <a:latin typeface="Courier New" pitchFamily="49" charset="0"/>
+                <a:cs typeface="Courier New" pitchFamily="49" charset="0"/>
+              </a:rPr>
+              <a:t>     (data, IAC)             -&gt; </a:t>
+            </a:r>
+            <a:r>
+              <a:rPr lang="en-CA" sz="1600" dirty="0" err="1">
+                <a:latin typeface="Courier New" pitchFamily="49" charset="0"/>
+                <a:cs typeface="Courier New" pitchFamily="49" charset="0"/>
+              </a:rPr>
+              <a:t>cmd</a:t>
+            </a:r>
+            <a:r>
+              <a:rPr lang="en-CA" sz="1600" dirty="0">
+                <a:latin typeface="Courier New" pitchFamily="49" charset="0"/>
+                <a:cs typeface="Courier New" pitchFamily="49" charset="0"/>
+              </a:rPr>
+              <a:t>  ::</a:t>
+            </a:r>
+            <a:endParaRPr lang="en-US" sz="1600" dirty="0">
+              <a:latin typeface="Courier New" pitchFamily="49" charset="0"/>
+              <a:cs typeface="Courier New" pitchFamily="49" charset="0"/>
+            </a:endParaRPr>
+          </a:p>
+          <a:p>
+            <a:r>
+              <a:rPr lang="en-CA" sz="1600" dirty="0">
+                <a:latin typeface="Courier New" pitchFamily="49" charset="0"/>
+                <a:cs typeface="Courier New" pitchFamily="49" charset="0"/>
+              </a:rPr>
+              <a:t>     (data, 0)               -&gt; data ::</a:t>
+            </a:r>
+            <a:endParaRPr lang="en-US" sz="1600" dirty="0">
+              <a:latin typeface="Courier New" pitchFamily="49" charset="0"/>
+              <a:cs typeface="Courier New" pitchFamily="49" charset="0"/>
+            </a:endParaRPr>
+          </a:p>
+          <a:p>
+            <a:r>
+              <a:rPr lang="en-CA" sz="1600" dirty="0">
+                <a:latin typeface="Courier New" pitchFamily="49" charset="0"/>
+                <a:cs typeface="Courier New" pitchFamily="49" charset="0"/>
+              </a:rPr>
+              <a:t>     (data, 10)              -&gt; data ::</a:t>
+            </a:r>
+            <a:endParaRPr lang="en-US" sz="1600" dirty="0">
+              <a:latin typeface="Courier New" pitchFamily="49" charset="0"/>
+              <a:cs typeface="Courier New" pitchFamily="49" charset="0"/>
+            </a:endParaRPr>
+          </a:p>
+          <a:p>
+            <a:r>
+              <a:rPr lang="en-CA" sz="1600" dirty="0">
+                <a:latin typeface="Courier New" pitchFamily="49" charset="0"/>
+                <a:cs typeface="Courier New" pitchFamily="49" charset="0"/>
+              </a:rPr>
+              <a:t>     (data, 13)              -&gt; data + </a:t>
+            </a:r>
+            <a:r>
+              <a:rPr lang="en-CA" sz="1600" dirty="0" err="1">
+                <a:latin typeface="Courier New" pitchFamily="49" charset="0"/>
+                <a:cs typeface="Courier New" pitchFamily="49" charset="0"/>
+              </a:rPr>
+              <a:t>eatLine</a:t>
+            </a:r>
+            <a:r>
+              <a:rPr lang="en-CA" sz="1600" dirty="0">
+                <a:latin typeface="Courier New" pitchFamily="49" charset="0"/>
+                <a:cs typeface="Courier New" pitchFamily="49" charset="0"/>
+              </a:rPr>
+              <a:t> + echo ("") ::</a:t>
+            </a:r>
+            <a:endParaRPr lang="en-US" sz="1600" dirty="0">
+              <a:latin typeface="Courier New" pitchFamily="49" charset="0"/>
+              <a:cs typeface="Courier New" pitchFamily="49" charset="0"/>
+            </a:endParaRPr>
+          </a:p>
+          <a:p>
+            <a:r>
+              <a:rPr lang="en-CA" sz="1600" dirty="0">
+                <a:latin typeface="Courier New" pitchFamily="49" charset="0"/>
+                <a:cs typeface="Courier New" pitchFamily="49" charset="0"/>
+              </a:rPr>
+              <a:t>     (data, {_:Event=&gt;true}) -&gt; data + </a:t>
+            </a:r>
+            <a:r>
+              <a:rPr lang="en-CA" sz="1600" dirty="0" err="1">
+                <a:latin typeface="Courier New" pitchFamily="49" charset="0"/>
+                <a:cs typeface="Courier New" pitchFamily="49" charset="0"/>
+              </a:rPr>
+              <a:t>eatChar</a:t>
+            </a:r>
+            <a:r>
+              <a:rPr lang="en-CA" sz="1600" dirty="0">
+                <a:latin typeface="Courier New" pitchFamily="49" charset="0"/>
+                <a:cs typeface="Courier New" pitchFamily="49" charset="0"/>
+              </a:rPr>
+              <a:t> + echo ("") ::</a:t>
+            </a:r>
+            <a:endParaRPr lang="en-US" sz="1600" dirty="0">
+              <a:latin typeface="Courier New" pitchFamily="49" charset="0"/>
+              <a:cs typeface="Courier New" pitchFamily="49" charset="0"/>
+            </a:endParaRPr>
+          </a:p>
+          <a:p>
+            <a:r>
+              <a:rPr lang="en-CA" sz="1600" dirty="0">
+                <a:latin typeface="Courier New" pitchFamily="49" charset="0"/>
+                <a:cs typeface="Courier New" pitchFamily="49" charset="0"/>
+              </a:rPr>
+              <a:t>     (</a:t>
+            </a:r>
+            <a:r>
+              <a:rPr lang="en-CA" sz="1600" dirty="0" err="1">
+                <a:latin typeface="Courier New" pitchFamily="49" charset="0"/>
+                <a:cs typeface="Courier New" pitchFamily="49" charset="0"/>
+              </a:rPr>
+              <a:t>cmd</a:t>
+            </a:r>
+            <a:r>
+              <a:rPr lang="en-CA" sz="1600" dirty="0">
+                <a:latin typeface="Courier New" pitchFamily="49" charset="0"/>
+                <a:cs typeface="Courier New" pitchFamily="49" charset="0"/>
+              </a:rPr>
+              <a:t>, IAC)              -&gt; data ::</a:t>
+            </a:r>
+            <a:endParaRPr lang="en-US" sz="1600" dirty="0">
+              <a:latin typeface="Courier New" pitchFamily="49" charset="0"/>
+              <a:cs typeface="Courier New" pitchFamily="49" charset="0"/>
+            </a:endParaRPr>
+          </a:p>
+          <a:p>
+            <a:r>
+              <a:rPr lang="en-CA" sz="1600" dirty="0">
+                <a:latin typeface="Courier New" pitchFamily="49" charset="0"/>
+                <a:cs typeface="Courier New" pitchFamily="49" charset="0"/>
+              </a:rPr>
+              <a:t>     (</a:t>
+            </a:r>
+            <a:r>
+              <a:rPr lang="en-CA" sz="1600" dirty="0" err="1">
+                <a:latin typeface="Courier New" pitchFamily="49" charset="0"/>
+                <a:cs typeface="Courier New" pitchFamily="49" charset="0"/>
+              </a:rPr>
+              <a:t>cmd</a:t>
+            </a:r>
+            <a:r>
+              <a:rPr lang="en-CA" sz="1600" dirty="0">
+                <a:latin typeface="Courier New" pitchFamily="49" charset="0"/>
+                <a:cs typeface="Courier New" pitchFamily="49" charset="0"/>
+              </a:rPr>
+              <a:t>, </a:t>
+            </a:r>
+            <a:r>
+              <a:rPr lang="en-CA" sz="1600" dirty="0" err="1">
+                <a:latin typeface="Courier New" pitchFamily="49" charset="0"/>
+                <a:cs typeface="Courier New" pitchFamily="49" charset="0"/>
+              </a:rPr>
+              <a:t>Seq</a:t>
+            </a:r>
+            <a:r>
+              <a:rPr lang="en-CA" sz="1600" dirty="0">
+                <a:latin typeface="Courier New" pitchFamily="49" charset="0"/>
+                <a:cs typeface="Courier New" pitchFamily="49" charset="0"/>
+              </a:rPr>
+              <a:t>(WILL, WONT, DO, DONT)) -&gt; </a:t>
+            </a:r>
+            <a:r>
+              <a:rPr lang="en-CA" sz="1600" dirty="0" err="1">
+                <a:latin typeface="Courier New" pitchFamily="49" charset="0"/>
+                <a:cs typeface="Courier New" pitchFamily="49" charset="0"/>
+              </a:rPr>
+              <a:t>neg</a:t>
+            </a:r>
+            <a:r>
+              <a:rPr lang="en-CA" sz="1600" dirty="0">
+                <a:latin typeface="Courier New" pitchFamily="49" charset="0"/>
+                <a:cs typeface="Courier New" pitchFamily="49" charset="0"/>
+              </a:rPr>
+              <a:t> + push ::</a:t>
+            </a:r>
+            <a:endParaRPr lang="en-US" sz="1600" dirty="0">
+              <a:latin typeface="Courier New" pitchFamily="49" charset="0"/>
+              <a:cs typeface="Courier New" pitchFamily="49" charset="0"/>
+            </a:endParaRPr>
+          </a:p>
+          <a:p>
+            <a:r>
+              <a:rPr lang="en-CA" sz="1600" dirty="0">
+                <a:latin typeface="Courier New" pitchFamily="49" charset="0"/>
+                <a:cs typeface="Courier New" pitchFamily="49" charset="0"/>
+              </a:rPr>
+              <a:t>     (</a:t>
+            </a:r>
+            <a:r>
+              <a:rPr lang="en-CA" sz="1600" dirty="0" err="1">
+                <a:latin typeface="Courier New" pitchFamily="49" charset="0"/>
+                <a:cs typeface="Courier New" pitchFamily="49" charset="0"/>
+              </a:rPr>
+              <a:t>neg</a:t>
+            </a:r>
+            <a:r>
+              <a:rPr lang="en-CA" sz="1600" dirty="0">
+                <a:latin typeface="Courier New" pitchFamily="49" charset="0"/>
+                <a:cs typeface="Courier New" pitchFamily="49" charset="0"/>
+              </a:rPr>
+              <a:t>, {_:Event=&gt;last==SM(DO)})   -&gt; data + mode(true) + pop ::</a:t>
+            </a:r>
+            <a:endParaRPr lang="en-US" sz="1600" dirty="0">
+              <a:latin typeface="Courier New" pitchFamily="49" charset="0"/>
+              <a:cs typeface="Courier New" pitchFamily="49" charset="0"/>
+            </a:endParaRPr>
+          </a:p>
+          <a:p>
+            <a:r>
+              <a:rPr lang="en-CA" sz="1600" dirty="0">
+                <a:latin typeface="Courier New" pitchFamily="49" charset="0"/>
+                <a:cs typeface="Courier New" pitchFamily="49" charset="0"/>
+              </a:rPr>
+              <a:t>     (</a:t>
+            </a:r>
+            <a:r>
+              <a:rPr lang="en-CA" sz="1600" dirty="0" err="1">
+                <a:latin typeface="Courier New" pitchFamily="49" charset="0"/>
+                <a:cs typeface="Courier New" pitchFamily="49" charset="0"/>
+              </a:rPr>
+              <a:t>neg</a:t>
+            </a:r>
+            <a:r>
+              <a:rPr lang="en-CA" sz="1600" dirty="0">
+                <a:latin typeface="Courier New" pitchFamily="49" charset="0"/>
+                <a:cs typeface="Courier New" pitchFamily="49" charset="0"/>
+              </a:rPr>
+              <a:t>, {_:Event=&gt;last==SM(DONT)}) -&gt; data + mode(false) + pop ::</a:t>
+            </a:r>
+            <a:endParaRPr lang="en-US" sz="1600" dirty="0">
+              <a:latin typeface="Courier New" pitchFamily="49" charset="0"/>
+              <a:cs typeface="Courier New" pitchFamily="49" charset="0"/>
+            </a:endParaRPr>
+          </a:p>
+          <a:p>
+            <a:r>
+              <a:rPr lang="en-CA" sz="1600" dirty="0">
+                <a:latin typeface="Courier New" pitchFamily="49" charset="0"/>
+                <a:cs typeface="Courier New" pitchFamily="49" charset="0"/>
+              </a:rPr>
+              <a:t>     (</a:t>
+            </a:r>
+            <a:r>
+              <a:rPr lang="en-CA" sz="1600" dirty="0" err="1">
+                <a:latin typeface="Courier New" pitchFamily="49" charset="0"/>
+                <a:cs typeface="Courier New" pitchFamily="49" charset="0"/>
+              </a:rPr>
+              <a:t>neg</a:t>
+            </a:r>
+            <a:r>
+              <a:rPr lang="en-CA" sz="1600" dirty="0">
+                <a:latin typeface="Courier New" pitchFamily="49" charset="0"/>
+                <a:cs typeface="Courier New" pitchFamily="49" charset="0"/>
+              </a:rPr>
+              <a:t>, </a:t>
+            </a:r>
+            <a:r>
+              <a:rPr lang="en-CA" sz="1600" dirty="0" err="1">
+                <a:latin typeface="Courier New" pitchFamily="49" charset="0"/>
+                <a:cs typeface="Courier New" pitchFamily="49" charset="0"/>
+              </a:rPr>
+              <a:t>AnyEvent</a:t>
+            </a:r>
+            <a:r>
+              <a:rPr lang="en-CA" sz="1600" dirty="0">
+                <a:latin typeface="Courier New" pitchFamily="49" charset="0"/>
+                <a:cs typeface="Courier New" pitchFamily="49" charset="0"/>
+              </a:rPr>
+              <a:t>) -&gt; data + echo("interesting sequence...") + pop ::</a:t>
+            </a:r>
+            <a:endParaRPr lang="en-US" sz="1600" dirty="0">
+              <a:latin typeface="Courier New" pitchFamily="49" charset="0"/>
+              <a:cs typeface="Courier New" pitchFamily="49" charset="0"/>
+            </a:endParaRPr>
+          </a:p>
+          <a:p>
+            <a:r>
+              <a:rPr lang="en-CA" sz="1600" dirty="0">
+                <a:latin typeface="Courier New" pitchFamily="49" charset="0"/>
+                <a:cs typeface="Courier New" pitchFamily="49" charset="0"/>
+              </a:rPr>
+              <a:t>     (</a:t>
+            </a:r>
+            <a:r>
+              <a:rPr lang="en-CA" sz="1600" dirty="0" err="1">
+                <a:latin typeface="Courier New" pitchFamily="49" charset="0"/>
+                <a:cs typeface="Courier New" pitchFamily="49" charset="0"/>
+              </a:rPr>
+              <a:t>cmd</a:t>
+            </a:r>
+            <a:r>
+              <a:rPr lang="en-CA" sz="1600" dirty="0">
+                <a:latin typeface="Courier New" pitchFamily="49" charset="0"/>
+                <a:cs typeface="Courier New" pitchFamily="49" charset="0"/>
+              </a:rPr>
+              <a:t>, SB) -&gt; </a:t>
+            </a:r>
+            <a:r>
+              <a:rPr lang="en-CA" sz="1600" dirty="0" err="1">
+                <a:latin typeface="Courier New" pitchFamily="49" charset="0"/>
+                <a:cs typeface="Courier New" pitchFamily="49" charset="0"/>
+              </a:rPr>
+              <a:t>subneg</a:t>
+            </a:r>
+            <a:r>
+              <a:rPr lang="en-CA" sz="1600" dirty="0">
+                <a:latin typeface="Courier New" pitchFamily="49" charset="0"/>
+                <a:cs typeface="Courier New" pitchFamily="49" charset="0"/>
+              </a:rPr>
+              <a:t> ::</a:t>
+            </a:r>
+            <a:endParaRPr lang="en-US" sz="1600" dirty="0">
+              <a:latin typeface="Courier New" pitchFamily="49" charset="0"/>
+              <a:cs typeface="Courier New" pitchFamily="49" charset="0"/>
+            </a:endParaRPr>
+          </a:p>
+          <a:p>
+            <a:r>
+              <a:rPr lang="en-CA" sz="1600" dirty="0">
+                <a:latin typeface="Courier New" pitchFamily="49" charset="0"/>
+                <a:cs typeface="Courier New" pitchFamily="49" charset="0"/>
+              </a:rPr>
+              <a:t>     (""".*""".r, CR) -&gt; data ::</a:t>
+            </a:r>
+            <a:endParaRPr lang="en-US" sz="1600" dirty="0">
+              <a:latin typeface="Courier New" pitchFamily="49" charset="0"/>
+              <a:cs typeface="Courier New" pitchFamily="49" charset="0"/>
+            </a:endParaRPr>
+          </a:p>
+          <a:p>
+            <a:r>
+              <a:rPr lang="en-CA" sz="1600" dirty="0">
+                <a:latin typeface="Courier New" pitchFamily="49" charset="0"/>
+                <a:cs typeface="Courier New" pitchFamily="49" charset="0"/>
+              </a:rPr>
+              <a:t>      Nil</a:t>
+            </a:r>
+            <a:endParaRPr lang="en-US" sz="1600" dirty="0">
+              <a:latin typeface="Courier New" pitchFamily="49" charset="0"/>
+              <a:cs typeface="Courier New" pitchFamily="49" charset="0"/>
+            </a:endParaRPr>
+          </a:p>
+        </p:txBody>
+      </p:sp>
+      <p:sp>
+        <p:nvSpPr>
+          <p:cNvPr id="6" name="TextBox 5"/>
+          <p:cNvSpPr txBox="1"/>
+          <p:nvPr/>
+        </p:nvSpPr>
+        <p:spPr>
+          <a:xfrm>
+            <a:off x="1600200" y="1418600"/>
+            <a:ext cx="1285608" cy="369332"/>
+          </a:xfrm>
+          <a:prstGeom prst="rect">
+            <a:avLst/>
+          </a:prstGeom>
+          <a:noFill/>
+        </p:spPr>
+        <p:txBody>
+          <a:bodyPr wrap="none" rtlCol="0">
+            <a:spAutoFit/>
+          </a:bodyPr>
+          <a:lstStyle/>
+          <a:p>
+            <a:r>
+              <a:rPr lang="en-US" u="sng" dirty="0"/>
+              <a:t>This is Scala</a:t>
+            </a:r>
+          </a:p>
+        </p:txBody>
+      </p:sp>
+      <p:sp>
+        <p:nvSpPr>
+          <p:cNvPr id="7" name="TextBox 6"/>
+          <p:cNvSpPr txBox="1"/>
+          <p:nvPr/>
+        </p:nvSpPr>
+        <p:spPr>
+          <a:xfrm>
+            <a:off x="1600200" y="5587104"/>
+            <a:ext cx="8290026" cy="369332"/>
+          </a:xfrm>
+          <a:prstGeom prst="rect">
+            <a:avLst/>
+          </a:prstGeom>
+          <a:noFill/>
+        </p:spPr>
+        <p:txBody>
+          <a:bodyPr wrap="none" rtlCol="0">
+            <a:spAutoFit/>
+          </a:bodyPr>
+          <a:lstStyle/>
+          <a:p>
+            <a:r>
+              <a:rPr lang="en-US" dirty="0"/>
+              <a:t>Posted on the Scala User’s mailing list. See also: </a:t>
+            </a:r>
+            <a:r>
+              <a:rPr lang="en-US" dirty="0">
+                <a:hlinkClick r:id="rId2"/>
+              </a:rPr>
+              <a:t>http://blog.razie.com/search/label/dsl</a:t>
+            </a:r>
+            <a:endParaRPr lang="en-US" dirty="0"/>
           </a:p>
         </p:txBody>
       </p:sp>
     </p:spTree>
     <p:extLst>
       <p:ext uri="{BB962C8B-B14F-4D97-AF65-F5344CB8AC3E}">
-        <p14:creationId xmlns:p14="http://schemas.microsoft.com/office/powerpoint/2010/main" val="116767426"/>
+        <p14:creationId xmlns:p14="http://schemas.microsoft.com/office/powerpoint/2010/main" val="1903445637"/>
       </p:ext>
     </p:extLst>
   </p:cSld>
@@ -6326,7 +6749,7 @@
       </p:grpSpPr>
       <p:sp>
         <p:nvSpPr>
-          <p:cNvPr id="2" name="Title 1"/>
+          <p:cNvPr id="3" name="Title 2"/>
           <p:cNvSpPr>
             <a:spLocks noGrp="1"/>
           </p:cNvSpPr>
@@ -6349,14 +6772,14 @@
             </a:r>
             <a:r>
               <a:rPr lang="en-US" dirty="0"/>
-              <a:t> Dynamic (continued)</a:t>
-            </a:r>
-          </a:p>
-        </p:txBody>
-      </p:sp>
-      <p:sp>
-        <p:nvSpPr>
-          <p:cNvPr id="3" name="Content Placeholder 2"/>
+              <a:t> Dynamic</a:t>
+            </a:r>
+          </a:p>
+        </p:txBody>
+      </p:sp>
+      <p:sp>
+        <p:nvSpPr>
+          <p:cNvPr id="4" name="Content Placeholder 3"/>
           <p:cNvSpPr>
             <a:spLocks noGrp="1"/>
           </p:cNvSpPr>
@@ -6371,35 +6794,42 @@
           <a:p>
             <a:r>
               <a:rPr lang="en-US" dirty="0"/>
-              <a:t>Dynamic Languages</a:t>
+              <a:t>Static Languages</a:t>
             </a:r>
           </a:p>
           <a:p>
             <a:pPr lvl="1"/>
             <a:r>
               <a:rPr lang="en-US" dirty="0"/>
-              <a:t>Postpone many language checks until run time</a:t>
+              <a:t>Perform many program checks at compile time (before the program runs)</a:t>
             </a:r>
           </a:p>
           <a:p>
             <a:pPr lvl="2"/>
             <a:r>
               <a:rPr lang="en-US" dirty="0"/>
-              <a:t>e.g., Dynamic type checking</a:t>
+              <a:t>e.g., Static type checking</a:t>
             </a:r>
           </a:p>
           <a:p>
             <a:pPr lvl="1"/>
             <a:r>
               <a:rPr lang="en-US" dirty="0"/>
-              <a:t>Can easily load code at run time</a:t>
+              <a:t>Generally require all code references to be resolved ahead of time</a:t>
             </a:r>
           </a:p>
           <a:p>
             <a:pPr lvl="1"/>
             <a:r>
               <a:rPr lang="en-US" dirty="0"/>
-              <a:t>Often allow the execution of code stored in data objects</a:t>
+              <a:t>Generally do not allow programs to execute data</a:t>
+            </a:r>
+          </a:p>
+          <a:p>
+            <a:pPr lvl="2"/>
+            <a:r>
+              <a:rPr lang="en-US" dirty="0"/>
+              <a:t>For example, read a string from the user containing program text and then execute that code.</a:t>
             </a:r>
           </a:p>
         </p:txBody>
@@ -6407,7 +6837,7 @@
     </p:spTree>
     <p:extLst>
       <p:ext uri="{BB962C8B-B14F-4D97-AF65-F5344CB8AC3E}">
-        <p14:creationId xmlns:p14="http://schemas.microsoft.com/office/powerpoint/2010/main" val="530389344"/>
+        <p14:creationId xmlns:p14="http://schemas.microsoft.com/office/powerpoint/2010/main" val="116767426"/>
       </p:ext>
     </p:extLst>
   </p:cSld>
@@ -6451,7 +6881,7 @@
           <a:p>
             <a:r>
               <a:rPr lang="en-US" dirty="0"/>
-              <a:t>Goals</a:t>
+              <a:t>Scala in a Single Slide</a:t>
             </a:r>
           </a:p>
         </p:txBody>
@@ -6473,51 +6903,59 @@
           <a:p>
             <a:r>
               <a:rPr lang="en-US" dirty="0"/>
-              <a:t>Understand PL features in a general way</a:t>
+              <a:t>The official website is </a:t>
+            </a:r>
+            <a:r>
+              <a:rPr lang="en-US" dirty="0">
+                <a:hlinkClick r:id="rId2"/>
+              </a:rPr>
+              <a:t>https://www.scala-lang.org</a:t>
+            </a:r>
+            <a:r>
+              <a:rPr lang="en-US" dirty="0"/>
+              <a:t>. </a:t>
             </a:r>
           </a:p>
           <a:p>
             <a:pPr lvl="1"/>
             <a:r>
               <a:rPr lang="en-US" dirty="0"/>
-              <a:t>Be able to understand and apply concepts</a:t>
+              <a:t>Links to tutorials, documentation, information on downloading and installing.</a:t>
+            </a:r>
+          </a:p>
+          <a:p>
+            <a:pPr lvl="1"/>
+            <a:r>
+              <a:rPr lang="en-US" dirty="0"/>
+              <a:t>Characteristics:</a:t>
             </a:r>
           </a:p>
           <a:p>
             <a:pPr lvl="2"/>
             <a:r>
               <a:rPr lang="en-US" dirty="0"/>
-              <a:t>Makes you a better programmer in any language</a:t>
-            </a:r>
-          </a:p>
-          <a:p>
-            <a:r>
-              <a:rPr lang="en-US" dirty="0"/>
-              <a:t>Expand your horizons</a:t>
-            </a:r>
-          </a:p>
-          <a:p>
-            <a:pPr lvl="1"/>
-            <a:r>
-              <a:rPr lang="en-US" dirty="0"/>
-              <a:t>Learn two new languages</a:t>
-            </a:r>
-          </a:p>
-          <a:p>
-            <a:pPr lvl="1"/>
-            <a:r>
-              <a:rPr lang="en-US" dirty="0"/>
-              <a:t>Learn to think outside the C/Java box. </a:t>
-            </a:r>
-            <a:r>
-              <a:rPr lang="en-US" b="1" dirty="0"/>
-              <a:t>You are limited by the languages you know.</a:t>
-            </a:r>
-          </a:p>
-          <a:p>
-            <a:r>
-              <a:rPr lang="en-US" dirty="0"/>
-              <a:t>Learn new PLs quickly</a:t>
+              <a:t>Functional/OO hybrid language</a:t>
+            </a:r>
+          </a:p>
+          <a:p>
+            <a:pPr lvl="2"/>
+            <a:r>
+              <a:rPr lang="en-US" dirty="0"/>
+              <a:t>Targets the JVM. Easily mixes with Java.</a:t>
+            </a:r>
+          </a:p>
+          <a:p>
+            <a:pPr lvl="2"/>
+            <a:r>
+              <a:rPr lang="en-US" dirty="0"/>
+              <a:t>Very rich with many interesting features from a PL theory perspective.</a:t>
+            </a:r>
+          </a:p>
+          <a:p>
+            <a:pPr lvl="2"/>
+            <a:r>
+              <a:rPr lang="en-US" dirty="0"/>
+              <a:t>Practical. Active community. Relatively good tool support.</a:t>
             </a:r>
           </a:p>
         </p:txBody>
@@ -6525,7 +6963,7 @@
     </p:spTree>
     <p:extLst>
       <p:ext uri="{BB962C8B-B14F-4D97-AF65-F5344CB8AC3E}">
-        <p14:creationId xmlns:p14="http://schemas.microsoft.com/office/powerpoint/2010/main" val="3510211873"/>
+        <p14:creationId xmlns:p14="http://schemas.microsoft.com/office/powerpoint/2010/main" val="1501559015"/>
       </p:ext>
     </p:extLst>
   </p:cSld>
@@ -6594,91 +7032,40 @@
         </p:nvSpPr>
         <p:spPr/>
         <p:txBody>
-          <a:bodyPr>
-            <a:normAutofit fontScale="92500"/>
-          </a:bodyPr>
-          <a:lstStyle/>
-          <a:p>
-            <a:r>
-              <a:rPr lang="en-US" dirty="0"/>
-              <a:t>Static Languages…</a:t>
+          <a:bodyPr/>
+          <a:lstStyle/>
+          <a:p>
+            <a:r>
+              <a:rPr lang="en-US" dirty="0"/>
+              <a:t>Dynamic Languages</a:t>
             </a:r>
           </a:p>
           <a:p>
             <a:pPr lvl="1"/>
             <a:r>
-              <a:rPr lang="en-US" i="1" dirty="0">
-                <a:solidFill>
-                  <a:srgbClr val="0070C0"/>
-                </a:solidFill>
-              </a:rPr>
-              <a:t>Fast</a:t>
-            </a:r>
-            <a:r>
-              <a:rPr lang="en-US" dirty="0"/>
-              <a:t>. Since the compiler does checks, they need not be done while the program runs</a:t>
+              <a:rPr lang="en-US" dirty="0"/>
+              <a:t>Postpone many language checks until run time</a:t>
+            </a:r>
+          </a:p>
+          <a:p>
+            <a:pPr lvl="2"/>
+            <a:r>
+              <a:rPr lang="en-US" dirty="0"/>
+              <a:t>e.g., Dynamic type checking</a:t>
             </a:r>
           </a:p>
           <a:p>
             <a:pPr lvl="1"/>
             <a:r>
-              <a:rPr lang="en-US" i="1" dirty="0">
-                <a:solidFill>
-                  <a:srgbClr val="0070C0"/>
-                </a:solidFill>
-              </a:rPr>
-              <a:t>Robust</a:t>
-            </a:r>
-            <a:r>
-              <a:rPr lang="en-US" dirty="0"/>
-              <a:t>. The compiler finds many errors.</a:t>
+              <a:rPr lang="en-US" dirty="0"/>
+              <a:t>Can easily load code at run time</a:t>
             </a:r>
           </a:p>
           <a:p>
             <a:pPr lvl="1"/>
             <a:r>
-              <a:rPr lang="en-US" i="1" dirty="0">
-                <a:solidFill>
-                  <a:srgbClr val="0070C0"/>
-                </a:solidFill>
-              </a:rPr>
-              <a:t>Less flexible</a:t>
-            </a:r>
-            <a:r>
-              <a:rPr lang="en-US" dirty="0"/>
-              <a:t>. The program can’t as easily adapt to new conditions once compiled.</a:t>
-            </a:r>
-          </a:p>
-          <a:p>
-            <a:pPr lvl="1"/>
-            <a:r>
-              <a:rPr lang="en-US" i="1" dirty="0">
-                <a:solidFill>
-                  <a:srgbClr val="0070C0"/>
-                </a:solidFill>
-              </a:rPr>
-              <a:t>Less interactive</a:t>
-            </a:r>
-            <a:r>
-              <a:rPr lang="en-US" dirty="0"/>
-              <a:t>. It is difficult to modify the program code while it runs.</a:t>
-            </a:r>
-          </a:p>
-          <a:p>
-            <a:r>
-              <a:rPr lang="en-US" dirty="0"/>
-              <a:t>Dynamic Languages…</a:t>
-            </a:r>
-          </a:p>
-          <a:p>
-            <a:pPr lvl="1"/>
-            <a:r>
-              <a:rPr lang="en-US" i="1" dirty="0">
-                <a:solidFill>
-                  <a:srgbClr val="0070C0"/>
-                </a:solidFill>
-              </a:rPr>
-              <a:t>The opposite!</a:t>
+              <a:rPr lang="en-US" dirty="0"/>
+              <a:t>Often allow the execution of code stored in data objects</a:t>
             </a:r>
           </a:p>
         </p:txBody>
@@ -6686,7 +7073,7 @@
     </p:spTree>
     <p:extLst>
       <p:ext uri="{BB962C8B-B14F-4D97-AF65-F5344CB8AC3E}">
-        <p14:creationId xmlns:p14="http://schemas.microsoft.com/office/powerpoint/2010/main" val="3990320975"/>
+        <p14:creationId xmlns:p14="http://schemas.microsoft.com/office/powerpoint/2010/main" val="530389344"/>
       </p:ext>
     </p:extLst>
   </p:cSld>
@@ -6715,7 +7102,7 @@
       </p:grpSpPr>
       <p:sp>
         <p:nvSpPr>
-          <p:cNvPr id="4" name="Title 3"/>
+          <p:cNvPr id="2" name="Title 1"/>
           <p:cNvSpPr>
             <a:spLocks noGrp="1"/>
           </p:cNvSpPr>
@@ -6730,250 +7117,116 @@
           <a:p>
             <a:r>
               <a:rPr lang="en-US" dirty="0"/>
-              <a:t>Python is Dynamic</a:t>
-            </a:r>
-          </a:p>
-        </p:txBody>
-      </p:sp>
-      <p:sp>
-        <p:nvSpPr>
-          <p:cNvPr id="5" name="TextBox 4"/>
-          <p:cNvSpPr txBox="1"/>
-          <p:nvPr/>
-        </p:nvSpPr>
-        <p:spPr>
-          <a:xfrm>
-            <a:off x="2743200" y="2286000"/>
-            <a:ext cx="6603090" cy="1569660"/>
-          </a:xfrm>
-          <a:prstGeom prst="rect">
-            <a:avLst/>
-          </a:prstGeom>
-          <a:noFill/>
-        </p:spPr>
-        <p:txBody>
-          <a:bodyPr wrap="none" rtlCol="0">
-            <a:spAutoFit/>
+              <a:t>Static </a:t>
+            </a:r>
+            <a:r>
+              <a:rPr lang="en-US" dirty="0" err="1"/>
+              <a:t>vs</a:t>
+            </a:r>
+            <a:r>
+              <a:rPr lang="en-US" dirty="0"/>
+              <a:t> Dynamic (continued)</a:t>
+            </a:r>
+          </a:p>
+        </p:txBody>
+      </p:sp>
+      <p:sp>
+        <p:nvSpPr>
+          <p:cNvPr id="3" name="Content Placeholder 2"/>
+          <p:cNvSpPr>
+            <a:spLocks noGrp="1"/>
+          </p:cNvSpPr>
+          <p:nvPr>
+            <p:ph idx="1"/>
+          </p:nvPr>
+        </p:nvSpPr>
+        <p:spPr/>
+        <p:txBody>
+          <a:bodyPr>
+            <a:normAutofit fontScale="92500"/>
           </a:bodyPr>
           <a:lstStyle/>
           <a:p>
             <a:r>
-              <a:rPr lang="en-US" sz="1600" b="1" dirty="0" err="1">
-                <a:latin typeface="Courier New" pitchFamily="49" charset="0"/>
-                <a:cs typeface="Courier New" pitchFamily="49" charset="0"/>
-              </a:rPr>
-              <a:t>def</a:t>
-            </a:r>
-            <a:r>
-              <a:rPr lang="en-US" sz="1600" dirty="0">
-                <a:latin typeface="Courier New" pitchFamily="49" charset="0"/>
-                <a:cs typeface="Courier New" pitchFamily="49" charset="0"/>
-              </a:rPr>
-              <a:t> sum(x, y): </a:t>
-            </a:r>
-            <a:r>
-              <a:rPr lang="en-US" sz="1600" b="1" dirty="0">
-                <a:latin typeface="Courier New" pitchFamily="49" charset="0"/>
-                <a:cs typeface="Courier New" pitchFamily="49" charset="0"/>
-              </a:rPr>
-              <a:t>return</a:t>
-            </a:r>
-            <a:r>
-              <a:rPr lang="en-US" sz="1600" dirty="0">
-                <a:latin typeface="Courier New" pitchFamily="49" charset="0"/>
-                <a:cs typeface="Courier New" pitchFamily="49" charset="0"/>
-              </a:rPr>
-              <a:t> x + y</a:t>
-            </a:r>
-          </a:p>
-          <a:p>
-            <a:endParaRPr lang="en-US" sz="1600" dirty="0">
-              <a:latin typeface="Courier New" pitchFamily="49" charset="0"/>
-              <a:cs typeface="Courier New" pitchFamily="49" charset="0"/>
-            </a:endParaRPr>
-          </a:p>
-          <a:p>
-            <a:r>
-              <a:rPr lang="en-US" sz="1600" dirty="0">
-                <a:latin typeface="Courier New" pitchFamily="49" charset="0"/>
-                <a:cs typeface="Courier New" pitchFamily="49" charset="0"/>
-              </a:rPr>
-              <a:t>z = sum(1, 2)                # Computes 3</a:t>
-            </a:r>
-          </a:p>
-          <a:p>
-            <a:r>
-              <a:rPr lang="en-US" sz="1600" dirty="0">
-                <a:latin typeface="Courier New" pitchFamily="49" charset="0"/>
-                <a:cs typeface="Courier New" pitchFamily="49" charset="0"/>
-              </a:rPr>
-              <a:t>z = sum(1.0, 2.0)            # Computes 3.0</a:t>
-            </a:r>
-          </a:p>
-          <a:p>
-            <a:r>
-              <a:rPr lang="en-US" sz="1600" dirty="0">
-                <a:latin typeface="Courier New" pitchFamily="49" charset="0"/>
-                <a:cs typeface="Courier New" pitchFamily="49" charset="0"/>
-              </a:rPr>
-              <a:t>z = sum(“Hello”, “World”)    # Computes “</a:t>
-            </a:r>
-            <a:r>
-              <a:rPr lang="en-US" sz="1600" dirty="0" err="1">
-                <a:latin typeface="Courier New" pitchFamily="49" charset="0"/>
-                <a:cs typeface="Courier New" pitchFamily="49" charset="0"/>
-              </a:rPr>
-              <a:t>HelloWorld</a:t>
-            </a:r>
-            <a:r>
-              <a:rPr lang="en-US" sz="1600" dirty="0">
-                <a:latin typeface="Courier New" pitchFamily="49" charset="0"/>
-                <a:cs typeface="Courier New" pitchFamily="49" charset="0"/>
-              </a:rPr>
-              <a:t>”</a:t>
-            </a:r>
-          </a:p>
-          <a:p>
-            <a:r>
-              <a:rPr lang="en-US" sz="1600" dirty="0">
-                <a:latin typeface="Courier New" pitchFamily="49" charset="0"/>
-                <a:cs typeface="Courier New" pitchFamily="49" charset="0"/>
-              </a:rPr>
-              <a:t>z = sum(“Hello”, 2)          # </a:t>
-            </a:r>
-            <a:r>
-              <a:rPr lang="en-US" sz="1600" b="1" dirty="0">
-                <a:latin typeface="Courier New" pitchFamily="49" charset="0"/>
-                <a:cs typeface="Courier New" pitchFamily="49" charset="0"/>
-              </a:rPr>
-              <a:t>Run time </a:t>
-            </a:r>
-            <a:r>
-              <a:rPr lang="en-US" sz="1600" dirty="0">
-                <a:latin typeface="Courier New" pitchFamily="49" charset="0"/>
-                <a:cs typeface="Courier New" pitchFamily="49" charset="0"/>
-              </a:rPr>
-              <a:t>error</a:t>
-            </a:r>
-          </a:p>
-        </p:txBody>
-      </p:sp>
-      <p:sp>
-        <p:nvSpPr>
-          <p:cNvPr id="6" name="TextBox 5"/>
-          <p:cNvSpPr txBox="1"/>
-          <p:nvPr/>
-        </p:nvSpPr>
-        <p:spPr>
-          <a:xfrm>
-            <a:off x="2743200" y="1676400"/>
-            <a:ext cx="1477584" cy="369332"/>
-          </a:xfrm>
-          <a:prstGeom prst="rect">
-            <a:avLst/>
-          </a:prstGeom>
-          <a:noFill/>
-        </p:spPr>
-        <p:txBody>
-          <a:bodyPr wrap="none" rtlCol="0">
-            <a:spAutoFit/>
-          </a:bodyPr>
-          <a:lstStyle/>
-          <a:p>
-            <a:r>
-              <a:rPr lang="en-US" u="sng" dirty="0"/>
-              <a:t>This is Python</a:t>
-            </a:r>
-          </a:p>
-        </p:txBody>
-      </p:sp>
-      <p:sp>
-        <p:nvSpPr>
-          <p:cNvPr id="7" name="TextBox 6"/>
-          <p:cNvSpPr txBox="1"/>
-          <p:nvPr/>
-        </p:nvSpPr>
-        <p:spPr>
-          <a:xfrm>
-            <a:off x="2743200" y="4343400"/>
-            <a:ext cx="7220246" cy="892552"/>
-          </a:xfrm>
-          <a:prstGeom prst="rect">
-            <a:avLst/>
-          </a:prstGeom>
-          <a:noFill/>
-        </p:spPr>
-        <p:txBody>
-          <a:bodyPr wrap="none" rtlCol="0">
-            <a:spAutoFit/>
-          </a:bodyPr>
-          <a:lstStyle/>
-          <a:p>
-            <a:r>
-              <a:rPr lang="en-US" dirty="0"/>
-              <a:t>The last line throws a </a:t>
-            </a:r>
-            <a:r>
-              <a:rPr lang="en-US" dirty="0" err="1"/>
-              <a:t>TypeError</a:t>
-            </a:r>
-            <a:r>
-              <a:rPr lang="en-US" dirty="0"/>
-              <a:t> exception…</a:t>
-            </a:r>
-          </a:p>
-          <a:p>
-            <a:endParaRPr lang="en-US" dirty="0"/>
-          </a:p>
-          <a:p>
-            <a:r>
-              <a:rPr lang="en-US" sz="1600" dirty="0">
-                <a:latin typeface="Courier New" pitchFamily="49" charset="0"/>
-                <a:cs typeface="Courier New" pitchFamily="49" charset="0"/>
-              </a:rPr>
-              <a:t>“</a:t>
-            </a:r>
-            <a:r>
-              <a:rPr lang="en-US" sz="1600" dirty="0" err="1">
-                <a:latin typeface="Courier New" pitchFamily="49" charset="0"/>
-                <a:cs typeface="Courier New" pitchFamily="49" charset="0"/>
-              </a:rPr>
-              <a:t>TypeError</a:t>
-            </a:r>
-            <a:r>
-              <a:rPr lang="en-US" sz="1600" dirty="0">
-                <a:latin typeface="Courier New" pitchFamily="49" charset="0"/>
-                <a:cs typeface="Courier New" pitchFamily="49" charset="0"/>
-              </a:rPr>
-              <a:t>: Can’t convert ‘</a:t>
-            </a:r>
-            <a:r>
-              <a:rPr lang="en-US" sz="1600" dirty="0" err="1">
-                <a:latin typeface="Courier New" pitchFamily="49" charset="0"/>
-                <a:cs typeface="Courier New" pitchFamily="49" charset="0"/>
-              </a:rPr>
-              <a:t>int</a:t>
-            </a:r>
-            <a:r>
-              <a:rPr lang="en-US" sz="1600" dirty="0">
-                <a:latin typeface="Courier New" pitchFamily="49" charset="0"/>
-                <a:cs typeface="Courier New" pitchFamily="49" charset="0"/>
-              </a:rPr>
-              <a:t>’ object to </a:t>
-            </a:r>
-            <a:r>
-              <a:rPr lang="en-US" sz="1600" dirty="0" err="1">
-                <a:latin typeface="Courier New" pitchFamily="49" charset="0"/>
-                <a:cs typeface="Courier New" pitchFamily="49" charset="0"/>
-              </a:rPr>
-              <a:t>str</a:t>
-            </a:r>
-            <a:r>
-              <a:rPr lang="en-US" sz="1600" dirty="0">
-                <a:latin typeface="Courier New" pitchFamily="49" charset="0"/>
-                <a:cs typeface="Courier New" pitchFamily="49" charset="0"/>
-              </a:rPr>
-              <a:t> implicitly”</a:t>
+              <a:rPr lang="en-US" dirty="0"/>
+              <a:t>Static Languages…</a:t>
+            </a:r>
+          </a:p>
+          <a:p>
+            <a:pPr lvl="1"/>
+            <a:r>
+              <a:rPr lang="en-US" i="1" dirty="0">
+                <a:solidFill>
+                  <a:srgbClr val="0070C0"/>
+                </a:solidFill>
+              </a:rPr>
+              <a:t>Fast</a:t>
+            </a:r>
+            <a:r>
+              <a:rPr lang="en-US" dirty="0"/>
+              <a:t>. Since the compiler does checks, they need not be done while the program runs</a:t>
+            </a:r>
+          </a:p>
+          <a:p>
+            <a:pPr lvl="1"/>
+            <a:r>
+              <a:rPr lang="en-US" i="1" dirty="0">
+                <a:solidFill>
+                  <a:srgbClr val="0070C0"/>
+                </a:solidFill>
+              </a:rPr>
+              <a:t>Robust</a:t>
+            </a:r>
+            <a:r>
+              <a:rPr lang="en-US" dirty="0"/>
+              <a:t>. The compiler finds many errors.</a:t>
+            </a:r>
+          </a:p>
+          <a:p>
+            <a:pPr lvl="1"/>
+            <a:r>
+              <a:rPr lang="en-US" i="1" dirty="0">
+                <a:solidFill>
+                  <a:srgbClr val="0070C0"/>
+                </a:solidFill>
+              </a:rPr>
+              <a:t>Less flexible</a:t>
+            </a:r>
+            <a:r>
+              <a:rPr lang="en-US" dirty="0"/>
+              <a:t>. The program can’t as easily adapt to new conditions once compiled.</a:t>
+            </a:r>
+          </a:p>
+          <a:p>
+            <a:pPr lvl="1"/>
+            <a:r>
+              <a:rPr lang="en-US" i="1" dirty="0">
+                <a:solidFill>
+                  <a:srgbClr val="0070C0"/>
+                </a:solidFill>
+              </a:rPr>
+              <a:t>Less interactive</a:t>
+            </a:r>
+            <a:r>
+              <a:rPr lang="en-US" dirty="0"/>
+              <a:t>. It is difficult to modify the program code while it runs.</a:t>
+            </a:r>
+          </a:p>
+          <a:p>
+            <a:r>
+              <a:rPr lang="en-US" dirty="0"/>
+              <a:t>Dynamic Languages…</a:t>
+            </a:r>
+          </a:p>
+          <a:p>
+            <a:pPr lvl="1"/>
+            <a:r>
+              <a:rPr lang="en-US" i="1" dirty="0">
+                <a:solidFill>
+                  <a:srgbClr val="0070C0"/>
+                </a:solidFill>
+              </a:rPr>
+              <a:t>The opposite!</a:t>
             </a:r>
           </a:p>
         </p:txBody>
@@ -6981,7 +7234,7 @@
     </p:spTree>
     <p:extLst>
       <p:ext uri="{BB962C8B-B14F-4D97-AF65-F5344CB8AC3E}">
-        <p14:creationId xmlns:p14="http://schemas.microsoft.com/office/powerpoint/2010/main" val="2283093562"/>
+        <p14:creationId xmlns:p14="http://schemas.microsoft.com/office/powerpoint/2010/main" val="3990320975"/>
       </p:ext>
     </p:extLst>
   </p:cSld>
@@ -7010,7 +7263,7 @@
       </p:grpSpPr>
       <p:sp>
         <p:nvSpPr>
-          <p:cNvPr id="2" name="Title 1"/>
+          <p:cNvPr id="4" name="Title 3"/>
           <p:cNvSpPr>
             <a:spLocks noGrp="1"/>
           </p:cNvSpPr>
@@ -7025,20 +7278,20 @@
           <a:p>
             <a:r>
               <a:rPr lang="en-US" dirty="0"/>
-              <a:t>Scala is Static</a:t>
-            </a:r>
-          </a:p>
-        </p:txBody>
-      </p:sp>
-      <p:sp>
-        <p:nvSpPr>
-          <p:cNvPr id="3" name="TextBox 2"/>
+              <a:t>Python is Dynamic</a:t>
+            </a:r>
+          </a:p>
+        </p:txBody>
+      </p:sp>
+      <p:sp>
+        <p:nvSpPr>
+          <p:cNvPr id="5" name="TextBox 4"/>
           <p:cNvSpPr txBox="1"/>
           <p:nvPr/>
         </p:nvSpPr>
         <p:spPr>
           <a:xfrm>
-            <a:off x="2315102" y="2144486"/>
+            <a:off x="2794455" y="2304494"/>
             <a:ext cx="6603090" cy="1569660"/>
           </a:xfrm>
           <a:prstGeom prst="rect">
@@ -7064,35 +7317,21 @@
                 <a:latin typeface="Courier New" pitchFamily="49" charset="0"/>
                 <a:cs typeface="Courier New" pitchFamily="49" charset="0"/>
               </a:rPr>
-              <a:t> sum(x: </a:t>
-            </a:r>
-            <a:r>
-              <a:rPr lang="en-US" sz="1600" dirty="0" err="1">
-                <a:latin typeface="Courier New" pitchFamily="49" charset="0"/>
-                <a:cs typeface="Courier New" pitchFamily="49" charset="0"/>
-              </a:rPr>
-              <a:t>Int</a:t>
-            </a:r>
-            <a:r>
-              <a:rPr lang="en-US" sz="1600" dirty="0">
-                <a:latin typeface="Courier New" pitchFamily="49" charset="0"/>
-                <a:cs typeface="Courier New" pitchFamily="49" charset="0"/>
-              </a:rPr>
-              <a:t>, y: </a:t>
-            </a:r>
-            <a:r>
-              <a:rPr lang="en-US" sz="1600" dirty="0" err="1">
-                <a:latin typeface="Courier New" pitchFamily="49" charset="0"/>
-                <a:cs typeface="Courier New" pitchFamily="49" charset="0"/>
-              </a:rPr>
-              <a:t>Int</a:t>
-            </a:r>
-            <a:r>
-              <a:rPr lang="en-US" sz="1600" dirty="0">
-                <a:latin typeface="Courier New" pitchFamily="49" charset="0"/>
-                <a:cs typeface="Courier New" pitchFamily="49" charset="0"/>
-              </a:rPr>
-              <a:t>) = x + y</a:t>
+              <a:t> sum(x, y): </a:t>
+            </a:r>
+            <a:r>
+              <a:rPr lang="en-US" sz="1600" b="1" dirty="0">
+                <a:latin typeface="Courier New" pitchFamily="49" charset="0"/>
+                <a:cs typeface="Courier New" pitchFamily="49" charset="0"/>
+              </a:rPr>
+              <a:t>return</a:t>
+            </a:r>
+            <a:r>
+              <a:rPr lang="en-US" sz="1600" dirty="0">
+                <a:latin typeface="Courier New" pitchFamily="49" charset="0"/>
+                <a:cs typeface="Courier New" pitchFamily="49" charset="0"/>
+              </a:rPr>
+              <a:t> x + y</a:t>
             </a:r>
           </a:p>
           <a:p>
@@ -7107,6 +7346,315 @@
                 <a:latin typeface="Courier New" pitchFamily="49" charset="0"/>
                 <a:cs typeface="Courier New" pitchFamily="49" charset="0"/>
               </a:rPr>
+              <a:t>z = sum(1, 2)                # Computes 3</a:t>
+            </a:r>
+          </a:p>
+          <a:p>
+            <a:r>
+              <a:rPr lang="en-US" sz="1600" dirty="0">
+                <a:latin typeface="Courier New" pitchFamily="49" charset="0"/>
+                <a:cs typeface="Courier New" pitchFamily="49" charset="0"/>
+              </a:rPr>
+              <a:t>z = sum(1.0, 2.0)            # Computes 3.0</a:t>
+            </a:r>
+          </a:p>
+          <a:p>
+            <a:r>
+              <a:rPr lang="en-US" sz="1600" dirty="0">
+                <a:latin typeface="Courier New" pitchFamily="49" charset="0"/>
+                <a:cs typeface="Courier New" pitchFamily="49" charset="0"/>
+              </a:rPr>
+              <a:t>z = sum(“Hello”, “World”)    # Computes “</a:t>
+            </a:r>
+            <a:r>
+              <a:rPr lang="en-US" sz="1600" dirty="0" err="1">
+                <a:latin typeface="Courier New" pitchFamily="49" charset="0"/>
+                <a:cs typeface="Courier New" pitchFamily="49" charset="0"/>
+              </a:rPr>
+              <a:t>HelloWorld</a:t>
+            </a:r>
+            <a:r>
+              <a:rPr lang="en-US" sz="1600" dirty="0">
+                <a:latin typeface="Courier New" pitchFamily="49" charset="0"/>
+                <a:cs typeface="Courier New" pitchFamily="49" charset="0"/>
+              </a:rPr>
+              <a:t>”</a:t>
+            </a:r>
+          </a:p>
+          <a:p>
+            <a:r>
+              <a:rPr lang="en-US" sz="1600" dirty="0">
+                <a:latin typeface="Courier New" pitchFamily="49" charset="0"/>
+                <a:cs typeface="Courier New" pitchFamily="49" charset="0"/>
+              </a:rPr>
+              <a:t>z = sum(“Hello”, 2)          # </a:t>
+            </a:r>
+            <a:r>
+              <a:rPr lang="en-US" sz="1600" b="1" dirty="0">
+                <a:latin typeface="Courier New" pitchFamily="49" charset="0"/>
+                <a:cs typeface="Courier New" pitchFamily="49" charset="0"/>
+              </a:rPr>
+              <a:t>Run time </a:t>
+            </a:r>
+            <a:r>
+              <a:rPr lang="en-US" sz="1600" dirty="0">
+                <a:latin typeface="Courier New" pitchFamily="49" charset="0"/>
+                <a:cs typeface="Courier New" pitchFamily="49" charset="0"/>
+              </a:rPr>
+              <a:t>error</a:t>
+            </a:r>
+          </a:p>
+        </p:txBody>
+      </p:sp>
+      <p:sp>
+        <p:nvSpPr>
+          <p:cNvPr id="6" name="TextBox 5"/>
+          <p:cNvSpPr txBox="1"/>
+          <p:nvPr/>
+        </p:nvSpPr>
+        <p:spPr>
+          <a:xfrm>
+            <a:off x="2743200" y="1676400"/>
+            <a:ext cx="1477584" cy="369332"/>
+          </a:xfrm>
+          <a:prstGeom prst="rect">
+            <a:avLst/>
+          </a:prstGeom>
+          <a:noFill/>
+        </p:spPr>
+        <p:txBody>
+          <a:bodyPr wrap="none" rtlCol="0">
+            <a:spAutoFit/>
+          </a:bodyPr>
+          <a:lstStyle/>
+          <a:p>
+            <a:r>
+              <a:rPr lang="en-US" u="sng" dirty="0"/>
+              <a:t>This is Python</a:t>
+            </a:r>
+          </a:p>
+        </p:txBody>
+      </p:sp>
+      <p:sp>
+        <p:nvSpPr>
+          <p:cNvPr id="7" name="TextBox 6"/>
+          <p:cNvSpPr txBox="1"/>
+          <p:nvPr/>
+        </p:nvSpPr>
+        <p:spPr>
+          <a:xfrm>
+            <a:off x="2794455" y="4132916"/>
+            <a:ext cx="7220246" cy="892552"/>
+          </a:xfrm>
+          <a:prstGeom prst="rect">
+            <a:avLst/>
+          </a:prstGeom>
+          <a:noFill/>
+        </p:spPr>
+        <p:txBody>
+          <a:bodyPr wrap="none" rtlCol="0">
+            <a:spAutoFit/>
+          </a:bodyPr>
+          <a:lstStyle/>
+          <a:p>
+            <a:r>
+              <a:rPr lang="en-US" dirty="0"/>
+              <a:t>The last line throws a </a:t>
+            </a:r>
+            <a:r>
+              <a:rPr lang="en-US" dirty="0" err="1"/>
+              <a:t>TypeError</a:t>
+            </a:r>
+            <a:r>
+              <a:rPr lang="en-US" dirty="0"/>
+              <a:t> exception…</a:t>
+            </a:r>
+          </a:p>
+          <a:p>
+            <a:endParaRPr lang="en-US" dirty="0"/>
+          </a:p>
+          <a:p>
+            <a:r>
+              <a:rPr lang="en-US" sz="1600" dirty="0">
+                <a:latin typeface="Courier New" pitchFamily="49" charset="0"/>
+                <a:cs typeface="Courier New" pitchFamily="49" charset="0"/>
+              </a:rPr>
+              <a:t>“</a:t>
+            </a:r>
+            <a:r>
+              <a:rPr lang="en-US" sz="1600" dirty="0" err="1">
+                <a:latin typeface="Courier New" pitchFamily="49" charset="0"/>
+                <a:cs typeface="Courier New" pitchFamily="49" charset="0"/>
+              </a:rPr>
+              <a:t>TypeError</a:t>
+            </a:r>
+            <a:r>
+              <a:rPr lang="en-US" sz="1600" dirty="0">
+                <a:latin typeface="Courier New" pitchFamily="49" charset="0"/>
+                <a:cs typeface="Courier New" pitchFamily="49" charset="0"/>
+              </a:rPr>
+              <a:t>: Can’t convert ‘</a:t>
+            </a:r>
+            <a:r>
+              <a:rPr lang="en-US" sz="1600" dirty="0" err="1">
+                <a:latin typeface="Courier New" pitchFamily="49" charset="0"/>
+                <a:cs typeface="Courier New" pitchFamily="49" charset="0"/>
+              </a:rPr>
+              <a:t>int</a:t>
+            </a:r>
+            <a:r>
+              <a:rPr lang="en-US" sz="1600" dirty="0">
+                <a:latin typeface="Courier New" pitchFamily="49" charset="0"/>
+                <a:cs typeface="Courier New" pitchFamily="49" charset="0"/>
+              </a:rPr>
+              <a:t>’ object to </a:t>
+            </a:r>
+            <a:r>
+              <a:rPr lang="en-US" sz="1600" dirty="0" err="1">
+                <a:latin typeface="Courier New" pitchFamily="49" charset="0"/>
+                <a:cs typeface="Courier New" pitchFamily="49" charset="0"/>
+              </a:rPr>
+              <a:t>str</a:t>
+            </a:r>
+            <a:r>
+              <a:rPr lang="en-US" sz="1600" dirty="0">
+                <a:latin typeface="Courier New" pitchFamily="49" charset="0"/>
+                <a:cs typeface="Courier New" pitchFamily="49" charset="0"/>
+              </a:rPr>
+              <a:t> implicitly”</a:t>
+            </a:r>
+          </a:p>
+        </p:txBody>
+      </p:sp>
+    </p:spTree>
+    <p:extLst>
+      <p:ext uri="{BB962C8B-B14F-4D97-AF65-F5344CB8AC3E}">
+        <p14:creationId xmlns:p14="http://schemas.microsoft.com/office/powerpoint/2010/main" val="2283093562"/>
+      </p:ext>
+    </p:extLst>
+  </p:cSld>
+  <p:clrMapOvr>
+    <a:masterClrMapping/>
+  </p:clrMapOvr>
+</p:sld>
+</file>
+
+<file path=ppt/slides/slide23.xml><?xml version="1.0" encoding="utf-8"?>
+<p:sld xmlns:a="http://schemas.openxmlformats.org/drawingml/2006/main" xmlns:r="http://schemas.openxmlformats.org/officeDocument/2006/relationships" xmlns:p="http://schemas.openxmlformats.org/presentationml/2006/main">
+  <p:cSld>
+    <p:spTree>
+      <p:nvGrpSpPr>
+        <p:cNvPr id="1" name=""/>
+        <p:cNvGrpSpPr/>
+        <p:nvPr/>
+      </p:nvGrpSpPr>
+      <p:grpSpPr>
+        <a:xfrm>
+          <a:off x="0" y="0"/>
+          <a:ext cx="0" cy="0"/>
+          <a:chOff x="0" y="0"/>
+          <a:chExt cx="0" cy="0"/>
+        </a:xfrm>
+      </p:grpSpPr>
+      <p:sp>
+        <p:nvSpPr>
+          <p:cNvPr id="2" name="Title 1"/>
+          <p:cNvSpPr>
+            <a:spLocks noGrp="1"/>
+          </p:cNvSpPr>
+          <p:nvPr>
+            <p:ph type="title"/>
+          </p:nvPr>
+        </p:nvSpPr>
+        <p:spPr/>
+        <p:txBody>
+          <a:bodyPr/>
+          <a:lstStyle/>
+          <a:p>
+            <a:r>
+              <a:rPr lang="en-US" dirty="0"/>
+              <a:t>Scala is Static</a:t>
+            </a:r>
+          </a:p>
+        </p:txBody>
+      </p:sp>
+      <p:sp>
+        <p:nvSpPr>
+          <p:cNvPr id="3" name="TextBox 2"/>
+          <p:cNvSpPr txBox="1"/>
+          <p:nvPr/>
+        </p:nvSpPr>
+        <p:spPr>
+          <a:xfrm>
+            <a:off x="1932582" y="1992464"/>
+            <a:ext cx="6603090" cy="1569660"/>
+          </a:xfrm>
+          <a:prstGeom prst="rect">
+            <a:avLst/>
+          </a:prstGeom>
+          <a:noFill/>
+        </p:spPr>
+        <p:txBody>
+          <a:bodyPr wrap="none" rtlCol="0">
+            <a:spAutoFit/>
+          </a:bodyPr>
+          <a:lstStyle/>
+          <a:p>
+            <a:r>
+              <a:rPr lang="en-US" sz="1600" b="1" dirty="0" err="1">
+                <a:latin typeface="Courier New" pitchFamily="49" charset="0"/>
+                <a:cs typeface="Courier New" pitchFamily="49" charset="0"/>
+              </a:rPr>
+              <a:t>def</a:t>
+            </a:r>
+            <a:r>
+              <a:rPr lang="en-US" sz="1600" dirty="0">
+                <a:latin typeface="Courier New" pitchFamily="49" charset="0"/>
+                <a:cs typeface="Courier New" pitchFamily="49" charset="0"/>
+              </a:rPr>
+              <a:t> sum(x: </a:t>
+            </a:r>
+            <a:r>
+              <a:rPr lang="en-US" sz="1600" dirty="0" err="1">
+                <a:latin typeface="Courier New" pitchFamily="49" charset="0"/>
+                <a:cs typeface="Courier New" pitchFamily="49" charset="0"/>
+              </a:rPr>
+              <a:t>Int</a:t>
+            </a:r>
+            <a:r>
+              <a:rPr lang="en-US" sz="1600" dirty="0">
+                <a:latin typeface="Courier New" pitchFamily="49" charset="0"/>
+                <a:cs typeface="Courier New" pitchFamily="49" charset="0"/>
+              </a:rPr>
+              <a:t>, y: </a:t>
+            </a:r>
+            <a:r>
+              <a:rPr lang="en-US" sz="1600" dirty="0" err="1">
+                <a:latin typeface="Courier New" pitchFamily="49" charset="0"/>
+                <a:cs typeface="Courier New" pitchFamily="49" charset="0"/>
+              </a:rPr>
+              <a:t>Int</a:t>
+            </a:r>
+            <a:r>
+              <a:rPr lang="en-US" sz="1600" dirty="0">
+                <a:latin typeface="Courier New" pitchFamily="49" charset="0"/>
+                <a:cs typeface="Courier New" pitchFamily="49" charset="0"/>
+              </a:rPr>
+              <a:t>) = x + y</a:t>
+            </a:r>
+          </a:p>
+          <a:p>
+            <a:endParaRPr lang="en-US" sz="1600" dirty="0">
+              <a:latin typeface="Courier New" pitchFamily="49" charset="0"/>
+              <a:cs typeface="Courier New" pitchFamily="49" charset="0"/>
+            </a:endParaRPr>
+          </a:p>
+          <a:p>
+            <a:r>
+              <a:rPr lang="en-US" sz="1600" dirty="0">
+                <a:latin typeface="Courier New" pitchFamily="49" charset="0"/>
+                <a:cs typeface="Courier New" pitchFamily="49" charset="0"/>
+              </a:rPr>
               <a:t>z1 = sum(1, 2)                 // Computes 3</a:t>
             </a:r>
           </a:p>
@@ -7147,7 +7695,7 @@
         </p:nvSpPr>
         <p:spPr>
           <a:xfrm>
-            <a:off x="2315102" y="1524781"/>
+            <a:off x="1930436" y="1515144"/>
             <a:ext cx="1285608" cy="369332"/>
           </a:xfrm>
           <a:prstGeom prst="rect">
@@ -7176,7 +7724,7 @@
         </p:nvSpPr>
         <p:spPr>
           <a:xfrm>
-            <a:off x="2315103" y="4038600"/>
+            <a:off x="1930436" y="4023721"/>
             <a:ext cx="6244017" cy="369332"/>
           </a:xfrm>
           <a:prstGeom prst="rect">
@@ -7224,7 +7772,7 @@
         </p:nvSpPr>
         <p:spPr>
           <a:xfrm>
-            <a:off x="2315103" y="4572000"/>
+            <a:off x="1930436" y="4495800"/>
             <a:ext cx="8331127" cy="1569660"/>
           </a:xfrm>
           <a:prstGeom prst="rect">
@@ -7372,15 +7920,7 @@
           <a:p>
             <a:r>
               <a:rPr lang="en-US" dirty="0"/>
-              <a:t>Theory </a:t>
-            </a:r>
-            <a:r>
-              <a:rPr lang="en-US" dirty="0" err="1"/>
-              <a:t>vs</a:t>
-            </a:r>
-            <a:r>
-              <a:rPr lang="en-US" dirty="0"/>
-              <a:t> Practice</a:t>
+              <a:t>Scala is Not…</a:t>
             </a:r>
           </a:p>
         </p:txBody>
@@ -7397,46 +7937,63 @@
         </p:nvSpPr>
         <p:spPr/>
         <p:txBody>
-          <a:bodyPr/>
-          <a:lstStyle/>
-          <a:p>
-            <a:r>
-              <a:rPr lang="en-US" dirty="0"/>
-              <a:t>85% Practice</a:t>
+          <a:bodyPr>
+            <a:normAutofit/>
+          </a:bodyPr>
+          <a:lstStyle/>
+          <a:p>
+            <a:r>
+              <a:rPr lang="en-US" dirty="0"/>
+              <a:t>Scala is not…</a:t>
             </a:r>
           </a:p>
           <a:p>
             <a:pPr lvl="1"/>
             <a:r>
               <a:rPr lang="en-US" dirty="0"/>
-              <a:t>Looking at languages with the view of writing programs that do useful things.</a:t>
+              <a:t>… a dynamic language.</a:t>
+            </a:r>
+          </a:p>
+          <a:p>
+            <a:pPr lvl="2"/>
+            <a:r>
+              <a:rPr lang="en-US" dirty="0"/>
+              <a:t>But Scala has type inference, so type annotations can often be eliminated.</a:t>
+            </a:r>
+          </a:p>
+          <a:p>
+            <a:pPr lvl="2"/>
+            <a:r>
+              <a:rPr lang="en-US" dirty="0"/>
+              <a:t>But Scala supports “scripting” applications without explicit compilation.</a:t>
             </a:r>
           </a:p>
           <a:p>
             <a:pPr lvl="1"/>
             <a:r>
               <a:rPr lang="en-US" dirty="0"/>
-              <a:t>How does feature X help me write a better program (for some definition of “better”).</a:t>
-            </a:r>
-          </a:p>
-          <a:p>
-            <a:r>
-              <a:rPr lang="en-US" dirty="0"/>
-              <a:t>15% Theory</a:t>
+              <a:t>… a logic language.</a:t>
+            </a:r>
+          </a:p>
+          <a:p>
+            <a:pPr lvl="2"/>
+            <a:r>
+              <a:rPr lang="en-US" dirty="0"/>
+              <a:t>But Scala’s flexible syntax and a suitable library can simulate logic programs.</a:t>
             </a:r>
           </a:p>
           <a:p>
             <a:pPr lvl="1"/>
             <a:r>
               <a:rPr lang="en-US" dirty="0"/>
-              <a:t>Puts PL features into perspective</a:t>
-            </a:r>
-          </a:p>
-          <a:p>
-            <a:pPr lvl="1"/>
-            <a:r>
-              <a:rPr lang="en-US" dirty="0"/>
-              <a:t>Formal syntax. Turing Machines. Lambda calculus.</a:t>
+              <a:t>… a systems or embedded language.</a:t>
+            </a:r>
+          </a:p>
+          <a:p>
+            <a:pPr lvl="2"/>
+            <a:r>
+              <a:rPr lang="en-US" dirty="0"/>
+              <a:t>Scala’s dependence on the JVM disqualifies it from many systems and embedded applications.</a:t>
             </a:r>
           </a:p>
         </p:txBody>
@@ -7444,7 +8001,7 @@
     </p:spTree>
     <p:extLst>
       <p:ext uri="{BB962C8B-B14F-4D97-AF65-F5344CB8AC3E}">
-        <p14:creationId xmlns:p14="http://schemas.microsoft.com/office/powerpoint/2010/main" val="991518563"/>
+        <p14:creationId xmlns:p14="http://schemas.microsoft.com/office/powerpoint/2010/main" val="1685968970"/>
       </p:ext>
     </p:extLst>
   </p:cSld>
@@ -7488,7 +8045,7 @@
           <a:p>
             <a:r>
               <a:rPr lang="en-US" dirty="0"/>
-              <a:t>Focus Language: Scala</a:t>
+              <a:t>Traditionally, Scala Targets the JVM</a:t>
             </a:r>
           </a:p>
         </p:txBody>
@@ -7505,61 +8062,62 @@
         </p:nvSpPr>
         <p:spPr/>
         <p:txBody>
-          <a:bodyPr/>
-          <a:lstStyle/>
-          <a:p>
-            <a:r>
-              <a:rPr lang="en-US" dirty="0"/>
-              <a:t>To make the concepts concrete, we will focus on one particular language</a:t>
+          <a:bodyPr>
+            <a:normAutofit/>
+          </a:bodyPr>
+          <a:lstStyle/>
+          <a:p>
+            <a:r>
+              <a:rPr lang="en-US" i="1" dirty="0"/>
+              <a:t>Good</a:t>
             </a:r>
           </a:p>
           <a:p>
             <a:pPr lvl="1"/>
             <a:r>
-              <a:rPr lang="en-US" b="1" dirty="0"/>
-              <a:t>Scala</a:t>
-            </a:r>
-            <a:r>
-              <a:rPr lang="en-US" dirty="0"/>
-              <a:t> (</a:t>
-            </a:r>
-            <a:r>
-              <a:rPr lang="en-US" dirty="0">
-                <a:hlinkClick r:id="rId2"/>
-              </a:rPr>
-              <a:t>http://www.scala-lang.org</a:t>
-            </a:r>
-            <a:r>
-              <a:rPr lang="en-US" dirty="0"/>
-              <a:t>)</a:t>
-            </a:r>
-          </a:p>
-          <a:p>
-            <a:pPr lvl="2"/>
-            <a:r>
-              <a:rPr lang="en-US" dirty="0"/>
-              <a:t>Functional/OO hybrid language</a:t>
-            </a:r>
-          </a:p>
-          <a:p>
-            <a:pPr lvl="2"/>
-            <a:r>
-              <a:rPr lang="en-US" dirty="0"/>
-              <a:t>Targets the JVM. Easily mixes with Java.</a:t>
-            </a:r>
-          </a:p>
-          <a:p>
-            <a:pPr lvl="2"/>
-            <a:r>
-              <a:rPr lang="en-US" dirty="0"/>
-              <a:t>Very rich with many interesting features from a PL theory perspective.</a:t>
-            </a:r>
-          </a:p>
-          <a:p>
-            <a:pPr lvl="2"/>
-            <a:r>
-              <a:rPr lang="en-US" dirty="0"/>
-              <a:t>Very practical. Large community. Relatively good tool support. Becoming an important language in general.</a:t>
+              <a:rPr lang="en-US" dirty="0"/>
+              <a:t>Can interoperate with Java (relatively) easily.</a:t>
+            </a:r>
+          </a:p>
+          <a:p>
+            <a:pPr lvl="1"/>
+            <a:r>
+              <a:rPr lang="en-US" dirty="0"/>
+              <a:t>Can access a huge collection of Java libraries.</a:t>
+            </a:r>
+          </a:p>
+          <a:p>
+            <a:pPr lvl="1"/>
+            <a:r>
+              <a:rPr lang="en-US" dirty="0"/>
+              <a:t>Can (sometimes) take advantage of advanced Java technologies.</a:t>
+            </a:r>
+          </a:p>
+          <a:p>
+            <a:pPr lvl="1"/>
+            <a:r>
+              <a:rPr lang="en-US" dirty="0"/>
+              <a:t>Can be deployed (almost) anywhere Java can.</a:t>
+            </a:r>
+          </a:p>
+          <a:p>
+            <a:r>
+              <a:rPr lang="en-US" i="1" dirty="0"/>
+              <a:t>Bad</a:t>
+            </a:r>
+          </a:p>
+          <a:p>
+            <a:pPr lvl="1"/>
+            <a:r>
+              <a:rPr lang="en-US" dirty="0"/>
+              <a:t>Tied to the Java ecosystem</a:t>
+            </a:r>
+          </a:p>
+          <a:p>
+            <a:pPr lvl="1"/>
+            <a:r>
+              <a:rPr lang="en-US" dirty="0"/>
+              <a:t>Suffers disadvantages of any JVM-based language</a:t>
             </a:r>
           </a:p>
         </p:txBody>
@@ -7567,7 +8125,7 @@
     </p:spTree>
     <p:extLst>
       <p:ext uri="{BB962C8B-B14F-4D97-AF65-F5344CB8AC3E}">
-        <p14:creationId xmlns:p14="http://schemas.microsoft.com/office/powerpoint/2010/main" val="1501559015"/>
+        <p14:creationId xmlns:p14="http://schemas.microsoft.com/office/powerpoint/2010/main" val="488537728"/>
       </p:ext>
     </p:extLst>
   </p:cSld>
@@ -7596,7 +8154,13 @@
       </p:grpSpPr>
       <p:sp>
         <p:nvSpPr>
-          <p:cNvPr id="2" name="Title 1"/>
+          <p:cNvPr id="2" name="Title 1">
+            <a:extLst>
+              <a:ext uri="{FF2B5EF4-FFF2-40B4-BE49-F238E27FC236}">
+                <a16:creationId xmlns:a16="http://schemas.microsoft.com/office/drawing/2014/main" id="{768687A5-4061-93E5-DFB9-67F63FE9DE33}"/>
+              </a:ext>
+            </a:extLst>
+          </p:cNvPr>
           <p:cNvSpPr>
             <a:spLocks noGrp="1"/>
           </p:cNvSpPr>
@@ -7611,14 +8175,20 @@
           <a:p>
             <a:r>
               <a:rPr lang="en-US" dirty="0"/>
-              <a:t>Focus Language (continued)</a:t>
-            </a:r>
-          </a:p>
-        </p:txBody>
-      </p:sp>
-      <p:sp>
-        <p:nvSpPr>
-          <p:cNvPr id="3" name="Content Placeholder 2"/>
+              <a:t>Scala.js</a:t>
+            </a:r>
+          </a:p>
+        </p:txBody>
+      </p:sp>
+      <p:sp>
+        <p:nvSpPr>
+          <p:cNvPr id="3" name="Content Placeholder 2">
+            <a:extLst>
+              <a:ext uri="{FF2B5EF4-FFF2-40B4-BE49-F238E27FC236}">
+                <a16:creationId xmlns:a16="http://schemas.microsoft.com/office/drawing/2014/main" id="{F42395F2-0980-FFD7-F0F8-C9AD45F80853}"/>
+              </a:ext>
+            </a:extLst>
+          </p:cNvPr>
           <p:cNvSpPr>
             <a:spLocks noGrp="1"/>
           </p:cNvSpPr>
@@ -7633,55 +8203,64 @@
           <a:p>
             <a:r>
               <a:rPr lang="en-US" dirty="0"/>
-              <a:t>No language can illustrate all concepts</a:t>
+              <a:t>Scala.js compiles Scala to JavaScript</a:t>
             </a:r>
           </a:p>
           <a:p>
             <a:pPr lvl="1"/>
             <a:r>
               <a:rPr lang="en-US" dirty="0"/>
-              <a:t>Scala is not…</a:t>
+              <a:t>Allows web application front-end programming to be done in Scala.</a:t>
+            </a:r>
+          </a:p>
+          <a:p>
+            <a:pPr lvl="1"/>
+            <a:r>
+              <a:rPr lang="en-US" dirty="0"/>
+              <a:t>Allows Node.js back-end programming to be done in Scala.</a:t>
+            </a:r>
+          </a:p>
+          <a:p>
+            <a:r>
+              <a:rPr lang="en-US" dirty="0"/>
+              <a:t>Why?</a:t>
+            </a:r>
+          </a:p>
+          <a:p>
+            <a:pPr lvl="1"/>
+            <a:r>
+              <a:rPr lang="en-US" dirty="0"/>
+              <a:t>More powerful type system</a:t>
             </a:r>
           </a:p>
           <a:p>
             <a:pPr lvl="2"/>
             <a:r>
               <a:rPr lang="en-US" dirty="0"/>
-              <a:t>A dynamic language</a:t>
-            </a:r>
-          </a:p>
-          <a:p>
-            <a:pPr lvl="2"/>
-            <a:r>
-              <a:rPr lang="en-US" dirty="0"/>
-              <a:t>A logic language</a:t>
-            </a:r>
-          </a:p>
-          <a:p>
-            <a:pPr lvl="2"/>
-            <a:r>
-              <a:rPr lang="en-US" dirty="0"/>
-              <a:t>A systems or embedded language [some might disagree]</a:t>
-            </a:r>
-          </a:p>
-          <a:p>
-            <a:r>
-              <a:rPr lang="en-US" dirty="0"/>
-              <a:t>We will talk about these things as well</a:t>
+              <a:t>Certainly more than JavaScript, but also more than TypeScript</a:t>
             </a:r>
           </a:p>
           <a:p>
             <a:pPr lvl="1"/>
             <a:r>
               <a:rPr lang="en-US" dirty="0"/>
-              <a:t>This course is not “all Scala all the time.”</a:t>
-            </a:r>
-          </a:p>
-          <a:p>
-            <a:pPr lvl="2"/>
-            <a:r>
-              <a:rPr lang="en-US" dirty="0"/>
-              <a:t>… it is “mostly Scala most of the time.”</a:t>
+              <a:t>More coherent integration of OOP and functional programming</a:t>
+            </a:r>
+          </a:p>
+          <a:p>
+            <a:r>
+              <a:rPr lang="en-US" dirty="0"/>
+              <a:t>Website: </a:t>
+            </a:r>
+            <a:r>
+              <a:rPr lang="en-US" dirty="0">
+                <a:hlinkClick r:id="rId2"/>
+              </a:rPr>
+              <a:t>https://www.scala-js.org/</a:t>
+            </a:r>
+            <a:r>
+              <a:rPr lang="en-US" dirty="0"/>
+              <a:t> </a:t>
             </a:r>
           </a:p>
         </p:txBody>
@@ -7689,7 +8268,7 @@
     </p:spTree>
     <p:extLst>
       <p:ext uri="{BB962C8B-B14F-4D97-AF65-F5344CB8AC3E}">
-        <p14:creationId xmlns:p14="http://schemas.microsoft.com/office/powerpoint/2010/main" val="1685968970"/>
+        <p14:creationId xmlns:p14="http://schemas.microsoft.com/office/powerpoint/2010/main" val="606672773"/>
       </p:ext>
     </p:extLst>
   </p:cSld>
@@ -7718,7 +8297,13 @@
       </p:grpSpPr>
       <p:sp>
         <p:nvSpPr>
-          <p:cNvPr id="2" name="Title 1"/>
+          <p:cNvPr id="2" name="Title 1">
+            <a:extLst>
+              <a:ext uri="{FF2B5EF4-FFF2-40B4-BE49-F238E27FC236}">
+                <a16:creationId xmlns:a16="http://schemas.microsoft.com/office/drawing/2014/main" id="{9302130B-FA2E-C70B-E6D4-28282D02AD59}"/>
+              </a:ext>
+            </a:extLst>
+          </p:cNvPr>
           <p:cNvSpPr>
             <a:spLocks noGrp="1"/>
           </p:cNvSpPr>
@@ -7733,14 +8318,20 @@
           <a:p>
             <a:r>
               <a:rPr lang="en-US" dirty="0"/>
-              <a:t>Scala Targets JVM</a:t>
-            </a:r>
-          </a:p>
-        </p:txBody>
-      </p:sp>
-      <p:sp>
-        <p:nvSpPr>
-          <p:cNvPr id="3" name="Content Placeholder 2"/>
+              <a:t>Scala Native</a:t>
+            </a:r>
+          </a:p>
+        </p:txBody>
+      </p:sp>
+      <p:sp>
+        <p:nvSpPr>
+          <p:cNvPr id="3" name="Content Placeholder 2">
+            <a:extLst>
+              <a:ext uri="{FF2B5EF4-FFF2-40B4-BE49-F238E27FC236}">
+                <a16:creationId xmlns:a16="http://schemas.microsoft.com/office/drawing/2014/main" id="{48B9631B-F60D-BA99-22F2-63E64B1EB0DB}"/>
+              </a:ext>
+            </a:extLst>
+          </p:cNvPr>
           <p:cNvSpPr>
             <a:spLocks noGrp="1"/>
           </p:cNvSpPr>
@@ -7750,55 +8341,62 @@
         </p:nvSpPr>
         <p:spPr/>
         <p:txBody>
-          <a:bodyPr>
-            <a:normAutofit/>
-          </a:bodyPr>
-          <a:lstStyle/>
-          <a:p>
-            <a:r>
-              <a:rPr lang="en-US" i="1" dirty="0"/>
-              <a:t>Good</a:t>
+          <a:bodyPr/>
+          <a:lstStyle/>
+          <a:p>
+            <a:r>
+              <a:rPr lang="en-US" dirty="0"/>
+              <a:t>Scala Native is a Scala compiler that uses an LLVM backend to generate native code.</a:t>
             </a:r>
           </a:p>
           <a:p>
             <a:pPr lvl="1"/>
             <a:r>
               <a:rPr lang="en-US" dirty="0"/>
-              <a:t>Can access a huge collection of Java libraries</a:t>
+              <a:t>Does not depend on the JVM.</a:t>
             </a:r>
           </a:p>
           <a:p>
             <a:pPr lvl="1"/>
             <a:r>
               <a:rPr lang="en-US" dirty="0"/>
-              <a:t>Can take advantage of advanced Java technology</a:t>
+              <a:t>Does not suffer from JVM-related disadvantages.</a:t>
             </a:r>
           </a:p>
           <a:p>
             <a:pPr lvl="1"/>
             <a:r>
               <a:rPr lang="en-US" dirty="0"/>
-              <a:t>Can be deployed anywhere Java can</a:t>
-            </a:r>
-          </a:p>
-          <a:p>
-            <a:r>
-              <a:rPr lang="en-US" i="1" dirty="0"/>
-              <a:t>Bad</a:t>
+              <a:t>Contains extensions for low-level hardware access and C interfacing.</a:t>
+            </a:r>
+          </a:p>
+          <a:p>
+            <a:r>
+              <a:rPr lang="en-US" dirty="0"/>
+              <a:t>Scala Native makes Scala suitable for systems programming.</a:t>
             </a:r>
           </a:p>
           <a:p>
             <a:pPr lvl="1"/>
             <a:r>
               <a:rPr lang="en-US" dirty="0"/>
-              <a:t>Tied to the Java ecosystem</a:t>
-            </a:r>
-          </a:p>
-          <a:p>
-            <a:pPr lvl="1"/>
-            <a:r>
-              <a:rPr lang="en-US" dirty="0"/>
-              <a:t>Suffers disadvantages of any VM-based language</a:t>
+              <a:t>BUT… it is still immature.</a:t>
+            </a:r>
+          </a:p>
+          <a:p>
+            <a:r>
+              <a:rPr lang="en-US" dirty="0"/>
+              <a:t>Website: </a:t>
+            </a:r>
+            <a:r>
+              <a:rPr lang="en-US" dirty="0">
+                <a:hlinkClick r:id="rId2"/>
+              </a:rPr>
+              <a:t>https://scala-native.org/en/stable/</a:t>
+            </a:r>
+            <a:r>
+              <a:rPr lang="en-US" dirty="0"/>
+              <a:t> </a:t>
             </a:r>
           </a:p>
         </p:txBody>
@@ -7806,7 +8404,7 @@
     </p:spTree>
     <p:extLst>
       <p:ext uri="{BB962C8B-B14F-4D97-AF65-F5344CB8AC3E}">
-        <p14:creationId xmlns:p14="http://schemas.microsoft.com/office/powerpoint/2010/main" val="488537728"/>
+        <p14:creationId xmlns:p14="http://schemas.microsoft.com/office/powerpoint/2010/main" val="611930281"/>
       </p:ext>
     </p:extLst>
   </p:cSld>
@@ -7835,7 +8433,13 @@
       </p:grpSpPr>
       <p:sp>
         <p:nvSpPr>
-          <p:cNvPr id="3" name="Title 2"/>
+          <p:cNvPr id="2" name="Title 1">
+            <a:extLst>
+              <a:ext uri="{FF2B5EF4-FFF2-40B4-BE49-F238E27FC236}">
+                <a16:creationId xmlns:a16="http://schemas.microsoft.com/office/drawing/2014/main" id="{14E21E71-7B16-FBD3-E0E2-87CE4C8C3E6C}"/>
+              </a:ext>
+            </a:extLst>
+          </p:cNvPr>
           <p:cNvSpPr>
             <a:spLocks noGrp="1"/>
           </p:cNvSpPr>
@@ -7850,14 +8454,20 @@
           <a:p>
             <a:r>
               <a:rPr lang="en-US" dirty="0"/>
-              <a:t>Language Categories</a:t>
-            </a:r>
-          </a:p>
-        </p:txBody>
-      </p:sp>
-      <p:sp>
-        <p:nvSpPr>
-          <p:cNvPr id="4" name="Content Placeholder 3"/>
+              <a:t>Scala.NET?</a:t>
+            </a:r>
+          </a:p>
+        </p:txBody>
+      </p:sp>
+      <p:sp>
+        <p:nvSpPr>
+          <p:cNvPr id="3" name="Content Placeholder 2">
+            <a:extLst>
+              <a:ext uri="{FF2B5EF4-FFF2-40B4-BE49-F238E27FC236}">
+                <a16:creationId xmlns:a16="http://schemas.microsoft.com/office/drawing/2014/main" id="{9594C28F-CDF8-73BF-8ADE-BF80F8BB210A}"/>
+              </a:ext>
+            </a:extLst>
+          </p:cNvPr>
           <p:cNvSpPr>
             <a:spLocks noGrp="1"/>
           </p:cNvSpPr>
@@ -7867,72 +8477,49 @@
         </p:nvSpPr>
         <p:spPr/>
         <p:txBody>
-          <a:bodyPr>
-            <a:normAutofit fontScale="92500" lnSpcReduction="10000"/>
-          </a:bodyPr>
-          <a:lstStyle/>
-          <a:p>
-            <a:r>
-              <a:rPr lang="en-US" u="sng" dirty="0"/>
-              <a:t>Imperative</a:t>
-            </a:r>
-            <a:r>
-              <a:rPr lang="en-US" dirty="0"/>
-              <a:t> (also Object Oriented)</a:t>
+          <a:bodyPr/>
+          <a:lstStyle/>
+          <a:p>
+            <a:r>
+              <a:rPr lang="en-US" dirty="0"/>
+              <a:t>Scala.NET was an attempt to bring Scala to the Common Language Runtime (CLR) and .NET platform.</a:t>
+            </a:r>
+          </a:p>
+          <a:p>
+            <a:r>
+              <a:rPr lang="en-US" i="1" dirty="0"/>
+              <a:t>It is now a dead project</a:t>
+            </a:r>
+            <a:r>
+              <a:rPr lang="en-US" dirty="0"/>
+              <a:t>.</a:t>
+            </a:r>
+          </a:p>
+          <a:p>
+            <a:r>
+              <a:rPr lang="en-US" dirty="0"/>
+              <a:t>Why?</a:t>
             </a:r>
           </a:p>
           <a:p>
             <a:pPr lvl="1"/>
             <a:r>
               <a:rPr lang="en-US" dirty="0"/>
-              <a:t>Program is a sequence of commands (imperatives)</a:t>
+              <a:t>Technical complications integrating Scala’s type system onto the CLR.</a:t>
             </a:r>
           </a:p>
           <a:p>
             <a:pPr lvl="1"/>
             <a:r>
               <a:rPr lang="en-US" dirty="0"/>
-              <a:t>Each command modifies the state of memory</a:t>
-            </a:r>
-          </a:p>
-          <a:p>
-            <a:r>
-              <a:rPr lang="en-US" u="sng" dirty="0"/>
-              <a:t>Functional</a:t>
+              <a:t>Lack of interest in .NET in the Scala community (at the time).</a:t>
             </a:r>
           </a:p>
           <a:p>
             <a:pPr lvl="1"/>
             <a:r>
               <a:rPr lang="en-US" dirty="0"/>
-              <a:t>Program is a large expression that is evaluated</a:t>
-            </a:r>
-          </a:p>
-          <a:p>
-            <a:pPr lvl="1"/>
-            <a:r>
-              <a:rPr lang="en-US" dirty="0"/>
-              <a:t>All data is immutable (no state modified or side effects created during evaluation)</a:t>
-            </a:r>
-          </a:p>
-          <a:p>
-            <a:r>
-              <a:rPr lang="en-US" u="sng" dirty="0"/>
-              <a:t>Logic</a:t>
-            </a:r>
-          </a:p>
-          <a:p>
-            <a:pPr lvl="1"/>
-            <a:r>
-              <a:rPr lang="en-US" dirty="0"/>
-              <a:t>Program is a set of rules that describe the solution</a:t>
-            </a:r>
-          </a:p>
-          <a:p>
-            <a:pPr lvl="1"/>
-            <a:r>
-              <a:rPr lang="en-US" dirty="0"/>
-              <a:t>Program “execution” finds a result that obeys all the rules</a:t>
+              <a:t>Redirection of resources to Scala3, Scala.js, and Scala Native.</a:t>
             </a:r>
           </a:p>
         </p:txBody>
@@ -7940,7 +8527,7 @@
     </p:spTree>
     <p:extLst>
       <p:ext uri="{BB962C8B-B14F-4D97-AF65-F5344CB8AC3E}">
-        <p14:creationId xmlns:p14="http://schemas.microsoft.com/office/powerpoint/2010/main" val="297562541"/>
+        <p14:creationId xmlns:p14="http://schemas.microsoft.com/office/powerpoint/2010/main" val="891963185"/>
       </p:ext>
     </p:extLst>
   </p:cSld>
@@ -7969,7 +8556,7 @@
       </p:grpSpPr>
       <p:sp>
         <p:nvSpPr>
-          <p:cNvPr id="2" name="Title 1"/>
+          <p:cNvPr id="3" name="Title 2"/>
           <p:cNvSpPr>
             <a:spLocks noGrp="1"/>
           </p:cNvSpPr>
@@ -7984,349 +8571,89 @@
           <a:p>
             <a:r>
               <a:rPr lang="en-US" dirty="0"/>
-              <a:t>Scala is Imperative</a:t>
-            </a:r>
-          </a:p>
-        </p:txBody>
-      </p:sp>
-      <p:sp>
-        <p:nvSpPr>
-          <p:cNvPr id="3" name="TextBox 2"/>
-          <p:cNvSpPr txBox="1"/>
-          <p:nvPr/>
-        </p:nvSpPr>
-        <p:spPr>
-          <a:xfrm>
-            <a:off x="2819400" y="1447800"/>
-            <a:ext cx="6849952" cy="5047536"/>
-          </a:xfrm>
-          <a:prstGeom prst="rect">
-            <a:avLst/>
-          </a:prstGeom>
-          <a:noFill/>
-        </p:spPr>
-        <p:txBody>
-          <a:bodyPr wrap="none" rtlCol="0">
-            <a:spAutoFit/>
+              <a:t>Language Categories</a:t>
+            </a:r>
+          </a:p>
+        </p:txBody>
+      </p:sp>
+      <p:sp>
+        <p:nvSpPr>
+          <p:cNvPr id="4" name="Content Placeholder 3"/>
+          <p:cNvSpPr>
+            <a:spLocks noGrp="1"/>
+          </p:cNvSpPr>
+          <p:nvPr>
+            <p:ph idx="1"/>
+          </p:nvPr>
+        </p:nvSpPr>
+        <p:spPr/>
+        <p:txBody>
+          <a:bodyPr>
+            <a:normAutofit fontScale="92500" lnSpcReduction="10000"/>
           </a:bodyPr>
           <a:lstStyle/>
           <a:p>
             <a:r>
-              <a:rPr lang="en-US" dirty="0"/>
-              <a:t>  </a:t>
-            </a:r>
-            <a:r>
-              <a:rPr lang="en-US" sz="1600" b="1" dirty="0" err="1">
-                <a:latin typeface="Courier New" pitchFamily="49" charset="0"/>
-                <a:cs typeface="Courier New" pitchFamily="49" charset="0"/>
-              </a:rPr>
-              <a:t>def</a:t>
-            </a:r>
-            <a:r>
-              <a:rPr lang="en-US" sz="1600" dirty="0">
-                <a:latin typeface="Courier New" pitchFamily="49" charset="0"/>
-                <a:cs typeface="Courier New" pitchFamily="49" charset="0"/>
-              </a:rPr>
-              <a:t> sieve(max: </a:t>
-            </a:r>
-            <a:r>
-              <a:rPr lang="en-US" sz="1600" dirty="0" err="1">
-                <a:latin typeface="Courier New" pitchFamily="49" charset="0"/>
-                <a:cs typeface="Courier New" pitchFamily="49" charset="0"/>
-              </a:rPr>
-              <a:t>Int</a:t>
-            </a:r>
-            <a:r>
-              <a:rPr lang="en-US" sz="1600" dirty="0">
-                <a:latin typeface="Courier New" pitchFamily="49" charset="0"/>
-                <a:cs typeface="Courier New" pitchFamily="49" charset="0"/>
-              </a:rPr>
-              <a:t>): Array[Boolean] = {</a:t>
-            </a:r>
-          </a:p>
-          <a:p>
-            <a:endParaRPr lang="en-US" sz="1600" dirty="0">
-              <a:latin typeface="Courier New" pitchFamily="49" charset="0"/>
-              <a:cs typeface="Courier New" pitchFamily="49" charset="0"/>
-            </a:endParaRPr>
-          </a:p>
-          <a:p>
-            <a:r>
-              <a:rPr lang="en-US" sz="1600" dirty="0">
-                <a:latin typeface="Courier New" pitchFamily="49" charset="0"/>
-                <a:cs typeface="Courier New" pitchFamily="49" charset="0"/>
-              </a:rPr>
-              <a:t>    // Create and initialize the array.</a:t>
-            </a:r>
-          </a:p>
-          <a:p>
-            <a:r>
-              <a:rPr lang="en-US" sz="1600" dirty="0">
-                <a:latin typeface="Courier New" pitchFamily="49" charset="0"/>
-                <a:cs typeface="Courier New" pitchFamily="49" charset="0"/>
-              </a:rPr>
-              <a:t>    </a:t>
-            </a:r>
-            <a:r>
-              <a:rPr lang="en-US" sz="1600" b="1" dirty="0" err="1">
-                <a:latin typeface="Courier New" pitchFamily="49" charset="0"/>
-                <a:cs typeface="Courier New" pitchFamily="49" charset="0"/>
-              </a:rPr>
-              <a:t>val</a:t>
-            </a:r>
-            <a:r>
-              <a:rPr lang="en-US" sz="1600" dirty="0">
-                <a:latin typeface="Courier New" pitchFamily="49" charset="0"/>
-                <a:cs typeface="Courier New" pitchFamily="49" charset="0"/>
-              </a:rPr>
-              <a:t> flags = </a:t>
-            </a:r>
-            <a:r>
-              <a:rPr lang="en-US" sz="1600" b="1" dirty="0">
-                <a:latin typeface="Courier New" pitchFamily="49" charset="0"/>
-                <a:cs typeface="Courier New" pitchFamily="49" charset="0"/>
-              </a:rPr>
-              <a:t>new</a:t>
-            </a:r>
-            <a:r>
-              <a:rPr lang="en-US" sz="1600" dirty="0">
-                <a:latin typeface="Courier New" pitchFamily="49" charset="0"/>
-                <a:cs typeface="Courier New" pitchFamily="49" charset="0"/>
-              </a:rPr>
-              <a:t> Array[Boolean](max)</a:t>
-            </a:r>
-          </a:p>
-          <a:p>
-            <a:r>
-              <a:rPr lang="en-US" sz="1600" dirty="0">
-                <a:latin typeface="Courier New" pitchFamily="49" charset="0"/>
-                <a:cs typeface="Courier New" pitchFamily="49" charset="0"/>
-              </a:rPr>
-              <a:t>    </a:t>
-            </a:r>
-            <a:r>
-              <a:rPr lang="en-US" sz="1600" b="1" dirty="0">
-                <a:latin typeface="Courier New" pitchFamily="49" charset="0"/>
-                <a:cs typeface="Courier New" pitchFamily="49" charset="0"/>
-              </a:rPr>
-              <a:t>for</a:t>
-            </a:r>
-            <a:r>
-              <a:rPr lang="en-US" sz="1600" dirty="0">
-                <a:latin typeface="Courier New" pitchFamily="49" charset="0"/>
-                <a:cs typeface="Courier New" pitchFamily="49" charset="0"/>
-              </a:rPr>
-              <a:t> (i &lt;- 0 until max) flags(i) = </a:t>
-            </a:r>
-            <a:r>
-              <a:rPr lang="en-US" sz="1600" b="1" dirty="0">
-                <a:latin typeface="Courier New" pitchFamily="49" charset="0"/>
-                <a:cs typeface="Courier New" pitchFamily="49" charset="0"/>
-              </a:rPr>
-              <a:t>true</a:t>
-            </a:r>
-          </a:p>
-          <a:p>
-            <a:endParaRPr lang="en-US" sz="1600" dirty="0">
-              <a:latin typeface="Courier New" pitchFamily="49" charset="0"/>
-              <a:cs typeface="Courier New" pitchFamily="49" charset="0"/>
-            </a:endParaRPr>
-          </a:p>
-          <a:p>
-            <a:r>
-              <a:rPr lang="en-US" sz="1600" dirty="0">
-                <a:latin typeface="Courier New" pitchFamily="49" charset="0"/>
-                <a:cs typeface="Courier New" pitchFamily="49" charset="0"/>
-              </a:rPr>
-              <a:t>    // Zero and one are not prime.</a:t>
-            </a:r>
-          </a:p>
-          <a:p>
-            <a:r>
-              <a:rPr lang="en-US" sz="1600" dirty="0">
-                <a:latin typeface="Courier New" pitchFamily="49" charset="0"/>
-                <a:cs typeface="Courier New" pitchFamily="49" charset="0"/>
-              </a:rPr>
-              <a:t>    flags(0) = </a:t>
-            </a:r>
-            <a:r>
-              <a:rPr lang="en-US" sz="1600" b="1" dirty="0">
-                <a:latin typeface="Courier New" pitchFamily="49" charset="0"/>
-                <a:cs typeface="Courier New" pitchFamily="49" charset="0"/>
-              </a:rPr>
-              <a:t>false</a:t>
-            </a:r>
-          </a:p>
-          <a:p>
-            <a:r>
-              <a:rPr lang="en-US" sz="1600" dirty="0">
-                <a:latin typeface="Courier New" pitchFamily="49" charset="0"/>
-                <a:cs typeface="Courier New" pitchFamily="49" charset="0"/>
-              </a:rPr>
-              <a:t>    flags(1) = </a:t>
-            </a:r>
-            <a:r>
-              <a:rPr lang="en-US" sz="1600" b="1" dirty="0">
-                <a:latin typeface="Courier New" pitchFamily="49" charset="0"/>
-                <a:cs typeface="Courier New" pitchFamily="49" charset="0"/>
-              </a:rPr>
-              <a:t>false</a:t>
-            </a:r>
-          </a:p>
-          <a:p>
-            <a:endParaRPr lang="en-US" sz="1600" dirty="0">
-              <a:latin typeface="Courier New" pitchFamily="49" charset="0"/>
-              <a:cs typeface="Courier New" pitchFamily="49" charset="0"/>
-            </a:endParaRPr>
-          </a:p>
-          <a:p>
-            <a:r>
-              <a:rPr lang="en-US" sz="1600" dirty="0">
-                <a:latin typeface="Courier New" pitchFamily="49" charset="0"/>
-                <a:cs typeface="Courier New" pitchFamily="49" charset="0"/>
-              </a:rPr>
-              <a:t>    // Sieve off the non-primes.</a:t>
-            </a:r>
-          </a:p>
-          <a:p>
-            <a:r>
-              <a:rPr lang="en-US" sz="1600" dirty="0">
-                <a:latin typeface="Courier New" pitchFamily="49" charset="0"/>
-                <a:cs typeface="Courier New" pitchFamily="49" charset="0"/>
-              </a:rPr>
-              <a:t>    </a:t>
-            </a:r>
-            <a:r>
-              <a:rPr lang="en-US" sz="1600" b="1" dirty="0">
-                <a:latin typeface="Courier New" pitchFamily="49" charset="0"/>
-                <a:cs typeface="Courier New" pitchFamily="49" charset="0"/>
-              </a:rPr>
-              <a:t>for</a:t>
-            </a:r>
-            <a:r>
-              <a:rPr lang="en-US" sz="1600" dirty="0">
-                <a:latin typeface="Courier New" pitchFamily="49" charset="0"/>
-                <a:cs typeface="Courier New" pitchFamily="49" charset="0"/>
-              </a:rPr>
-              <a:t> (i &lt;- 2 until max) {</a:t>
-            </a:r>
-          </a:p>
-          <a:p>
-            <a:r>
-              <a:rPr lang="en-US" sz="1600" dirty="0">
-                <a:latin typeface="Courier New" pitchFamily="49" charset="0"/>
-                <a:cs typeface="Courier New" pitchFamily="49" charset="0"/>
-              </a:rPr>
-              <a:t>      </a:t>
-            </a:r>
-            <a:r>
-              <a:rPr lang="en-US" sz="1600" b="1" dirty="0">
-                <a:latin typeface="Courier New" pitchFamily="49" charset="0"/>
-                <a:cs typeface="Courier New" pitchFamily="49" charset="0"/>
-              </a:rPr>
-              <a:t>if</a:t>
-            </a:r>
-            <a:r>
-              <a:rPr lang="en-US" sz="1600" dirty="0">
-                <a:latin typeface="Courier New" pitchFamily="49" charset="0"/>
-                <a:cs typeface="Courier New" pitchFamily="49" charset="0"/>
-              </a:rPr>
-              <a:t> (flags(i) == </a:t>
-            </a:r>
-            <a:r>
-              <a:rPr lang="en-US" sz="1600" b="1" dirty="0">
-                <a:latin typeface="Courier New" pitchFamily="49" charset="0"/>
-                <a:cs typeface="Courier New" pitchFamily="49" charset="0"/>
-              </a:rPr>
-              <a:t>true</a:t>
-            </a:r>
-            <a:r>
-              <a:rPr lang="en-US" sz="1600" dirty="0">
-                <a:latin typeface="Courier New" pitchFamily="49" charset="0"/>
-                <a:cs typeface="Courier New" pitchFamily="49" charset="0"/>
-              </a:rPr>
-              <a:t>) {</a:t>
-            </a:r>
-          </a:p>
-          <a:p>
-            <a:r>
-              <a:rPr lang="en-US" sz="1600" dirty="0">
-                <a:latin typeface="Courier New" pitchFamily="49" charset="0"/>
-                <a:cs typeface="Courier New" pitchFamily="49" charset="0"/>
-              </a:rPr>
-              <a:t>        </a:t>
-            </a:r>
-            <a:r>
-              <a:rPr lang="en-US" sz="1600" b="1" dirty="0">
-                <a:latin typeface="Courier New" pitchFamily="49" charset="0"/>
-                <a:cs typeface="Courier New" pitchFamily="49" charset="0"/>
-              </a:rPr>
-              <a:t>for</a:t>
-            </a:r>
-            <a:r>
-              <a:rPr lang="en-US" sz="1600" dirty="0">
-                <a:latin typeface="Courier New" pitchFamily="49" charset="0"/>
-                <a:cs typeface="Courier New" pitchFamily="49" charset="0"/>
-              </a:rPr>
-              <a:t> (j &lt;- 2*i until max by i) flags(j) = </a:t>
-            </a:r>
-            <a:r>
-              <a:rPr lang="en-US" sz="1600" b="1" dirty="0">
-                <a:latin typeface="Courier New" pitchFamily="49" charset="0"/>
-                <a:cs typeface="Courier New" pitchFamily="49" charset="0"/>
-              </a:rPr>
-              <a:t>false</a:t>
-            </a:r>
-          </a:p>
-          <a:p>
-            <a:r>
-              <a:rPr lang="en-US" sz="1600" dirty="0">
-                <a:latin typeface="Courier New" pitchFamily="49" charset="0"/>
-                <a:cs typeface="Courier New" pitchFamily="49" charset="0"/>
-              </a:rPr>
-              <a:t>      }</a:t>
-            </a:r>
-          </a:p>
-          <a:p>
-            <a:r>
-              <a:rPr lang="en-US" sz="1600" dirty="0">
-                <a:latin typeface="Courier New" pitchFamily="49" charset="0"/>
-                <a:cs typeface="Courier New" pitchFamily="49" charset="0"/>
-              </a:rPr>
-              <a:t>    }</a:t>
-            </a:r>
-          </a:p>
-          <a:p>
-            <a:endParaRPr lang="en-US" sz="1600" dirty="0">
-              <a:latin typeface="Courier New" pitchFamily="49" charset="0"/>
-              <a:cs typeface="Courier New" pitchFamily="49" charset="0"/>
-            </a:endParaRPr>
-          </a:p>
-          <a:p>
-            <a:r>
-              <a:rPr lang="en-US" sz="1600" dirty="0">
-                <a:latin typeface="Courier New" pitchFamily="49" charset="0"/>
-                <a:cs typeface="Courier New" pitchFamily="49" charset="0"/>
-              </a:rPr>
-              <a:t>    // Return the result.</a:t>
-            </a:r>
-          </a:p>
-          <a:p>
-            <a:r>
-              <a:rPr lang="en-US" sz="1600" dirty="0">
-                <a:latin typeface="Courier New" pitchFamily="49" charset="0"/>
-                <a:cs typeface="Courier New" pitchFamily="49" charset="0"/>
-              </a:rPr>
-              <a:t>    flags</a:t>
-            </a:r>
-          </a:p>
-          <a:p>
-            <a:r>
-              <a:rPr lang="en-US" sz="1600" dirty="0">
-                <a:latin typeface="Courier New" pitchFamily="49" charset="0"/>
-                <a:cs typeface="Courier New" pitchFamily="49" charset="0"/>
-              </a:rPr>
-              <a:t>  }</a:t>
+              <a:rPr lang="en-US" u="sng" dirty="0"/>
+              <a:t>Imperative</a:t>
+            </a:r>
+            <a:r>
+              <a:rPr lang="en-US" dirty="0"/>
+              <a:t> (also Object Oriented)</a:t>
+            </a:r>
+          </a:p>
+          <a:p>
+            <a:pPr lvl="1"/>
+            <a:r>
+              <a:rPr lang="en-US" dirty="0"/>
+              <a:t>Program is a sequence of commands (imperatives)</a:t>
+            </a:r>
+          </a:p>
+          <a:p>
+            <a:pPr lvl="1"/>
+            <a:r>
+              <a:rPr lang="en-US" dirty="0"/>
+              <a:t>Each command modifies the state of memory</a:t>
+            </a:r>
+          </a:p>
+          <a:p>
+            <a:r>
+              <a:rPr lang="en-US" u="sng" dirty="0"/>
+              <a:t>Functional</a:t>
+            </a:r>
+          </a:p>
+          <a:p>
+            <a:pPr lvl="1"/>
+            <a:r>
+              <a:rPr lang="en-US" dirty="0"/>
+              <a:t>Program is a large expression that is evaluated</a:t>
+            </a:r>
+          </a:p>
+          <a:p>
+            <a:pPr lvl="1"/>
+            <a:r>
+              <a:rPr lang="en-US" dirty="0"/>
+              <a:t>All data is immutable (no state modified or side effects created during evaluation)</a:t>
+            </a:r>
+          </a:p>
+          <a:p>
+            <a:r>
+              <a:rPr lang="en-US" u="sng" dirty="0"/>
+              <a:t>Logic</a:t>
+            </a:r>
+          </a:p>
+          <a:p>
+            <a:pPr lvl="1"/>
+            <a:r>
+              <a:rPr lang="en-US" dirty="0"/>
+              <a:t>Program is a set of rules that describe the solution</a:t>
+            </a:r>
+          </a:p>
+          <a:p>
+            <a:pPr lvl="1"/>
+            <a:r>
+              <a:rPr lang="en-US" dirty="0"/>
+              <a:t>Program “execution” finds a result that obeys all the rules</a:t>
             </a:r>
           </a:p>
         </p:txBody>
@@ -8334,7 +8661,7 @@
     </p:spTree>
     <p:extLst>
       <p:ext uri="{BB962C8B-B14F-4D97-AF65-F5344CB8AC3E}">
-        <p14:creationId xmlns:p14="http://schemas.microsoft.com/office/powerpoint/2010/main" val="2363170574"/>
+        <p14:creationId xmlns:p14="http://schemas.microsoft.com/office/powerpoint/2010/main" val="297562541"/>
       </p:ext>
     </p:extLst>
   </p:cSld>
@@ -8378,7 +8705,7 @@
           <a:p>
             <a:r>
               <a:rPr lang="en-US" dirty="0"/>
-              <a:t>Scala is Object Oriented</a:t>
+              <a:t>Scala is Imperative</a:t>
             </a:r>
           </a:p>
         </p:txBody>
@@ -8391,8 +8718,8 @@
         </p:nvSpPr>
         <p:spPr>
           <a:xfrm>
-            <a:off x="2209800" y="1600201"/>
-            <a:ext cx="7837402" cy="4770537"/>
+            <a:off x="2671024" y="1417638"/>
+            <a:ext cx="6849952" cy="5047536"/>
           </a:xfrm>
           <a:prstGeom prst="rect">
             <a:avLst/>
@@ -8406,49 +8733,7 @@
           <a:lstStyle/>
           <a:p>
             <a:r>
-              <a:rPr lang="en-US" sz="1600" dirty="0">
-                <a:latin typeface="Courier New" pitchFamily="49" charset="0"/>
-                <a:cs typeface="Courier New" pitchFamily="49" charset="0"/>
-              </a:rPr>
-              <a:t>// Abstract superclass describes all animals.</a:t>
-            </a:r>
-          </a:p>
-          <a:p>
-            <a:r>
-              <a:rPr lang="en-US" sz="1600" b="1" dirty="0">
-                <a:latin typeface="Courier New" pitchFamily="49" charset="0"/>
-                <a:cs typeface="Courier New" pitchFamily="49" charset="0"/>
-              </a:rPr>
-              <a:t>abstract</a:t>
-            </a:r>
-            <a:r>
-              <a:rPr lang="en-US" sz="1600" dirty="0">
-                <a:latin typeface="Courier New" pitchFamily="49" charset="0"/>
-                <a:cs typeface="Courier New" pitchFamily="49" charset="0"/>
-              </a:rPr>
-              <a:t> </a:t>
-            </a:r>
-            <a:r>
-              <a:rPr lang="en-US" sz="1600" b="1" dirty="0">
-                <a:latin typeface="Courier New" pitchFamily="49" charset="0"/>
-                <a:cs typeface="Courier New" pitchFamily="49" charset="0"/>
-              </a:rPr>
-              <a:t>class</a:t>
-            </a:r>
-            <a:r>
-              <a:rPr lang="en-US" sz="1600" dirty="0">
-                <a:latin typeface="Courier New" pitchFamily="49" charset="0"/>
-                <a:cs typeface="Courier New" pitchFamily="49" charset="0"/>
-              </a:rPr>
-              <a:t> Animal {</a:t>
-            </a:r>
-          </a:p>
-          <a:p>
-            <a:r>
-              <a:rPr lang="en-US" sz="1600" dirty="0">
-                <a:latin typeface="Courier New" pitchFamily="49" charset="0"/>
-                <a:cs typeface="Courier New" pitchFamily="49" charset="0"/>
-              </a:rPr>
+              <a:rPr lang="en-US" dirty="0"/>
               <a:t>  </a:t>
             </a:r>
             <a:r>
@@ -8463,16 +8748,21 @@
                 <a:latin typeface="Courier New" pitchFamily="49" charset="0"/>
                 <a:cs typeface="Courier New" pitchFamily="49" charset="0"/>
               </a:rPr>
-              <a:t> weight: Double</a:t>
-            </a:r>
-          </a:p>
-          <a:p>
-            <a:r>
-              <a:rPr lang="en-US" sz="1600" dirty="0">
-                <a:latin typeface="Courier New" pitchFamily="49" charset="0"/>
-                <a:cs typeface="Courier New" pitchFamily="49" charset="0"/>
-              </a:rPr>
-              <a:t>}</a:t>
+              <a:t> sieve(max: </a:t>
+            </a:r>
+            <a:r>
+              <a:rPr lang="en-US" sz="1600" dirty="0" err="1">
+                <a:latin typeface="Courier New" pitchFamily="49" charset="0"/>
+                <a:cs typeface="Courier New" pitchFamily="49" charset="0"/>
+              </a:rPr>
+              <a:t>Int</a:t>
+            </a:r>
+            <a:r>
+              <a:rPr lang="en-US" sz="1600" dirty="0">
+                <a:latin typeface="Courier New" pitchFamily="49" charset="0"/>
+                <a:cs typeface="Courier New" pitchFamily="49" charset="0"/>
+              </a:rPr>
+              <a:t>): Array[Boolean] = {</a:t>
             </a:r>
           </a:p>
           <a:p>
@@ -8487,102 +8777,124 @@
                 <a:latin typeface="Courier New" pitchFamily="49" charset="0"/>
                 <a:cs typeface="Courier New" pitchFamily="49" charset="0"/>
               </a:rPr>
-              <a:t>// Subclass representing cats. Overrides abstract methods.</a:t>
-            </a:r>
-          </a:p>
-          <a:p>
+              <a:t>    // Create and initialize the array.</a:t>
+            </a:r>
+          </a:p>
+          <a:p>
+            <a:r>
+              <a:rPr lang="en-US" sz="1600" dirty="0">
+                <a:latin typeface="Courier New" pitchFamily="49" charset="0"/>
+                <a:cs typeface="Courier New" pitchFamily="49" charset="0"/>
+              </a:rPr>
+              <a:t>    </a:t>
+            </a:r>
+            <a:r>
+              <a:rPr lang="en-US" sz="1600" b="1" dirty="0" err="1">
+                <a:latin typeface="Courier New" pitchFamily="49" charset="0"/>
+                <a:cs typeface="Courier New" pitchFamily="49" charset="0"/>
+              </a:rPr>
+              <a:t>val</a:t>
+            </a:r>
+            <a:r>
+              <a:rPr lang="en-US" sz="1600" dirty="0">
+                <a:latin typeface="Courier New" pitchFamily="49" charset="0"/>
+                <a:cs typeface="Courier New" pitchFamily="49" charset="0"/>
+              </a:rPr>
+              <a:t> flags = </a:t>
+            </a:r>
             <a:r>
               <a:rPr lang="en-US" sz="1600" b="1" dirty="0">
                 <a:latin typeface="Courier New" pitchFamily="49" charset="0"/>
                 <a:cs typeface="Courier New" pitchFamily="49" charset="0"/>
               </a:rPr>
-              <a:t>class</a:t>
-            </a:r>
-            <a:r>
-              <a:rPr lang="en-US" sz="1600" dirty="0">
-                <a:latin typeface="Courier New" pitchFamily="49" charset="0"/>
-                <a:cs typeface="Courier New" pitchFamily="49" charset="0"/>
-              </a:rPr>
-              <a:t> Cat(w: Double) </a:t>
+              <a:t>new</a:t>
+            </a:r>
+            <a:r>
+              <a:rPr lang="en-US" sz="1600" dirty="0">
+                <a:latin typeface="Courier New" pitchFamily="49" charset="0"/>
+                <a:cs typeface="Courier New" pitchFamily="49" charset="0"/>
+              </a:rPr>
+              <a:t> Array[Boolean](max)</a:t>
+            </a:r>
+          </a:p>
+          <a:p>
+            <a:r>
+              <a:rPr lang="en-US" sz="1600" dirty="0">
+                <a:latin typeface="Courier New" pitchFamily="49" charset="0"/>
+                <a:cs typeface="Courier New" pitchFamily="49" charset="0"/>
+              </a:rPr>
+              <a:t>    </a:t>
             </a:r>
             <a:r>
               <a:rPr lang="en-US" sz="1600" b="1" dirty="0">
                 <a:latin typeface="Courier New" pitchFamily="49" charset="0"/>
                 <a:cs typeface="Courier New" pitchFamily="49" charset="0"/>
               </a:rPr>
-              <a:t>extends</a:t>
-            </a:r>
-            <a:r>
-              <a:rPr lang="en-US" sz="1600" dirty="0">
-                <a:latin typeface="Courier New" pitchFamily="49" charset="0"/>
-                <a:cs typeface="Courier New" pitchFamily="49" charset="0"/>
-              </a:rPr>
-              <a:t> Animal {</a:t>
-            </a:r>
-          </a:p>
-          <a:p>
-            <a:r>
-              <a:rPr lang="en-US" sz="1600" dirty="0">
-                <a:latin typeface="Courier New" pitchFamily="49" charset="0"/>
-                <a:cs typeface="Courier New" pitchFamily="49" charset="0"/>
-              </a:rPr>
-              <a:t>  </a:t>
+              <a:t>for</a:t>
+            </a:r>
+            <a:r>
+              <a:rPr lang="en-US" sz="1600" dirty="0">
+                <a:latin typeface="Courier New" pitchFamily="49" charset="0"/>
+                <a:cs typeface="Courier New" pitchFamily="49" charset="0"/>
+              </a:rPr>
+              <a:t> (i &lt;- 0 until max) flags(i) = </a:t>
             </a:r>
             <a:r>
               <a:rPr lang="en-US" sz="1600" b="1" dirty="0">
                 <a:latin typeface="Courier New" pitchFamily="49" charset="0"/>
                 <a:cs typeface="Courier New" pitchFamily="49" charset="0"/>
               </a:rPr>
-              <a:t>if</a:t>
-            </a:r>
-            <a:r>
-              <a:rPr lang="en-US" sz="1600" dirty="0">
-                <a:latin typeface="Courier New" pitchFamily="49" charset="0"/>
-                <a:cs typeface="Courier New" pitchFamily="49" charset="0"/>
-              </a:rPr>
-              <a:t> (w &lt; 0.0) </a:t>
-            </a:r>
-            <a:r>
-              <a:rPr lang="en-US" sz="1600" b="1" dirty="0">
-                <a:latin typeface="Courier New" pitchFamily="49" charset="0"/>
-                <a:cs typeface="Courier New" pitchFamily="49" charset="0"/>
-              </a:rPr>
-              <a:t>throw</a:t>
-            </a:r>
-            <a:r>
-              <a:rPr lang="en-US" sz="1600" dirty="0">
-                <a:latin typeface="Courier New" pitchFamily="49" charset="0"/>
-                <a:cs typeface="Courier New" pitchFamily="49" charset="0"/>
-              </a:rPr>
-              <a:t> </a:t>
-            </a:r>
-            <a:r>
-              <a:rPr lang="en-US" sz="1600" b="1" dirty="0">
-                <a:latin typeface="Courier New" pitchFamily="49" charset="0"/>
-                <a:cs typeface="Courier New" pitchFamily="49" charset="0"/>
-              </a:rPr>
-              <a:t>new</a:t>
-            </a:r>
-            <a:r>
-              <a:rPr lang="en-US" sz="1600" dirty="0">
-                <a:latin typeface="Courier New" pitchFamily="49" charset="0"/>
-                <a:cs typeface="Courier New" pitchFamily="49" charset="0"/>
-              </a:rPr>
-              <a:t> </a:t>
-            </a:r>
-            <a:r>
-              <a:rPr lang="en-US" sz="1600" dirty="0" err="1">
-                <a:latin typeface="Courier New" pitchFamily="49" charset="0"/>
-                <a:cs typeface="Courier New" pitchFamily="49" charset="0"/>
-              </a:rPr>
-              <a:t>BadWeightException</a:t>
-            </a:r>
+              <a:t>true</a:t>
+            </a:r>
+          </a:p>
+          <a:p>
             <a:endParaRPr lang="en-US" sz="1600" dirty="0">
               <a:latin typeface="Courier New" pitchFamily="49" charset="0"/>
               <a:cs typeface="Courier New" pitchFamily="49" charset="0"/>
             </a:endParaRPr>
           </a:p>
           <a:p>
+            <a:r>
+              <a:rPr lang="en-US" sz="1600" dirty="0">
+                <a:latin typeface="Courier New" pitchFamily="49" charset="0"/>
+                <a:cs typeface="Courier New" pitchFamily="49" charset="0"/>
+              </a:rPr>
+              <a:t>    // Zero and one are not prime.</a:t>
+            </a:r>
+          </a:p>
+          <a:p>
+            <a:r>
+              <a:rPr lang="en-US" sz="1600" dirty="0">
+                <a:latin typeface="Courier New" pitchFamily="49" charset="0"/>
+                <a:cs typeface="Courier New" pitchFamily="49" charset="0"/>
+              </a:rPr>
+              <a:t>    flags(0) = </a:t>
+            </a:r>
+            <a:r>
+              <a:rPr lang="en-US" sz="1600" b="1" dirty="0">
+                <a:latin typeface="Courier New" pitchFamily="49" charset="0"/>
+                <a:cs typeface="Courier New" pitchFamily="49" charset="0"/>
+              </a:rPr>
+              <a:t>false</a:t>
+            </a:r>
+          </a:p>
+          <a:p>
+            <a:r>
+              <a:rPr lang="en-US" sz="1600" dirty="0">
+                <a:latin typeface="Courier New" pitchFamily="49" charset="0"/>
+                <a:cs typeface="Courier New" pitchFamily="49" charset="0"/>
+              </a:rPr>
+              <a:t>    flags(1) = </a:t>
+            </a:r>
+            <a:r>
+              <a:rPr lang="en-US" sz="1600" b="1" dirty="0">
+                <a:latin typeface="Courier New" pitchFamily="49" charset="0"/>
+                <a:cs typeface="Courier New" pitchFamily="49" charset="0"/>
+              </a:rPr>
+              <a:t>false</a:t>
+            </a:r>
+          </a:p>
+          <a:p>
             <a:endParaRPr lang="en-US" sz="1600" dirty="0">
               <a:latin typeface="Courier New" pitchFamily="49" charset="0"/>
               <a:cs typeface="Courier New" pitchFamily="49" charset="0"/>
@@ -8594,30 +8906,101 @@
                 <a:latin typeface="Courier New" pitchFamily="49" charset="0"/>
                 <a:cs typeface="Courier New" pitchFamily="49" charset="0"/>
               </a:rPr>
-              <a:t>  </a:t>
-            </a:r>
-            <a:r>
-              <a:rPr lang="en-US" sz="1600" b="1" dirty="0" err="1">
-                <a:latin typeface="Courier New" pitchFamily="49" charset="0"/>
-                <a:cs typeface="Courier New" pitchFamily="49" charset="0"/>
-              </a:rPr>
-              <a:t>def</a:t>
-            </a:r>
-            <a:r>
-              <a:rPr lang="en-US" sz="1600" dirty="0">
-                <a:latin typeface="Courier New" pitchFamily="49" charset="0"/>
-                <a:cs typeface="Courier New" pitchFamily="49" charset="0"/>
-              </a:rPr>
-              <a:t> weight = w</a:t>
-            </a:r>
-          </a:p>
-          <a:p>
-            <a:r>
-              <a:rPr lang="en-US" sz="1600" dirty="0">
-                <a:latin typeface="Courier New" pitchFamily="49" charset="0"/>
-                <a:cs typeface="Courier New" pitchFamily="49" charset="0"/>
-              </a:rPr>
-              <a:t>}</a:t>
+              <a:t>    // Sieve off the non-primes.</a:t>
+            </a:r>
+          </a:p>
+          <a:p>
+            <a:r>
+              <a:rPr lang="en-US" sz="1600" dirty="0">
+                <a:latin typeface="Courier New" pitchFamily="49" charset="0"/>
+                <a:cs typeface="Courier New" pitchFamily="49" charset="0"/>
+              </a:rPr>
+              <a:t>    </a:t>
+            </a:r>
+            <a:r>
+              <a:rPr lang="en-US" sz="1600" b="1" dirty="0">
+                <a:latin typeface="Courier New" pitchFamily="49" charset="0"/>
+                <a:cs typeface="Courier New" pitchFamily="49" charset="0"/>
+              </a:rPr>
+              <a:t>for</a:t>
+            </a:r>
+            <a:r>
+              <a:rPr lang="en-US" sz="1600" dirty="0">
+                <a:latin typeface="Courier New" pitchFamily="49" charset="0"/>
+                <a:cs typeface="Courier New" pitchFamily="49" charset="0"/>
+              </a:rPr>
+              <a:t> (i &lt;- 2 until max) {</a:t>
+            </a:r>
+          </a:p>
+          <a:p>
+            <a:r>
+              <a:rPr lang="en-US" sz="1600" dirty="0">
+                <a:latin typeface="Courier New" pitchFamily="49" charset="0"/>
+                <a:cs typeface="Courier New" pitchFamily="49" charset="0"/>
+              </a:rPr>
+              <a:t>      </a:t>
+            </a:r>
+            <a:r>
+              <a:rPr lang="en-US" sz="1600" b="1" dirty="0">
+                <a:latin typeface="Courier New" pitchFamily="49" charset="0"/>
+                <a:cs typeface="Courier New" pitchFamily="49" charset="0"/>
+              </a:rPr>
+              <a:t>if</a:t>
+            </a:r>
+            <a:r>
+              <a:rPr lang="en-US" sz="1600" dirty="0">
+                <a:latin typeface="Courier New" pitchFamily="49" charset="0"/>
+                <a:cs typeface="Courier New" pitchFamily="49" charset="0"/>
+              </a:rPr>
+              <a:t> (flags(i)) {</a:t>
+            </a:r>
+          </a:p>
+          <a:p>
+            <a:r>
+              <a:rPr lang="en-US" sz="1600" dirty="0">
+                <a:latin typeface="Courier New" pitchFamily="49" charset="0"/>
+                <a:cs typeface="Courier New" pitchFamily="49" charset="0"/>
+              </a:rPr>
+              <a:t>        </a:t>
+            </a:r>
+            <a:r>
+              <a:rPr lang="en-US" sz="1600" b="1" dirty="0">
+                <a:latin typeface="Courier New" pitchFamily="49" charset="0"/>
+                <a:cs typeface="Courier New" pitchFamily="49" charset="0"/>
+              </a:rPr>
+              <a:t>for</a:t>
+            </a:r>
+            <a:r>
+              <a:rPr lang="en-US" sz="1600" dirty="0">
+                <a:latin typeface="Courier New" pitchFamily="49" charset="0"/>
+                <a:cs typeface="Courier New" pitchFamily="49" charset="0"/>
+              </a:rPr>
+              <a:t> (j &lt;- 2*i until max by i) flags(j) = </a:t>
+            </a:r>
+            <a:r>
+              <a:rPr lang="en-US" sz="1600" b="1" dirty="0">
+                <a:latin typeface="Courier New" pitchFamily="49" charset="0"/>
+                <a:cs typeface="Courier New" pitchFamily="49" charset="0"/>
+              </a:rPr>
+              <a:t>false</a:t>
+            </a:r>
+          </a:p>
+          <a:p>
+            <a:r>
+              <a:rPr lang="en-US" sz="1600" dirty="0">
+                <a:latin typeface="Courier New" pitchFamily="49" charset="0"/>
+                <a:cs typeface="Courier New" pitchFamily="49" charset="0"/>
+              </a:rPr>
+              <a:t>      }</a:t>
+            </a:r>
+          </a:p>
+          <a:p>
+            <a:r>
+              <a:rPr lang="en-US" sz="1600" dirty="0">
+                <a:latin typeface="Courier New" pitchFamily="49" charset="0"/>
+                <a:cs typeface="Courier New" pitchFamily="49" charset="0"/>
+              </a:rPr>
+              <a:t>    }</a:t>
             </a:r>
           </a:p>
           <a:p>
@@ -8632,233 +9015,25 @@
                 <a:latin typeface="Courier New" pitchFamily="49" charset="0"/>
                 <a:cs typeface="Courier New" pitchFamily="49" charset="0"/>
               </a:rPr>
-              <a:t>// Method to compute total weight of all animals in a list.</a:t>
-            </a:r>
-          </a:p>
-          <a:p>
-            <a:r>
-              <a:rPr lang="en-US" sz="1600" b="1" dirty="0" err="1">
-                <a:latin typeface="Courier New" pitchFamily="49" charset="0"/>
-                <a:cs typeface="Courier New" pitchFamily="49" charset="0"/>
-              </a:rPr>
-              <a:t>def</a:t>
-            </a:r>
-            <a:r>
-              <a:rPr lang="en-US" sz="1600" dirty="0">
-                <a:latin typeface="Courier New" pitchFamily="49" charset="0"/>
-                <a:cs typeface="Courier New" pitchFamily="49" charset="0"/>
-              </a:rPr>
-              <a:t> </a:t>
-            </a:r>
-            <a:r>
-              <a:rPr lang="en-US" sz="1600" dirty="0" err="1">
-                <a:latin typeface="Courier New" pitchFamily="49" charset="0"/>
-                <a:cs typeface="Courier New" pitchFamily="49" charset="0"/>
-              </a:rPr>
-              <a:t>totalWeight</a:t>
-            </a:r>
-            <a:r>
-              <a:rPr lang="en-US" sz="1600" dirty="0">
-                <a:latin typeface="Courier New" pitchFamily="49" charset="0"/>
-                <a:cs typeface="Courier New" pitchFamily="49" charset="0"/>
-              </a:rPr>
-              <a:t>(zoo: List[Animal]) =</a:t>
-            </a:r>
-          </a:p>
-          <a:p>
-            <a:r>
-              <a:rPr lang="en-US" sz="1600" dirty="0">
-                <a:latin typeface="Courier New" pitchFamily="49" charset="0"/>
-                <a:cs typeface="Courier New" pitchFamily="49" charset="0"/>
-              </a:rPr>
-              <a:t>  </a:t>
-            </a:r>
-            <a:r>
-              <a:rPr lang="en-US" sz="1600" dirty="0" err="1">
-                <a:latin typeface="Courier New" pitchFamily="49" charset="0"/>
-                <a:cs typeface="Courier New" pitchFamily="49" charset="0"/>
-              </a:rPr>
-              <a:t>zoo.map</a:t>
-            </a:r>
-            <a:r>
-              <a:rPr lang="en-US" sz="1600" dirty="0">
-                <a:latin typeface="Courier New" pitchFamily="49" charset="0"/>
-                <a:cs typeface="Courier New" pitchFamily="49" charset="0"/>
-              </a:rPr>
-              <a:t>(_.weight).</a:t>
-            </a:r>
-            <a:r>
-              <a:rPr lang="en-US" sz="1600" dirty="0" err="1">
-                <a:latin typeface="Courier New" pitchFamily="49" charset="0"/>
-                <a:cs typeface="Courier New" pitchFamily="49" charset="0"/>
-              </a:rPr>
-              <a:t>foldLeft</a:t>
-            </a:r>
-            <a:r>
-              <a:rPr lang="en-US" sz="1600" dirty="0">
-                <a:latin typeface="Courier New" pitchFamily="49" charset="0"/>
-                <a:cs typeface="Courier New" pitchFamily="49" charset="0"/>
-              </a:rPr>
-              <a:t>(0.0)(_ + _)</a:t>
-            </a:r>
-          </a:p>
-          <a:p>
-            <a:endParaRPr lang="en-US" sz="1600" dirty="0">
-              <a:latin typeface="Courier New" pitchFamily="49" charset="0"/>
-              <a:cs typeface="Courier New" pitchFamily="49" charset="0"/>
-            </a:endParaRPr>
-          </a:p>
-          <a:p>
-            <a:r>
-              <a:rPr lang="en-US" sz="1600" dirty="0">
-                <a:latin typeface="Courier New" pitchFamily="49" charset="0"/>
-                <a:cs typeface="Courier New" pitchFamily="49" charset="0"/>
-              </a:rPr>
-              <a:t>// Send a list of Cats to the </a:t>
-            </a:r>
-            <a:r>
-              <a:rPr lang="en-US" sz="1600" dirty="0" err="1">
-                <a:latin typeface="Courier New" pitchFamily="49" charset="0"/>
-                <a:cs typeface="Courier New" pitchFamily="49" charset="0"/>
-              </a:rPr>
-              <a:t>totalWeight</a:t>
-            </a:r>
-            <a:r>
-              <a:rPr lang="en-US" sz="1600" dirty="0">
-                <a:latin typeface="Courier New" pitchFamily="49" charset="0"/>
-                <a:cs typeface="Courier New" pitchFamily="49" charset="0"/>
-              </a:rPr>
-              <a:t> method.</a:t>
-            </a:r>
-          </a:p>
-          <a:p>
-            <a:r>
-              <a:rPr lang="en-US" sz="1600" b="1" dirty="0" err="1">
-                <a:latin typeface="Courier New" pitchFamily="49" charset="0"/>
-                <a:cs typeface="Courier New" pitchFamily="49" charset="0"/>
-              </a:rPr>
-              <a:t>val</a:t>
-            </a:r>
-            <a:r>
-              <a:rPr lang="en-US" sz="1600" dirty="0">
-                <a:latin typeface="Courier New" pitchFamily="49" charset="0"/>
-                <a:cs typeface="Courier New" pitchFamily="49" charset="0"/>
-              </a:rPr>
-              <a:t> </a:t>
-            </a:r>
-            <a:r>
-              <a:rPr lang="en-US" sz="1600" dirty="0" err="1">
-                <a:latin typeface="Courier New" pitchFamily="49" charset="0"/>
-                <a:cs typeface="Courier New" pitchFamily="49" charset="0"/>
-              </a:rPr>
-              <a:t>catFarm</a:t>
-            </a:r>
-            <a:r>
-              <a:rPr lang="en-US" sz="1600" dirty="0">
-                <a:latin typeface="Courier New" pitchFamily="49" charset="0"/>
-                <a:cs typeface="Courier New" pitchFamily="49" charset="0"/>
-              </a:rPr>
-              <a:t> = List(</a:t>
-            </a:r>
-            <a:r>
-              <a:rPr lang="en-US" sz="1600" b="1" dirty="0">
-                <a:latin typeface="Courier New" pitchFamily="49" charset="0"/>
-                <a:cs typeface="Courier New" pitchFamily="49" charset="0"/>
-              </a:rPr>
-              <a:t>new</a:t>
-            </a:r>
-            <a:r>
-              <a:rPr lang="en-US" sz="1600" dirty="0">
-                <a:latin typeface="Courier New" pitchFamily="49" charset="0"/>
-                <a:cs typeface="Courier New" pitchFamily="49" charset="0"/>
-              </a:rPr>
-              <a:t> Cat(8.5), </a:t>
-            </a:r>
-            <a:r>
-              <a:rPr lang="en-US" sz="1600" b="1" dirty="0">
-                <a:latin typeface="Courier New" pitchFamily="49" charset="0"/>
-                <a:cs typeface="Courier New" pitchFamily="49" charset="0"/>
-              </a:rPr>
-              <a:t>new</a:t>
-            </a:r>
-            <a:r>
-              <a:rPr lang="en-US" sz="1600" dirty="0">
-                <a:latin typeface="Courier New" pitchFamily="49" charset="0"/>
-                <a:cs typeface="Courier New" pitchFamily="49" charset="0"/>
-              </a:rPr>
-              <a:t> Cat(5.2), </a:t>
-            </a:r>
-            <a:r>
-              <a:rPr lang="en-US" sz="1600" b="1" dirty="0">
-                <a:latin typeface="Courier New" pitchFamily="49" charset="0"/>
-                <a:cs typeface="Courier New" pitchFamily="49" charset="0"/>
-              </a:rPr>
-              <a:t>new</a:t>
-            </a:r>
-            <a:r>
-              <a:rPr lang="en-US" sz="1600" dirty="0">
-                <a:latin typeface="Courier New" pitchFamily="49" charset="0"/>
-                <a:cs typeface="Courier New" pitchFamily="49" charset="0"/>
-              </a:rPr>
-              <a:t> Cat(523.0))</a:t>
-            </a:r>
-          </a:p>
-          <a:p>
-            <a:r>
-              <a:rPr lang="en-US" sz="1600" b="1" dirty="0" err="1">
-                <a:latin typeface="Courier New" pitchFamily="49" charset="0"/>
-                <a:cs typeface="Courier New" pitchFamily="49" charset="0"/>
-              </a:rPr>
-              <a:t>val</a:t>
-            </a:r>
-            <a:r>
-              <a:rPr lang="en-US" sz="1600" dirty="0">
-                <a:latin typeface="Courier New" pitchFamily="49" charset="0"/>
-                <a:cs typeface="Courier New" pitchFamily="49" charset="0"/>
-              </a:rPr>
-              <a:t> </a:t>
-            </a:r>
-            <a:r>
-              <a:rPr lang="en-US" sz="1600" dirty="0" err="1">
-                <a:latin typeface="Courier New" pitchFamily="49" charset="0"/>
-                <a:cs typeface="Courier New" pitchFamily="49" charset="0"/>
-              </a:rPr>
-              <a:t>catWeight</a:t>
-            </a:r>
-            <a:r>
-              <a:rPr lang="en-US" sz="1600" dirty="0">
-                <a:latin typeface="Courier New" pitchFamily="49" charset="0"/>
-                <a:cs typeface="Courier New" pitchFamily="49" charset="0"/>
-              </a:rPr>
-              <a:t> = </a:t>
-            </a:r>
-            <a:r>
-              <a:rPr lang="en-US" sz="1600" dirty="0" err="1">
-                <a:latin typeface="Courier New" pitchFamily="49" charset="0"/>
-                <a:cs typeface="Courier New" pitchFamily="49" charset="0"/>
-              </a:rPr>
-              <a:t>totalWeight</a:t>
-            </a:r>
-            <a:r>
-              <a:rPr lang="en-US" sz="1600" dirty="0">
-                <a:latin typeface="Courier New" pitchFamily="49" charset="0"/>
-                <a:cs typeface="Courier New" pitchFamily="49" charset="0"/>
-              </a:rPr>
-              <a:t>(</a:t>
-            </a:r>
-            <a:r>
-              <a:rPr lang="en-US" sz="1600" dirty="0" err="1">
-                <a:latin typeface="Courier New" pitchFamily="49" charset="0"/>
-                <a:cs typeface="Courier New" pitchFamily="49" charset="0"/>
-              </a:rPr>
-              <a:t>catFarm</a:t>
-            </a:r>
-            <a:r>
-              <a:rPr lang="en-US" sz="1600" dirty="0">
-                <a:latin typeface="Courier New" pitchFamily="49" charset="0"/>
-                <a:cs typeface="Courier New" pitchFamily="49" charset="0"/>
-              </a:rPr>
-              <a:t>)</a:t>
+              <a:t>    // Return the result.</a:t>
+            </a:r>
+          </a:p>
+          <a:p>
+            <a:r>
+              <a:rPr lang="en-US" sz="1600" dirty="0">
+                <a:latin typeface="Courier New" pitchFamily="49" charset="0"/>
+                <a:cs typeface="Courier New" pitchFamily="49" charset="0"/>
+              </a:rPr>
+              <a:t>    flags</a:t>
+            </a:r>
+          </a:p>
+          <a:p>
+            <a:r>
+              <a:rPr lang="en-US" sz="1600" dirty="0">
+                <a:latin typeface="Courier New" pitchFamily="49" charset="0"/>
+                <a:cs typeface="Courier New" pitchFamily="49" charset="0"/>
+              </a:rPr>
+              <a:t>  }</a:t>
             </a:r>
           </a:p>
         </p:txBody>
@@ -8866,7 +9041,7 @@
     </p:spTree>
     <p:extLst>
       <p:ext uri="{BB962C8B-B14F-4D97-AF65-F5344CB8AC3E}">
-        <p14:creationId xmlns:p14="http://schemas.microsoft.com/office/powerpoint/2010/main" val="3527576188"/>
+        <p14:creationId xmlns:p14="http://schemas.microsoft.com/office/powerpoint/2010/main" val="2363170574"/>
       </p:ext>
     </p:extLst>
   </p:cSld>
